--- a/document/ppt.pptx
+++ b/document/ppt.pptx
@@ -5,17 +5,23 @@
     <p:sldMasterId id="2147483648" r:id="rId1"/>
   </p:sldMasterIdLst>
   <p:notesMasterIdLst>
-    <p:notesMasterId r:id="rId10"/>
+    <p:notesMasterId r:id="rId16"/>
   </p:notesMasterIdLst>
   <p:sldIdLst>
     <p:sldId id="256" r:id="rId2"/>
     <p:sldId id="258" r:id="rId3"/>
-    <p:sldId id="259" r:id="rId4"/>
-    <p:sldId id="260" r:id="rId5"/>
-    <p:sldId id="261" r:id="rId6"/>
-    <p:sldId id="264" r:id="rId7"/>
-    <p:sldId id="263" r:id="rId8"/>
-    <p:sldId id="262" r:id="rId9"/>
+    <p:sldId id="260" r:id="rId4"/>
+    <p:sldId id="259" r:id="rId5"/>
+    <p:sldId id="265" r:id="rId6"/>
+    <p:sldId id="261" r:id="rId7"/>
+    <p:sldId id="268" r:id="rId8"/>
+    <p:sldId id="269" r:id="rId9"/>
+    <p:sldId id="271" r:id="rId10"/>
+    <p:sldId id="270" r:id="rId11"/>
+    <p:sldId id="267" r:id="rId12"/>
+    <p:sldId id="266" r:id="rId13"/>
+    <p:sldId id="263" r:id="rId14"/>
+    <p:sldId id="262" r:id="rId15"/>
   </p:sldIdLst>
   <p:sldSz cx="9144000" cy="6858000" type="screen4x3"/>
   <p:notesSz cx="6858000" cy="9144000"/>
@@ -4038,6 +4044,1337 @@
 </p:sld>
 </file>
 
+<file path=ppt/slides/slide10.xml><?xml version="1.0" encoding="utf-8"?>
+<p:sld xmlns:a="http://schemas.openxmlformats.org/drawingml/2006/main" xmlns:r="http://schemas.openxmlformats.org/officeDocument/2006/relationships" xmlns:p="http://schemas.openxmlformats.org/presentationml/2006/main">
+  <p:cSld>
+    <p:spTree>
+      <p:nvGrpSpPr>
+        <p:cNvPr id="1" name=""/>
+        <p:cNvGrpSpPr/>
+        <p:nvPr/>
+      </p:nvGrpSpPr>
+      <p:grpSpPr>
+        <a:xfrm>
+          <a:off x="0" y="0"/>
+          <a:ext cx="0" cy="0"/>
+          <a:chOff x="0" y="0"/>
+          <a:chExt cx="0" cy="0"/>
+        </a:xfrm>
+      </p:grpSpPr>
+      <p:sp>
+        <p:nvSpPr>
+          <p:cNvPr id="4" name="직사각형 3"/>
+          <p:cNvSpPr/>
+          <p:nvPr/>
+        </p:nvSpPr>
+        <p:spPr>
+          <a:xfrm>
+            <a:off x="0" y="0"/>
+            <a:ext cx="9144000" cy="1052736"/>
+          </a:xfrm>
+          <a:prstGeom prst="rect">
+            <a:avLst/>
+          </a:prstGeom>
+          <a:solidFill>
+            <a:schemeClr val="bg1">
+              <a:lumMod val="75000"/>
+            </a:schemeClr>
+          </a:solidFill>
+          <a:ln>
+            <a:noFill/>
+          </a:ln>
+        </p:spPr>
+        <p:style>
+          <a:lnRef idx="2">
+            <a:schemeClr val="accent1">
+              <a:shade val="50000"/>
+            </a:schemeClr>
+          </a:lnRef>
+          <a:fillRef idx="1">
+            <a:schemeClr val="accent1"/>
+          </a:fillRef>
+          <a:effectRef idx="0">
+            <a:schemeClr val="accent1"/>
+          </a:effectRef>
+          <a:fontRef idx="minor">
+            <a:schemeClr val="lt1"/>
+          </a:fontRef>
+        </p:style>
+        <p:txBody>
+          <a:bodyPr rtlCol="0" anchor="ctr"/>
+          <a:lstStyle/>
+          <a:p>
+            <a:pPr algn="ctr"/>
+            <a:endParaRPr lang="ko-KR" altLang="en-US"/>
+          </a:p>
+        </p:txBody>
+      </p:sp>
+      <p:sp>
+        <p:nvSpPr>
+          <p:cNvPr id="6" name="TextBox 5"/>
+          <p:cNvSpPr txBox="1"/>
+          <p:nvPr/>
+        </p:nvSpPr>
+        <p:spPr>
+          <a:xfrm>
+            <a:off x="35496" y="129406"/>
+            <a:ext cx="3185487" cy="923330"/>
+          </a:xfrm>
+          <a:prstGeom prst="rect">
+            <a:avLst/>
+          </a:prstGeom>
+          <a:noFill/>
+        </p:spPr>
+        <p:txBody>
+          <a:bodyPr wrap="none" rtlCol="0">
+            <a:spAutoFit/>
+          </a:bodyPr>
+          <a:lstStyle/>
+          <a:p>
+            <a:r>
+              <a:rPr lang="ko-KR" altLang="en-US" sz="5400" dirty="0" smtClean="0">
+                <a:solidFill>
+                  <a:schemeClr val="tx2">
+                    <a:lumMod val="50000"/>
+                  </a:schemeClr>
+                </a:solidFill>
+                <a:latin typeface="210 맨발의청춘 R" pitchFamily="18" charset="-127"/>
+                <a:ea typeface="210 맨발의청춘 R" pitchFamily="18" charset="-127"/>
+              </a:rPr>
+              <a:t>구현 기능</a:t>
+            </a:r>
+            <a:endParaRPr lang="ko-KR" altLang="en-US" sz="5400" dirty="0">
+              <a:solidFill>
+                <a:schemeClr val="tx2">
+                  <a:lumMod val="50000"/>
+                </a:schemeClr>
+              </a:solidFill>
+              <a:latin typeface="210 맨발의청춘 R" pitchFamily="18" charset="-127"/>
+              <a:ea typeface="210 맨발의청춘 R" pitchFamily="18" charset="-127"/>
+            </a:endParaRPr>
+          </a:p>
+        </p:txBody>
+      </p:sp>
+      <p:sp>
+        <p:nvSpPr>
+          <p:cNvPr id="7" name="TextBox 6"/>
+          <p:cNvSpPr txBox="1"/>
+          <p:nvPr/>
+        </p:nvSpPr>
+        <p:spPr>
+          <a:xfrm>
+            <a:off x="1115616" y="1057819"/>
+            <a:ext cx="1415772" cy="584775"/>
+          </a:xfrm>
+          <a:prstGeom prst="rect">
+            <a:avLst/>
+          </a:prstGeom>
+          <a:noFill/>
+        </p:spPr>
+        <p:txBody>
+          <a:bodyPr wrap="none" rtlCol="0">
+            <a:spAutoFit/>
+          </a:bodyPr>
+          <a:lstStyle/>
+          <a:p>
+            <a:r>
+              <a:rPr lang="ko-KR" altLang="en-US" sz="3200" i="1" dirty="0" smtClean="0">
+                <a:solidFill>
+                  <a:schemeClr val="tx1">
+                    <a:lumMod val="50000"/>
+                    <a:lumOff val="50000"/>
+                  </a:schemeClr>
+                </a:solidFill>
+                <a:latin typeface="210 맨발의청춘 R" pitchFamily="18" charset="-127"/>
+                <a:ea typeface="210 맨발의청춘 R" pitchFamily="18" charset="-127"/>
+              </a:rPr>
+              <a:t>게시</a:t>
+            </a:r>
+            <a:r>
+              <a:rPr lang="ko-KR" altLang="en-US" sz="3200" i="1" dirty="0">
+                <a:solidFill>
+                  <a:schemeClr val="tx1">
+                    <a:lumMod val="50000"/>
+                    <a:lumOff val="50000"/>
+                  </a:schemeClr>
+                </a:solidFill>
+                <a:latin typeface="210 맨발의청춘 R" pitchFamily="18" charset="-127"/>
+                <a:ea typeface="210 맨발의청춘 R" pitchFamily="18" charset="-127"/>
+              </a:rPr>
+              <a:t>판</a:t>
+            </a:r>
+            <a:endParaRPr lang="ko-KR" altLang="en-US" sz="3200" i="1" dirty="0">
+              <a:solidFill>
+                <a:schemeClr val="tx1">
+                  <a:lumMod val="50000"/>
+                  <a:lumOff val="50000"/>
+                </a:schemeClr>
+              </a:solidFill>
+              <a:latin typeface="210 맨발의청춘 R" pitchFamily="18" charset="-127"/>
+              <a:ea typeface="210 맨발의청춘 R" pitchFamily="18" charset="-127"/>
+            </a:endParaRPr>
+          </a:p>
+        </p:txBody>
+      </p:sp>
+      <p:pic>
+        <p:nvPicPr>
+          <p:cNvPr id="4098" name="Picture 2" descr="C:\Users\Home\Pictures\캡처9.PNG"/>
+          <p:cNvPicPr>
+            <a:picLocks noChangeAspect="1" noChangeArrowheads="1"/>
+          </p:cNvPicPr>
+          <p:nvPr/>
+        </p:nvPicPr>
+        <p:blipFill>
+          <a:blip r:embed="rId2">
+            <a:extLst>
+              <a:ext uri="{28A0092B-C50C-407E-A947-70E740481C1C}">
+                <a14:useLocalDpi xmlns:a14="http://schemas.microsoft.com/office/drawing/2010/main" val="0"/>
+              </a:ext>
+            </a:extLst>
+          </a:blip>
+          <a:srcRect/>
+          <a:stretch>
+            <a:fillRect/>
+          </a:stretch>
+        </p:blipFill>
+        <p:spPr bwMode="auto">
+          <a:xfrm>
+            <a:off x="987" y="1675395"/>
+            <a:ext cx="9144000" cy="4819220"/>
+          </a:xfrm>
+          <a:prstGeom prst="rect">
+            <a:avLst/>
+          </a:prstGeom>
+          <a:noFill/>
+          <a:extLst>
+            <a:ext uri="{909E8E84-426E-40DD-AFC4-6F175D3DCCD1}">
+              <a14:hiddenFill xmlns:a14="http://schemas.microsoft.com/office/drawing/2010/main">
+                <a:solidFill>
+                  <a:srgbClr val="FFFFFF"/>
+                </a:solidFill>
+              </a14:hiddenFill>
+            </a:ext>
+          </a:extLst>
+        </p:spPr>
+      </p:pic>
+    </p:spTree>
+    <p:extLst>
+      <p:ext uri="{BB962C8B-B14F-4D97-AF65-F5344CB8AC3E}">
+        <p14:creationId xmlns:p14="http://schemas.microsoft.com/office/powerpoint/2010/main" val="2538434972"/>
+      </p:ext>
+    </p:extLst>
+  </p:cSld>
+  <p:clrMapOvr>
+    <a:masterClrMapping/>
+  </p:clrMapOvr>
+  <p:timing>
+    <p:tnLst>
+      <p:par>
+        <p:cTn id="1" dur="indefinite" restart="never" nodeType="tmRoot"/>
+      </p:par>
+    </p:tnLst>
+  </p:timing>
+</p:sld>
+</file>
+
+<file path=ppt/slides/slide11.xml><?xml version="1.0" encoding="utf-8"?>
+<p:sld xmlns:a="http://schemas.openxmlformats.org/drawingml/2006/main" xmlns:r="http://schemas.openxmlformats.org/officeDocument/2006/relationships" xmlns:p="http://schemas.openxmlformats.org/presentationml/2006/main">
+  <p:cSld>
+    <p:spTree>
+      <p:nvGrpSpPr>
+        <p:cNvPr id="1" name=""/>
+        <p:cNvGrpSpPr/>
+        <p:nvPr/>
+      </p:nvGrpSpPr>
+      <p:grpSpPr>
+        <a:xfrm>
+          <a:off x="0" y="0"/>
+          <a:ext cx="0" cy="0"/>
+          <a:chOff x="0" y="0"/>
+          <a:chExt cx="0" cy="0"/>
+        </a:xfrm>
+      </p:grpSpPr>
+      <p:sp>
+        <p:nvSpPr>
+          <p:cNvPr id="2" name="제목 1"/>
+          <p:cNvSpPr>
+            <a:spLocks noGrp="1"/>
+          </p:cNvSpPr>
+          <p:nvPr>
+            <p:ph type="title"/>
+          </p:nvPr>
+        </p:nvSpPr>
+        <p:spPr>
+          <a:xfrm>
+            <a:off x="2591272" y="2430016"/>
+            <a:ext cx="6552728" cy="1143000"/>
+          </a:xfrm>
+        </p:spPr>
+        <p:txBody>
+          <a:bodyPr/>
+          <a:lstStyle/>
+          <a:p>
+            <a:pPr algn="r"/>
+            <a:r>
+              <a:rPr lang="en-US" altLang="ko-KR" dirty="0" smtClean="0">
+                <a:solidFill>
+                  <a:srgbClr val="00B050"/>
+                </a:solidFill>
+                <a:latin typeface="210 맨발의청춘 R" pitchFamily="18" charset="-127"/>
+                <a:ea typeface="210 맨발의청춘 R" pitchFamily="18" charset="-127"/>
+              </a:rPr>
+              <a:t>D</a:t>
+            </a:r>
+            <a:r>
+              <a:rPr lang="en-US" altLang="ko-KR" dirty="0" smtClean="0">
+                <a:latin typeface="210 맨발의청춘 R" pitchFamily="18" charset="-127"/>
+                <a:ea typeface="210 맨발의청춘 R" pitchFamily="18" charset="-127"/>
+              </a:rPr>
+              <a:t>emonstration...</a:t>
+            </a:r>
+            <a:endParaRPr lang="ko-KR" altLang="en-US" dirty="0">
+              <a:latin typeface="210 맨발의청춘 R" pitchFamily="18" charset="-127"/>
+              <a:ea typeface="210 맨발의청춘 R" pitchFamily="18" charset="-127"/>
+            </a:endParaRPr>
+          </a:p>
+        </p:txBody>
+      </p:sp>
+      <p:cxnSp>
+        <p:nvCxnSpPr>
+          <p:cNvPr id="5" name="직선 연결선 4"/>
+          <p:cNvCxnSpPr/>
+          <p:nvPr/>
+        </p:nvCxnSpPr>
+        <p:spPr>
+          <a:xfrm>
+            <a:off x="1042988" y="3573016"/>
+            <a:ext cx="8101012" cy="0"/>
+          </a:xfrm>
+          <a:prstGeom prst="line">
+            <a:avLst/>
+          </a:prstGeom>
+          <a:ln w="44450">
+            <a:solidFill>
+              <a:schemeClr val="tx1">
+                <a:lumMod val="50000"/>
+                <a:lumOff val="50000"/>
+              </a:schemeClr>
+            </a:solidFill>
+          </a:ln>
+        </p:spPr>
+        <p:style>
+          <a:lnRef idx="1">
+            <a:schemeClr val="accent1"/>
+          </a:lnRef>
+          <a:fillRef idx="0">
+            <a:schemeClr val="accent1"/>
+          </a:fillRef>
+          <a:effectRef idx="0">
+            <a:schemeClr val="accent1"/>
+          </a:effectRef>
+          <a:fontRef idx="minor">
+            <a:schemeClr val="tx1"/>
+          </a:fontRef>
+        </p:style>
+      </p:cxnSp>
+      <p:pic>
+        <p:nvPicPr>
+          <p:cNvPr id="7170" name="Picture 2" descr="C:\Users\LG\Downloads\1494588708_basicman07.png"/>
+          <p:cNvPicPr>
+            <a:picLocks noChangeAspect="1" noChangeArrowheads="1"/>
+          </p:cNvPicPr>
+          <p:nvPr/>
+        </p:nvPicPr>
+        <p:blipFill>
+          <a:blip r:embed="rId2">
+            <a:duotone>
+              <a:prstClr val="black"/>
+              <a:srgbClr val="D9C3A5">
+                <a:tint val="50000"/>
+                <a:satMod val="180000"/>
+              </a:srgbClr>
+            </a:duotone>
+            <a:extLst>
+              <a:ext uri="{28A0092B-C50C-407E-A947-70E740481C1C}">
+                <a14:useLocalDpi xmlns:a14="http://schemas.microsoft.com/office/drawing/2010/main" val="0"/>
+              </a:ext>
+            </a:extLst>
+          </a:blip>
+          <a:srcRect/>
+          <a:stretch>
+            <a:fillRect/>
+          </a:stretch>
+        </p:blipFill>
+        <p:spPr bwMode="auto">
+          <a:xfrm flipH="1">
+            <a:off x="107504" y="1999037"/>
+            <a:ext cx="1511970" cy="2276849"/>
+          </a:xfrm>
+          <a:prstGeom prst="rect">
+            <a:avLst/>
+          </a:prstGeom>
+          <a:noFill/>
+          <a:extLst>
+            <a:ext uri="{909E8E84-426E-40DD-AFC4-6F175D3DCCD1}">
+              <a14:hiddenFill xmlns:a14="http://schemas.microsoft.com/office/drawing/2010/main">
+                <a:solidFill>
+                  <a:srgbClr val="FFFFFF"/>
+                </a:solidFill>
+              </a14:hiddenFill>
+            </a:ext>
+          </a:extLst>
+        </p:spPr>
+      </p:pic>
+    </p:spTree>
+    <p:extLst>
+      <p:ext uri="{BB962C8B-B14F-4D97-AF65-F5344CB8AC3E}">
+        <p14:creationId xmlns:p14="http://schemas.microsoft.com/office/powerpoint/2010/main" val="2204237897"/>
+      </p:ext>
+    </p:extLst>
+  </p:cSld>
+  <p:clrMapOvr>
+    <a:masterClrMapping/>
+  </p:clrMapOvr>
+  <p:timing>
+    <p:tnLst>
+      <p:par>
+        <p:cTn id="1" dur="indefinite" restart="never" nodeType="tmRoot"/>
+      </p:par>
+    </p:tnLst>
+  </p:timing>
+</p:sld>
+</file>
+
+<file path=ppt/slides/slide12.xml><?xml version="1.0" encoding="utf-8"?>
+<p:sld xmlns:a="http://schemas.openxmlformats.org/drawingml/2006/main" xmlns:r="http://schemas.openxmlformats.org/officeDocument/2006/relationships" xmlns:p="http://schemas.openxmlformats.org/presentationml/2006/main">
+  <p:cSld>
+    <p:spTree>
+      <p:nvGrpSpPr>
+        <p:cNvPr id="1" name=""/>
+        <p:cNvGrpSpPr/>
+        <p:nvPr/>
+      </p:nvGrpSpPr>
+      <p:grpSpPr>
+        <a:xfrm>
+          <a:off x="0" y="0"/>
+          <a:ext cx="0" cy="0"/>
+          <a:chOff x="0" y="0"/>
+          <a:chExt cx="0" cy="0"/>
+        </a:xfrm>
+      </p:grpSpPr>
+      <p:sp>
+        <p:nvSpPr>
+          <p:cNvPr id="30" name="직사각형 29"/>
+          <p:cNvSpPr/>
+          <p:nvPr/>
+        </p:nvSpPr>
+        <p:spPr>
+          <a:xfrm>
+            <a:off x="0" y="6702828"/>
+            <a:ext cx="9144000" cy="155172"/>
+          </a:xfrm>
+          <a:prstGeom prst="rect">
+            <a:avLst/>
+          </a:prstGeom>
+          <a:solidFill>
+            <a:schemeClr val="bg1">
+              <a:lumMod val="75000"/>
+            </a:schemeClr>
+          </a:solidFill>
+          <a:ln>
+            <a:noFill/>
+          </a:ln>
+        </p:spPr>
+        <p:style>
+          <a:lnRef idx="2">
+            <a:schemeClr val="accent1">
+              <a:shade val="50000"/>
+            </a:schemeClr>
+          </a:lnRef>
+          <a:fillRef idx="1">
+            <a:schemeClr val="accent1"/>
+          </a:fillRef>
+          <a:effectRef idx="0">
+            <a:schemeClr val="accent1"/>
+          </a:effectRef>
+          <a:fontRef idx="minor">
+            <a:schemeClr val="lt1"/>
+          </a:fontRef>
+        </p:style>
+        <p:txBody>
+          <a:bodyPr rtlCol="0" anchor="ctr"/>
+          <a:lstStyle/>
+          <a:p>
+            <a:pPr algn="ctr"/>
+            <a:endParaRPr lang="ko-KR" altLang="en-US"/>
+          </a:p>
+        </p:txBody>
+      </p:sp>
+      <p:sp>
+        <p:nvSpPr>
+          <p:cNvPr id="6" name="TextBox 5"/>
+          <p:cNvSpPr txBox="1"/>
+          <p:nvPr/>
+        </p:nvSpPr>
+        <p:spPr>
+          <a:xfrm>
+            <a:off x="35496" y="129406"/>
+            <a:ext cx="2492990" cy="923330"/>
+          </a:xfrm>
+          <a:prstGeom prst="rect">
+            <a:avLst/>
+          </a:prstGeom>
+          <a:noFill/>
+        </p:spPr>
+        <p:txBody>
+          <a:bodyPr wrap="none" rtlCol="0">
+            <a:spAutoFit/>
+          </a:bodyPr>
+          <a:lstStyle/>
+          <a:p>
+            <a:r>
+              <a:rPr lang="ko-KR" altLang="en-US" sz="5400" dirty="0" smtClean="0">
+                <a:solidFill>
+                  <a:schemeClr val="tx2">
+                    <a:lumMod val="50000"/>
+                  </a:schemeClr>
+                </a:solidFill>
+                <a:latin typeface="210 맨발의청춘 R" pitchFamily="18" charset="-127"/>
+                <a:ea typeface="210 맨발의청춘 R" pitchFamily="18" charset="-127"/>
+              </a:rPr>
+              <a:t>느낀 점</a:t>
+            </a:r>
+            <a:endParaRPr lang="ko-KR" altLang="en-US" sz="5400" dirty="0">
+              <a:solidFill>
+                <a:schemeClr val="tx2">
+                  <a:lumMod val="50000"/>
+                </a:schemeClr>
+              </a:solidFill>
+              <a:latin typeface="210 맨발의청춘 R" pitchFamily="18" charset="-127"/>
+              <a:ea typeface="210 맨발의청춘 R" pitchFamily="18" charset="-127"/>
+            </a:endParaRPr>
+          </a:p>
+        </p:txBody>
+      </p:sp>
+      <p:sp>
+        <p:nvSpPr>
+          <p:cNvPr id="7" name="TextBox 6"/>
+          <p:cNvSpPr txBox="1"/>
+          <p:nvPr/>
+        </p:nvSpPr>
+        <p:spPr>
+          <a:xfrm>
+            <a:off x="1115616" y="1057819"/>
+            <a:ext cx="1415772" cy="584775"/>
+          </a:xfrm>
+          <a:prstGeom prst="rect">
+            <a:avLst/>
+          </a:prstGeom>
+          <a:noFill/>
+        </p:spPr>
+        <p:txBody>
+          <a:bodyPr wrap="none" rtlCol="0">
+            <a:spAutoFit/>
+          </a:bodyPr>
+          <a:lstStyle/>
+          <a:p>
+            <a:r>
+              <a:rPr lang="ko-KR" altLang="en-US" sz="3200" i="1" dirty="0" smtClean="0">
+                <a:solidFill>
+                  <a:schemeClr val="tx1">
+                    <a:lumMod val="50000"/>
+                    <a:lumOff val="50000"/>
+                  </a:schemeClr>
+                </a:solidFill>
+                <a:latin typeface="210 맨발의청춘 R" pitchFamily="18" charset="-127"/>
+                <a:ea typeface="210 맨발의청춘 R" pitchFamily="18" charset="-127"/>
+              </a:rPr>
+              <a:t>마치며</a:t>
+            </a:r>
+            <a:endParaRPr lang="ko-KR" altLang="en-US" sz="3200" i="1" dirty="0">
+              <a:solidFill>
+                <a:schemeClr val="tx1">
+                  <a:lumMod val="50000"/>
+                  <a:lumOff val="50000"/>
+                </a:schemeClr>
+              </a:solidFill>
+              <a:latin typeface="210 맨발의청춘 R" pitchFamily="18" charset="-127"/>
+              <a:ea typeface="210 맨발의청춘 R" pitchFamily="18" charset="-127"/>
+            </a:endParaRPr>
+          </a:p>
+        </p:txBody>
+      </p:sp>
+      <p:pic>
+        <p:nvPicPr>
+          <p:cNvPr id="8200" name="Picture 8" descr="C:\Users\LG\Downloads\1494588751_Yoga_05.png"/>
+          <p:cNvPicPr>
+            <a:picLocks noChangeAspect="1" noChangeArrowheads="1"/>
+          </p:cNvPicPr>
+          <p:nvPr/>
+        </p:nvPicPr>
+        <p:blipFill>
+          <a:blip r:embed="rId2">
+            <a:extLst>
+              <a:ext uri="{28A0092B-C50C-407E-A947-70E740481C1C}">
+                <a14:useLocalDpi xmlns:a14="http://schemas.microsoft.com/office/drawing/2010/main" val="0"/>
+              </a:ext>
+            </a:extLst>
+          </a:blip>
+          <a:srcRect/>
+          <a:stretch>
+            <a:fillRect/>
+          </a:stretch>
+        </p:blipFill>
+        <p:spPr bwMode="auto">
+          <a:xfrm>
+            <a:off x="4245070" y="2636912"/>
+            <a:ext cx="1479058" cy="1479058"/>
+          </a:xfrm>
+          <a:prstGeom prst="rect">
+            <a:avLst/>
+          </a:prstGeom>
+          <a:noFill/>
+          <a:extLst>
+            <a:ext uri="{909E8E84-426E-40DD-AFC4-6F175D3DCCD1}">
+              <a14:hiddenFill xmlns:a14="http://schemas.microsoft.com/office/drawing/2010/main">
+                <a:solidFill>
+                  <a:srgbClr val="FFFFFF"/>
+                </a:solidFill>
+              </a14:hiddenFill>
+            </a:ext>
+          </a:extLst>
+        </p:spPr>
+      </p:pic>
+      <p:pic>
+        <p:nvPicPr>
+          <p:cNvPr id="8201" name="Picture 9" descr="C:\Users\LG\Downloads\1494588754_Yoga_09.png"/>
+          <p:cNvPicPr>
+            <a:picLocks noChangeAspect="1" noChangeArrowheads="1"/>
+          </p:cNvPicPr>
+          <p:nvPr/>
+        </p:nvPicPr>
+        <p:blipFill>
+          <a:blip r:embed="rId3">
+            <a:extLst>
+              <a:ext uri="{28A0092B-C50C-407E-A947-70E740481C1C}">
+                <a14:useLocalDpi xmlns:a14="http://schemas.microsoft.com/office/drawing/2010/main" val="0"/>
+              </a:ext>
+            </a:extLst>
+          </a:blip>
+          <a:srcRect/>
+          <a:stretch>
+            <a:fillRect/>
+          </a:stretch>
+        </p:blipFill>
+        <p:spPr bwMode="auto">
+          <a:xfrm>
+            <a:off x="7452320" y="2852936"/>
+            <a:ext cx="1481584" cy="1481584"/>
+          </a:xfrm>
+          <a:prstGeom prst="rect">
+            <a:avLst/>
+          </a:prstGeom>
+          <a:noFill/>
+          <a:extLst>
+            <a:ext uri="{909E8E84-426E-40DD-AFC4-6F175D3DCCD1}">
+              <a14:hiddenFill xmlns:a14="http://schemas.microsoft.com/office/drawing/2010/main">
+                <a:solidFill>
+                  <a:srgbClr val="FFFFFF"/>
+                </a:solidFill>
+              </a14:hiddenFill>
+            </a:ext>
+          </a:extLst>
+        </p:spPr>
+      </p:pic>
+      <p:pic>
+        <p:nvPicPr>
+          <p:cNvPr id="8202" name="Picture 10" descr="C:\Users\LG\Downloads\1494588755_Yoga_02.png"/>
+          <p:cNvPicPr>
+            <a:picLocks noChangeAspect="1" noChangeArrowheads="1"/>
+          </p:cNvPicPr>
+          <p:nvPr/>
+        </p:nvPicPr>
+        <p:blipFill>
+          <a:blip r:embed="rId4">
+            <a:extLst>
+              <a:ext uri="{28A0092B-C50C-407E-A947-70E740481C1C}">
+                <a14:useLocalDpi xmlns:a14="http://schemas.microsoft.com/office/drawing/2010/main" val="0"/>
+              </a:ext>
+            </a:extLst>
+          </a:blip>
+          <a:srcRect/>
+          <a:stretch>
+            <a:fillRect/>
+          </a:stretch>
+        </p:blipFill>
+        <p:spPr bwMode="auto">
+          <a:xfrm>
+            <a:off x="5829246" y="2708920"/>
+            <a:ext cx="1479058" cy="1479058"/>
+          </a:xfrm>
+          <a:prstGeom prst="rect">
+            <a:avLst/>
+          </a:prstGeom>
+          <a:noFill/>
+          <a:extLst>
+            <a:ext uri="{909E8E84-426E-40DD-AFC4-6F175D3DCCD1}">
+              <a14:hiddenFill xmlns:a14="http://schemas.microsoft.com/office/drawing/2010/main">
+                <a:solidFill>
+                  <a:srgbClr val="FFFFFF"/>
+                </a:solidFill>
+              </a14:hiddenFill>
+            </a:ext>
+          </a:extLst>
+        </p:spPr>
+      </p:pic>
+      <p:pic>
+        <p:nvPicPr>
+          <p:cNvPr id="8203" name="Picture 11" descr="C:\Users\LG\Downloads\1494588756_Yoga_08.png"/>
+          <p:cNvPicPr>
+            <a:picLocks noChangeAspect="1" noChangeArrowheads="1"/>
+          </p:cNvPicPr>
+          <p:nvPr/>
+        </p:nvPicPr>
+        <p:blipFill>
+          <a:blip r:embed="rId5">
+            <a:extLst>
+              <a:ext uri="{28A0092B-C50C-407E-A947-70E740481C1C}">
+                <a14:useLocalDpi xmlns:a14="http://schemas.microsoft.com/office/drawing/2010/main" val="0"/>
+              </a:ext>
+            </a:extLst>
+          </a:blip>
+          <a:srcRect/>
+          <a:stretch>
+            <a:fillRect/>
+          </a:stretch>
+        </p:blipFill>
+        <p:spPr bwMode="auto">
+          <a:xfrm>
+            <a:off x="2802383" y="4005063"/>
+            <a:ext cx="1625601" cy="1625601"/>
+          </a:xfrm>
+          <a:prstGeom prst="rect">
+            <a:avLst/>
+          </a:prstGeom>
+          <a:noFill/>
+          <a:extLst>
+            <a:ext uri="{909E8E84-426E-40DD-AFC4-6F175D3DCCD1}">
+              <a14:hiddenFill xmlns:a14="http://schemas.microsoft.com/office/drawing/2010/main">
+                <a:solidFill>
+                  <a:srgbClr val="FFFFFF"/>
+                </a:solidFill>
+              </a14:hiddenFill>
+            </a:ext>
+          </a:extLst>
+        </p:spPr>
+      </p:pic>
+      <p:pic>
+        <p:nvPicPr>
+          <p:cNvPr id="8204" name="Picture 12" descr="C:\Users\LG\Downloads\1494588764_Yoga_04.png"/>
+          <p:cNvPicPr>
+            <a:picLocks noChangeAspect="1" noChangeArrowheads="1"/>
+          </p:cNvPicPr>
+          <p:nvPr/>
+        </p:nvPicPr>
+        <p:blipFill>
+          <a:blip r:embed="rId6">
+            <a:extLst>
+              <a:ext uri="{28A0092B-C50C-407E-A947-70E740481C1C}">
+                <a14:useLocalDpi xmlns:a14="http://schemas.microsoft.com/office/drawing/2010/main" val="0"/>
+              </a:ext>
+            </a:extLst>
+          </a:blip>
+          <a:srcRect/>
+          <a:stretch>
+            <a:fillRect/>
+          </a:stretch>
+        </p:blipFill>
+        <p:spPr bwMode="auto">
+          <a:xfrm>
+            <a:off x="1424514" y="4139362"/>
+            <a:ext cx="1491302" cy="1491302"/>
+          </a:xfrm>
+          <a:prstGeom prst="rect">
+            <a:avLst/>
+          </a:prstGeom>
+          <a:noFill/>
+          <a:extLst>
+            <a:ext uri="{909E8E84-426E-40DD-AFC4-6F175D3DCCD1}">
+              <a14:hiddenFill xmlns:a14="http://schemas.microsoft.com/office/drawing/2010/main">
+                <a:solidFill>
+                  <a:srgbClr val="FFFFFF"/>
+                </a:solidFill>
+              </a14:hiddenFill>
+            </a:ext>
+          </a:extLst>
+        </p:spPr>
+      </p:pic>
+      <p:pic>
+        <p:nvPicPr>
+          <p:cNvPr id="8205" name="Picture 13" descr="C:\Users\LG\Downloads\1494588753_Yoga_07.png"/>
+          <p:cNvPicPr>
+            <a:picLocks noChangeAspect="1" noChangeArrowheads="1"/>
+          </p:cNvPicPr>
+          <p:nvPr/>
+        </p:nvPicPr>
+        <p:blipFill>
+          <a:blip r:embed="rId7">
+            <a:extLst>
+              <a:ext uri="{28A0092B-C50C-407E-A947-70E740481C1C}">
+                <a14:useLocalDpi xmlns:a14="http://schemas.microsoft.com/office/drawing/2010/main" val="0"/>
+              </a:ext>
+            </a:extLst>
+          </a:blip>
+          <a:srcRect/>
+          <a:stretch>
+            <a:fillRect/>
+          </a:stretch>
+        </p:blipFill>
+        <p:spPr bwMode="auto">
+          <a:xfrm>
+            <a:off x="35496" y="4149080"/>
+            <a:ext cx="1296144" cy="1296144"/>
+          </a:xfrm>
+          <a:prstGeom prst="rect">
+            <a:avLst/>
+          </a:prstGeom>
+          <a:noFill/>
+          <a:extLst>
+            <a:ext uri="{909E8E84-426E-40DD-AFC4-6F175D3DCCD1}">
+              <a14:hiddenFill xmlns:a14="http://schemas.microsoft.com/office/drawing/2010/main">
+                <a:solidFill>
+                  <a:srgbClr val="FFFFFF"/>
+                </a:solidFill>
+              </a14:hiddenFill>
+            </a:ext>
+          </a:extLst>
+        </p:spPr>
+      </p:pic>
+      <p:sp>
+        <p:nvSpPr>
+          <p:cNvPr id="26" name="TextBox 25"/>
+          <p:cNvSpPr txBox="1"/>
+          <p:nvPr/>
+        </p:nvSpPr>
+        <p:spPr>
+          <a:xfrm>
+            <a:off x="3104551" y="2666119"/>
+            <a:ext cx="2281037" cy="1569660"/>
+          </a:xfrm>
+          <a:prstGeom prst="rect">
+            <a:avLst/>
+          </a:prstGeom>
+          <a:noFill/>
+        </p:spPr>
+        <p:txBody>
+          <a:bodyPr wrap="square" rtlCol="0">
+            <a:spAutoFit/>
+          </a:bodyPr>
+          <a:lstStyle/>
+          <a:p>
+            <a:r>
+              <a:rPr lang="ko-KR" altLang="en-US" sz="9600" b="1" dirty="0">
+                <a:latin typeface="나눔바른펜" pitchFamily="50" charset="-127"/>
+                <a:ea typeface="나눔바른펜" pitchFamily="50" charset="-127"/>
+              </a:rPr>
+              <a:t>말</a:t>
+            </a:r>
+            <a:r>
+              <a:rPr lang="en-US" altLang="ko-KR" sz="4400" b="1" dirty="0" smtClean="0">
+                <a:solidFill>
+                  <a:schemeClr val="bg1"/>
+                </a:solidFill>
+                <a:latin typeface="나눔바른펜" pitchFamily="50" charset="-127"/>
+                <a:ea typeface="나눔바른펜" pitchFamily="50" charset="-127"/>
+              </a:rPr>
+              <a:t>T</a:t>
+            </a:r>
+            <a:endParaRPr lang="ko-KR" altLang="en-US" sz="4400" b="1" dirty="0">
+              <a:solidFill>
+                <a:schemeClr val="bg1"/>
+              </a:solidFill>
+              <a:latin typeface="나눔바른펜" pitchFamily="50" charset="-127"/>
+              <a:ea typeface="나눔바른펜" pitchFamily="50" charset="-127"/>
+            </a:endParaRPr>
+          </a:p>
+        </p:txBody>
+      </p:sp>
+      <p:sp>
+        <p:nvSpPr>
+          <p:cNvPr id="29" name="TextBox 28"/>
+          <p:cNvSpPr txBox="1"/>
+          <p:nvPr/>
+        </p:nvSpPr>
+        <p:spPr>
+          <a:xfrm>
+            <a:off x="5281039" y="5589240"/>
+            <a:ext cx="2614370" cy="523220"/>
+          </a:xfrm>
+          <a:prstGeom prst="rect">
+            <a:avLst/>
+          </a:prstGeom>
+          <a:noFill/>
+        </p:spPr>
+        <p:txBody>
+          <a:bodyPr wrap="none" rtlCol="0">
+            <a:spAutoFit/>
+          </a:bodyPr>
+          <a:lstStyle/>
+          <a:p>
+            <a:r>
+              <a:rPr lang="en-US" altLang="ko-KR" sz="2800" i="1" dirty="0" smtClean="0">
+                <a:solidFill>
+                  <a:schemeClr val="bg1"/>
+                </a:solidFill>
+                <a:latin typeface="나눔바른펜" pitchFamily="50" charset="-127"/>
+                <a:ea typeface="나눔바른펜" pitchFamily="50" charset="-127"/>
+              </a:rPr>
+              <a:t>Contents sub title</a:t>
+            </a:r>
+          </a:p>
+        </p:txBody>
+      </p:sp>
+      <p:sp>
+        <p:nvSpPr>
+          <p:cNvPr id="2" name="TextBox 1"/>
+          <p:cNvSpPr txBox="1"/>
+          <p:nvPr/>
+        </p:nvSpPr>
+        <p:spPr>
+          <a:xfrm>
+            <a:off x="3779912" y="3448449"/>
+            <a:ext cx="1792360" cy="1323439"/>
+          </a:xfrm>
+          <a:prstGeom prst="rect">
+            <a:avLst/>
+          </a:prstGeom>
+          <a:noFill/>
+        </p:spPr>
+        <p:txBody>
+          <a:bodyPr wrap="square" rtlCol="0">
+            <a:spAutoFit/>
+          </a:bodyPr>
+          <a:lstStyle/>
+          <a:p>
+            <a:r>
+              <a:rPr lang="en-US" altLang="ko-KR" sz="4000" dirty="0"/>
+              <a:t/>
+            </a:r>
+            <a:br>
+              <a:rPr lang="en-US" altLang="ko-KR" sz="4000" dirty="0"/>
+            </a:br>
+            <a:r>
+              <a:rPr lang="en-US" altLang="ko-KR" sz="4000" dirty="0">
+                <a:solidFill>
+                  <a:schemeClr val="bg1">
+                    <a:lumMod val="50000"/>
+                  </a:schemeClr>
+                </a:solidFill>
+              </a:rPr>
+              <a:t>Words</a:t>
+            </a:r>
+            <a:endParaRPr lang="ko-KR" altLang="en-US" sz="4000" dirty="0">
+              <a:solidFill>
+                <a:schemeClr val="bg1">
+                  <a:lumMod val="50000"/>
+                </a:schemeClr>
+              </a:solidFill>
+            </a:endParaRPr>
+          </a:p>
+        </p:txBody>
+      </p:sp>
+    </p:spTree>
+    <p:extLst>
+      <p:ext uri="{BB962C8B-B14F-4D97-AF65-F5344CB8AC3E}">
+        <p14:creationId xmlns:p14="http://schemas.microsoft.com/office/powerpoint/2010/main" val="3928453969"/>
+      </p:ext>
+    </p:extLst>
+  </p:cSld>
+  <p:clrMapOvr>
+    <a:masterClrMapping/>
+  </p:clrMapOvr>
+  <p:timing>
+    <p:tnLst>
+      <p:par>
+        <p:cTn id="1" dur="indefinite" restart="never" nodeType="tmRoot"/>
+      </p:par>
+    </p:tnLst>
+  </p:timing>
+</p:sld>
+</file>
+
+<file path=ppt/slides/slide13.xml><?xml version="1.0" encoding="utf-8"?>
+<p:sld xmlns:a="http://schemas.openxmlformats.org/drawingml/2006/main" xmlns:r="http://schemas.openxmlformats.org/officeDocument/2006/relationships" xmlns:p="http://schemas.openxmlformats.org/presentationml/2006/main">
+  <p:cSld>
+    <p:bg>
+      <p:bgPr>
+        <a:solidFill>
+          <a:schemeClr val="bg1">
+            <a:lumMod val="95000"/>
+          </a:schemeClr>
+        </a:solidFill>
+        <a:effectLst/>
+      </p:bgPr>
+    </p:bg>
+    <p:spTree>
+      <p:nvGrpSpPr>
+        <p:cNvPr id="1" name=""/>
+        <p:cNvGrpSpPr/>
+        <p:nvPr/>
+      </p:nvGrpSpPr>
+      <p:grpSpPr>
+        <a:xfrm>
+          <a:off x="0" y="0"/>
+          <a:ext cx="0" cy="0"/>
+          <a:chOff x="0" y="0"/>
+          <a:chExt cx="0" cy="0"/>
+        </a:xfrm>
+      </p:grpSpPr>
+      <p:sp>
+        <p:nvSpPr>
+          <p:cNvPr id="2" name="제목 1"/>
+          <p:cNvSpPr>
+            <a:spLocks noGrp="1"/>
+          </p:cNvSpPr>
+          <p:nvPr>
+            <p:ph type="title"/>
+          </p:nvPr>
+        </p:nvSpPr>
+        <p:spPr>
+          <a:xfrm>
+            <a:off x="2591272" y="2430016"/>
+            <a:ext cx="6552728" cy="1143000"/>
+          </a:xfrm>
+        </p:spPr>
+        <p:txBody>
+          <a:bodyPr/>
+          <a:lstStyle/>
+          <a:p>
+            <a:pPr algn="r"/>
+            <a:r>
+              <a:rPr lang="en-US" altLang="ko-KR" dirty="0" smtClean="0">
+                <a:solidFill>
+                  <a:schemeClr val="accent6">
+                    <a:lumMod val="50000"/>
+                  </a:schemeClr>
+                </a:solidFill>
+                <a:latin typeface="210 맨발의청춘 R" pitchFamily="18" charset="-127"/>
+                <a:ea typeface="210 맨발의청춘 R" pitchFamily="18" charset="-127"/>
+              </a:rPr>
+              <a:t>A</a:t>
+            </a:r>
+            <a:r>
+              <a:rPr lang="en-US" altLang="ko-KR" dirty="0" smtClean="0">
+                <a:solidFill>
+                  <a:schemeClr val="tx1">
+                    <a:lumMod val="65000"/>
+                    <a:lumOff val="35000"/>
+                  </a:schemeClr>
+                </a:solidFill>
+                <a:latin typeface="210 맨발의청춘 R" pitchFamily="18" charset="-127"/>
+                <a:ea typeface="210 맨발의청춘 R" pitchFamily="18" charset="-127"/>
+              </a:rPr>
+              <a:t>NY QUESTIONS?</a:t>
+            </a:r>
+            <a:endParaRPr lang="ko-KR" altLang="en-US" dirty="0">
+              <a:solidFill>
+                <a:schemeClr val="tx1">
+                  <a:lumMod val="65000"/>
+                  <a:lumOff val="35000"/>
+                </a:schemeClr>
+              </a:solidFill>
+              <a:latin typeface="210 맨발의청춘 R" pitchFamily="18" charset="-127"/>
+              <a:ea typeface="210 맨발의청춘 R" pitchFamily="18" charset="-127"/>
+            </a:endParaRPr>
+          </a:p>
+        </p:txBody>
+      </p:sp>
+      <p:cxnSp>
+        <p:nvCxnSpPr>
+          <p:cNvPr id="5" name="직선 연결선 4"/>
+          <p:cNvCxnSpPr/>
+          <p:nvPr/>
+        </p:nvCxnSpPr>
+        <p:spPr>
+          <a:xfrm>
+            <a:off x="1042988" y="3573016"/>
+            <a:ext cx="8101012" cy="0"/>
+          </a:xfrm>
+          <a:prstGeom prst="line">
+            <a:avLst/>
+          </a:prstGeom>
+          <a:ln w="44450">
+            <a:solidFill>
+              <a:schemeClr val="tx1">
+                <a:lumMod val="50000"/>
+                <a:lumOff val="50000"/>
+              </a:schemeClr>
+            </a:solidFill>
+          </a:ln>
+        </p:spPr>
+        <p:style>
+          <a:lnRef idx="1">
+            <a:schemeClr val="accent1"/>
+          </a:lnRef>
+          <a:fillRef idx="0">
+            <a:schemeClr val="accent1"/>
+          </a:fillRef>
+          <a:effectRef idx="0">
+            <a:schemeClr val="accent1"/>
+          </a:effectRef>
+          <a:fontRef idx="minor">
+            <a:schemeClr val="tx1"/>
+          </a:fontRef>
+        </p:style>
+      </p:cxnSp>
+      <p:pic>
+        <p:nvPicPr>
+          <p:cNvPr id="7170" name="Picture 2" descr="C:\Users\LG\Downloads\1494588708_basicman07.png"/>
+          <p:cNvPicPr>
+            <a:picLocks noChangeAspect="1" noChangeArrowheads="1"/>
+          </p:cNvPicPr>
+          <p:nvPr/>
+        </p:nvPicPr>
+        <p:blipFill>
+          <a:blip r:embed="rId2">
+            <a:duotone>
+              <a:prstClr val="black"/>
+              <a:srgbClr val="D9C3A5">
+                <a:tint val="50000"/>
+                <a:satMod val="180000"/>
+              </a:srgbClr>
+            </a:duotone>
+            <a:extLst>
+              <a:ext uri="{28A0092B-C50C-407E-A947-70E740481C1C}">
+                <a14:useLocalDpi xmlns:a14="http://schemas.microsoft.com/office/drawing/2010/main" val="0"/>
+              </a:ext>
+            </a:extLst>
+          </a:blip>
+          <a:srcRect/>
+          <a:stretch>
+            <a:fillRect/>
+          </a:stretch>
+        </p:blipFill>
+        <p:spPr bwMode="auto">
+          <a:xfrm flipH="1">
+            <a:off x="107504" y="1999037"/>
+            <a:ext cx="1511970" cy="2276849"/>
+          </a:xfrm>
+          <a:prstGeom prst="rect">
+            <a:avLst/>
+          </a:prstGeom>
+          <a:noFill/>
+          <a:extLst>
+            <a:ext uri="{909E8E84-426E-40DD-AFC4-6F175D3DCCD1}">
+              <a14:hiddenFill xmlns:a14="http://schemas.microsoft.com/office/drawing/2010/main">
+                <a:solidFill>
+                  <a:srgbClr val="FFFFFF"/>
+                </a:solidFill>
+              </a14:hiddenFill>
+            </a:ext>
+          </a:extLst>
+        </p:spPr>
+      </p:pic>
+    </p:spTree>
+    <p:extLst>
+      <p:ext uri="{BB962C8B-B14F-4D97-AF65-F5344CB8AC3E}">
+        <p14:creationId xmlns:p14="http://schemas.microsoft.com/office/powerpoint/2010/main" val="22648944"/>
+      </p:ext>
+    </p:extLst>
+  </p:cSld>
+  <p:clrMapOvr>
+    <a:masterClrMapping/>
+  </p:clrMapOvr>
+  <p:timing>
+    <p:tnLst>
+      <p:par>
+        <p:cTn id="1" dur="indefinite" restart="never" nodeType="tmRoot"/>
+      </p:par>
+    </p:tnLst>
+  </p:timing>
+</p:sld>
+</file>
+
+<file path=ppt/slides/slide14.xml><?xml version="1.0" encoding="utf-8"?>
+<p:sld xmlns:a="http://schemas.openxmlformats.org/drawingml/2006/main" xmlns:r="http://schemas.openxmlformats.org/officeDocument/2006/relationships" xmlns:p="http://schemas.openxmlformats.org/presentationml/2006/main">
+  <p:cSld>
+    <p:bg>
+      <p:bgPr>
+        <a:solidFill>
+          <a:schemeClr val="bg1">
+            <a:lumMod val="95000"/>
+          </a:schemeClr>
+        </a:solidFill>
+        <a:effectLst/>
+      </p:bgPr>
+    </p:bg>
+    <p:spTree>
+      <p:nvGrpSpPr>
+        <p:cNvPr id="1" name=""/>
+        <p:cNvGrpSpPr/>
+        <p:nvPr/>
+      </p:nvGrpSpPr>
+      <p:grpSpPr>
+        <a:xfrm>
+          <a:off x="0" y="0"/>
+          <a:ext cx="0" cy="0"/>
+          <a:chOff x="0" y="0"/>
+          <a:chExt cx="0" cy="0"/>
+        </a:xfrm>
+      </p:grpSpPr>
+      <p:sp>
+        <p:nvSpPr>
+          <p:cNvPr id="2" name="제목 1"/>
+          <p:cNvSpPr>
+            <a:spLocks noGrp="1"/>
+          </p:cNvSpPr>
+          <p:nvPr>
+            <p:ph type="title"/>
+          </p:nvPr>
+        </p:nvSpPr>
+        <p:spPr>
+          <a:xfrm>
+            <a:off x="251520" y="2564904"/>
+            <a:ext cx="6552728" cy="1143000"/>
+          </a:xfrm>
+        </p:spPr>
+        <p:txBody>
+          <a:bodyPr/>
+          <a:lstStyle/>
+          <a:p>
+            <a:pPr algn="l"/>
+            <a:r>
+              <a:rPr lang="en-US" altLang="ko-KR" dirty="0" smtClean="0">
+                <a:solidFill>
+                  <a:schemeClr val="accent2">
+                    <a:lumMod val="75000"/>
+                  </a:schemeClr>
+                </a:solidFill>
+                <a:latin typeface="210 맨발의청춘 R" pitchFamily="18" charset="-127"/>
+                <a:ea typeface="210 맨발의청춘 R" pitchFamily="18" charset="-127"/>
+              </a:rPr>
+              <a:t>T</a:t>
+            </a:r>
+            <a:r>
+              <a:rPr lang="en-US" altLang="ko-KR" dirty="0" smtClean="0">
+                <a:latin typeface="210 맨발의청춘 R" pitchFamily="18" charset="-127"/>
+                <a:ea typeface="210 맨발의청춘 R" pitchFamily="18" charset="-127"/>
+              </a:rPr>
+              <a:t>HANK YOU</a:t>
+            </a:r>
+            <a:endParaRPr lang="ko-KR" altLang="en-US" dirty="0">
+              <a:latin typeface="210 맨발의청춘 R" pitchFamily="18" charset="-127"/>
+              <a:ea typeface="210 맨발의청춘 R" pitchFamily="18" charset="-127"/>
+            </a:endParaRPr>
+          </a:p>
+        </p:txBody>
+      </p:sp>
+      <p:cxnSp>
+        <p:nvCxnSpPr>
+          <p:cNvPr id="5" name="직선 연결선 4"/>
+          <p:cNvCxnSpPr/>
+          <p:nvPr/>
+        </p:nvCxnSpPr>
+        <p:spPr>
+          <a:xfrm>
+            <a:off x="-36512" y="3573016"/>
+            <a:ext cx="8101012" cy="0"/>
+          </a:xfrm>
+          <a:prstGeom prst="line">
+            <a:avLst/>
+          </a:prstGeom>
+          <a:ln w="44450">
+            <a:solidFill>
+              <a:schemeClr val="tx1">
+                <a:lumMod val="50000"/>
+                <a:lumOff val="50000"/>
+              </a:schemeClr>
+            </a:solidFill>
+          </a:ln>
+        </p:spPr>
+        <p:style>
+          <a:lnRef idx="1">
+            <a:schemeClr val="accent1"/>
+          </a:lnRef>
+          <a:fillRef idx="0">
+            <a:schemeClr val="accent1"/>
+          </a:fillRef>
+          <a:effectRef idx="0">
+            <a:schemeClr val="accent1"/>
+          </a:effectRef>
+          <a:fontRef idx="minor">
+            <a:schemeClr val="tx1"/>
+          </a:fontRef>
+        </p:style>
+      </p:cxnSp>
+      <p:pic>
+        <p:nvPicPr>
+          <p:cNvPr id="6147" name="Picture 3" descr="C:\Users\LG\Downloads\1494588665_basicwoman09.png"/>
+          <p:cNvPicPr>
+            <a:picLocks noChangeAspect="1" noChangeArrowheads="1"/>
+          </p:cNvPicPr>
+          <p:nvPr/>
+        </p:nvPicPr>
+        <p:blipFill>
+          <a:blip r:embed="rId2">
+            <a:duotone>
+              <a:prstClr val="black"/>
+              <a:srgbClr val="D9C3A5">
+                <a:tint val="50000"/>
+                <a:satMod val="180000"/>
+              </a:srgbClr>
+            </a:duotone>
+            <a:extLst>
+              <a:ext uri="{28A0092B-C50C-407E-A947-70E740481C1C}">
+                <a14:useLocalDpi xmlns:a14="http://schemas.microsoft.com/office/drawing/2010/main" val="0"/>
+              </a:ext>
+            </a:extLst>
+          </a:blip>
+          <a:srcRect/>
+          <a:stretch>
+            <a:fillRect/>
+          </a:stretch>
+        </p:blipFill>
+        <p:spPr bwMode="auto">
+          <a:xfrm>
+            <a:off x="7524750" y="1822655"/>
+            <a:ext cx="1619250" cy="2438400"/>
+          </a:xfrm>
+          <a:prstGeom prst="rect">
+            <a:avLst/>
+          </a:prstGeom>
+          <a:noFill/>
+          <a:extLst>
+            <a:ext uri="{909E8E84-426E-40DD-AFC4-6F175D3DCCD1}">
+              <a14:hiddenFill xmlns:a14="http://schemas.microsoft.com/office/drawing/2010/main">
+                <a:solidFill>
+                  <a:srgbClr val="FFFFFF"/>
+                </a:solidFill>
+              </a14:hiddenFill>
+            </a:ext>
+          </a:extLst>
+        </p:spPr>
+      </p:pic>
+    </p:spTree>
+    <p:extLst>
+      <p:ext uri="{BB962C8B-B14F-4D97-AF65-F5344CB8AC3E}">
+        <p14:creationId xmlns:p14="http://schemas.microsoft.com/office/powerpoint/2010/main" val="3923970264"/>
+      </p:ext>
+    </p:extLst>
+  </p:cSld>
+  <p:clrMapOvr>
+    <a:masterClrMapping/>
+  </p:clrMapOvr>
+  <p:timing>
+    <p:tnLst>
+      <p:par>
+        <p:cTn id="1" dur="indefinite" restart="never" nodeType="tmRoot"/>
+      </p:par>
+    </p:tnLst>
+  </p:timing>
+</p:sld>
+</file>
+
 <file path=ppt/slides/slide2.xml><?xml version="1.0" encoding="utf-8"?>
 <p:sld xmlns:a="http://schemas.openxmlformats.org/drawingml/2006/main" xmlns:r="http://schemas.openxmlformats.org/officeDocument/2006/relationships" xmlns:p="http://schemas.openxmlformats.org/presentationml/2006/main">
   <p:cSld>
@@ -4464,7 +5801,7 @@
         <p:spPr>
           <a:xfrm>
             <a:off x="812658" y="2492896"/>
-            <a:ext cx="3967881" cy="523220"/>
+            <a:ext cx="3323346" cy="523220"/>
           </a:xfrm>
           <a:prstGeom prst="rect">
             <a:avLst/>
@@ -4478,7 +5815,7 @@
           <a:lstStyle/>
           <a:p>
             <a:r>
-              <a:rPr lang="en-US" altLang="ko-KR" sz="2800" i="1" dirty="0" smtClean="0">
+              <a:rPr lang="ko-KR" altLang="en-US" sz="2800" i="1" dirty="0" smtClean="0">
                 <a:solidFill>
                   <a:schemeClr val="bg1">
                     <a:lumMod val="85000"/>
@@ -4487,7 +5824,43 @@
                 <a:latin typeface="나눔바른펜" pitchFamily="50" charset="-127"/>
                 <a:ea typeface="나눔바른펜" pitchFamily="50" charset="-127"/>
               </a:rPr>
-              <a:t>ENTER YOUR SUBTITLE HERE</a:t>
+              <a:t>목적</a:t>
+            </a:r>
+            <a:r>
+              <a:rPr lang="en-US" altLang="ko-KR" sz="2800" i="1" dirty="0" smtClean="0">
+                <a:solidFill>
+                  <a:schemeClr val="bg1">
+                    <a:lumMod val="85000"/>
+                  </a:schemeClr>
+                </a:solidFill>
+                <a:latin typeface="나눔바른펜" pitchFamily="50" charset="-127"/>
+                <a:ea typeface="나눔바른펜" pitchFamily="50" charset="-127"/>
+              </a:rPr>
+              <a:t>, </a:t>
+            </a:r>
+            <a:r>
+              <a:rPr lang="ko-KR" altLang="en-US" sz="2800" i="1" dirty="0" smtClean="0">
+                <a:solidFill>
+                  <a:schemeClr val="bg1">
+                    <a:lumMod val="85000"/>
+                  </a:schemeClr>
+                </a:solidFill>
+                <a:latin typeface="나눔바른펜" pitchFamily="50" charset="-127"/>
+                <a:ea typeface="나눔바른펜" pitchFamily="50" charset="-127"/>
+              </a:rPr>
+              <a:t>개발환경</a:t>
+            </a:r>
+            <a:r>
+              <a:rPr lang="en-US" altLang="ko-KR" sz="2800" i="1" dirty="0" smtClean="0">
+                <a:solidFill>
+                  <a:schemeClr val="bg1">
+                    <a:lumMod val="85000"/>
+                  </a:schemeClr>
+                </a:solidFill>
+                <a:latin typeface="나눔바른펜" pitchFamily="50" charset="-127"/>
+                <a:ea typeface="나눔바른펜" pitchFamily="50" charset="-127"/>
+              </a:rPr>
+              <a:t>, DB</a:t>
             </a:r>
             <a:endParaRPr lang="ko-KR" altLang="en-US" sz="2800" i="1" dirty="0">
               <a:solidFill>
@@ -4552,7 +5925,7 @@
         <p:spPr>
           <a:xfrm>
             <a:off x="821043" y="3789040"/>
-            <a:ext cx="3967881" cy="523220"/>
+            <a:ext cx="2699778" cy="523220"/>
           </a:xfrm>
           <a:prstGeom prst="rect">
             <a:avLst/>
@@ -4566,7 +5939,7 @@
           <a:lstStyle/>
           <a:p>
             <a:r>
-              <a:rPr lang="en-US" altLang="ko-KR" sz="2800" i="1" dirty="0" smtClean="0">
+              <a:rPr lang="ko-KR" altLang="en-US" sz="2800" i="1" dirty="0" smtClean="0">
                 <a:solidFill>
                   <a:schemeClr val="bg1">
                     <a:lumMod val="85000"/>
@@ -4575,7 +5948,31 @@
                 <a:latin typeface="나눔바른펜" pitchFamily="50" charset="-127"/>
                 <a:ea typeface="나눔바른펜" pitchFamily="50" charset="-127"/>
               </a:rPr>
-              <a:t>ENTER YOUR SUBTITLE HERE</a:t>
+              <a:t>기능 구현</a:t>
+            </a:r>
+            <a:r>
+              <a:rPr lang="en-US" altLang="ko-KR" sz="2800" i="1" dirty="0" smtClean="0">
+                <a:solidFill>
+                  <a:schemeClr val="bg1">
+                    <a:lumMod val="85000"/>
+                  </a:schemeClr>
+                </a:solidFill>
+                <a:latin typeface="나눔바른펜" pitchFamily="50" charset="-127"/>
+                <a:ea typeface="나눔바른펜" pitchFamily="50" charset="-127"/>
+              </a:rPr>
+              <a:t>, </a:t>
+            </a:r>
+            <a:r>
+              <a:rPr lang="ko-KR" altLang="en-US" sz="2800" i="1" dirty="0" smtClean="0">
+                <a:solidFill>
+                  <a:schemeClr val="bg1">
+                    <a:lumMod val="85000"/>
+                  </a:schemeClr>
+                </a:solidFill>
+                <a:latin typeface="나눔바른펜" pitchFamily="50" charset="-127"/>
+                <a:ea typeface="나눔바른펜" pitchFamily="50" charset="-127"/>
+              </a:rPr>
+              <a:t>시연</a:t>
             </a:r>
             <a:endParaRPr lang="ko-KR" altLang="en-US" sz="2800" i="1" dirty="0">
               <a:solidFill>
@@ -4640,7 +6037,7 @@
         <p:spPr>
           <a:xfrm>
             <a:off x="821043" y="4991463"/>
-            <a:ext cx="3967881" cy="523220"/>
+            <a:ext cx="1620957" cy="523220"/>
           </a:xfrm>
           <a:prstGeom prst="rect">
             <a:avLst/>
@@ -4654,7 +6051,7 @@
           <a:lstStyle/>
           <a:p>
             <a:r>
-              <a:rPr lang="en-US" altLang="ko-KR" sz="2800" i="1" dirty="0" smtClean="0">
+              <a:rPr lang="ko-KR" altLang="en-US" sz="2800" i="1" dirty="0" smtClean="0">
                 <a:solidFill>
                   <a:schemeClr val="bg1">
                     <a:lumMod val="85000"/>
@@ -4663,7 +6060,7 @@
                 <a:latin typeface="나눔바른펜" pitchFamily="50" charset="-127"/>
                 <a:ea typeface="나눔바른펜" pitchFamily="50" charset="-127"/>
               </a:rPr>
-              <a:t>ENTER YOUR SUBTITLE HERE</a:t>
+              <a:t>질의응답</a:t>
             </a:r>
             <a:endParaRPr lang="ko-KR" altLang="en-US" sz="2800" i="1" dirty="0">
               <a:solidFill>
@@ -4733,7 +6130,7 @@
         <p:spPr>
           <a:xfrm>
             <a:off x="1571570" y="910461"/>
-            <a:ext cx="3504486" cy="646331"/>
+            <a:ext cx="1107996" cy="646331"/>
           </a:xfrm>
           <a:prstGeom prst="rect">
             <a:avLst/>
@@ -4747,7 +6144,7 @@
           <a:lstStyle/>
           <a:p>
             <a:r>
-              <a:rPr lang="en-US" altLang="ko-KR" sz="3600" i="1" dirty="0" smtClean="0">
+              <a:rPr lang="ko-KR" altLang="en-US" sz="3600" i="1" dirty="0" smtClean="0">
                 <a:solidFill>
                   <a:schemeClr val="tx1">
                     <a:lumMod val="50000"/>
@@ -4757,7 +6154,650 @@
                 <a:latin typeface="210 맨발의청춘 R" pitchFamily="18" charset="-127"/>
                 <a:ea typeface="210 맨발의청춘 R" pitchFamily="18" charset="-127"/>
               </a:rPr>
-              <a:t>Slide Sub title</a:t>
+              <a:t>목적</a:t>
+            </a:r>
+            <a:endParaRPr lang="ko-KR" altLang="en-US" sz="3600" i="1" dirty="0">
+              <a:solidFill>
+                <a:schemeClr val="tx1">
+                  <a:lumMod val="50000"/>
+                  <a:lumOff val="50000"/>
+                </a:schemeClr>
+              </a:solidFill>
+              <a:latin typeface="210 맨발의청춘 R" pitchFamily="18" charset="-127"/>
+              <a:ea typeface="210 맨발의청춘 R" pitchFamily="18" charset="-127"/>
+            </a:endParaRPr>
+          </a:p>
+        </p:txBody>
+      </p:sp>
+      <p:sp>
+        <p:nvSpPr>
+          <p:cNvPr id="14" name="TextBox 13"/>
+          <p:cNvSpPr txBox="1"/>
+          <p:nvPr/>
+        </p:nvSpPr>
+        <p:spPr>
+          <a:xfrm>
+            <a:off x="35496" y="129406"/>
+            <a:ext cx="1569660" cy="923330"/>
+          </a:xfrm>
+          <a:prstGeom prst="rect">
+            <a:avLst/>
+          </a:prstGeom>
+          <a:noFill/>
+        </p:spPr>
+        <p:txBody>
+          <a:bodyPr wrap="none" rtlCol="0">
+            <a:spAutoFit/>
+          </a:bodyPr>
+          <a:lstStyle/>
+          <a:p>
+            <a:r>
+              <a:rPr lang="ko-KR" altLang="en-US" sz="5400" dirty="0" smtClean="0">
+                <a:solidFill>
+                  <a:schemeClr val="tx2">
+                    <a:lumMod val="50000"/>
+                  </a:schemeClr>
+                </a:solidFill>
+                <a:latin typeface="210 맨발의청춘 R" pitchFamily="18" charset="-127"/>
+                <a:ea typeface="210 맨발의청춘 R" pitchFamily="18" charset="-127"/>
+              </a:rPr>
+              <a:t>목적</a:t>
+            </a:r>
+            <a:endParaRPr lang="ko-KR" altLang="en-US" sz="5400" dirty="0">
+              <a:solidFill>
+                <a:schemeClr val="tx2">
+                  <a:lumMod val="50000"/>
+                </a:schemeClr>
+              </a:solidFill>
+              <a:latin typeface="210 맨발의청춘 R" pitchFamily="18" charset="-127"/>
+              <a:ea typeface="210 맨발의청춘 R" pitchFamily="18" charset="-127"/>
+            </a:endParaRPr>
+          </a:p>
+        </p:txBody>
+      </p:sp>
+      <p:sp>
+        <p:nvSpPr>
+          <p:cNvPr id="10" name="TextBox 9"/>
+          <p:cNvSpPr txBox="1"/>
+          <p:nvPr/>
+        </p:nvSpPr>
+        <p:spPr>
+          <a:xfrm>
+            <a:off x="244368" y="4028871"/>
+            <a:ext cx="1792478" cy="461665"/>
+          </a:xfrm>
+          <a:prstGeom prst="rect">
+            <a:avLst/>
+          </a:prstGeom>
+          <a:noFill/>
+        </p:spPr>
+        <p:txBody>
+          <a:bodyPr wrap="none" rtlCol="0">
+            <a:spAutoFit/>
+          </a:bodyPr>
+          <a:lstStyle/>
+          <a:p>
+            <a:r>
+              <a:rPr lang="ko-KR" altLang="en-US" sz="2400" b="1" dirty="0" smtClean="0">
+                <a:solidFill>
+                  <a:schemeClr val="accent5">
+                    <a:lumMod val="75000"/>
+                  </a:schemeClr>
+                </a:solidFill>
+                <a:latin typeface="210 맨발의청춘 R" pitchFamily="18" charset="-127"/>
+                <a:ea typeface="210 맨발의청춘 R" pitchFamily="18" charset="-127"/>
+              </a:rPr>
+              <a:t>효</a:t>
+            </a:r>
+            <a:r>
+              <a:rPr lang="ko-KR" altLang="en-US" sz="2400" b="1" dirty="0" smtClean="0">
+                <a:solidFill>
+                  <a:schemeClr val="tx1">
+                    <a:lumMod val="75000"/>
+                    <a:lumOff val="25000"/>
+                  </a:schemeClr>
+                </a:solidFill>
+                <a:latin typeface="210 맨발의청춘 R" pitchFamily="18" charset="-127"/>
+                <a:ea typeface="210 맨발의청춘 R" pitchFamily="18" charset="-127"/>
+              </a:rPr>
+              <a:t>율적 계획</a:t>
+            </a:r>
+            <a:endParaRPr lang="ko-KR" altLang="en-US" sz="2400" b="1" dirty="0">
+              <a:solidFill>
+                <a:schemeClr val="tx1">
+                  <a:lumMod val="75000"/>
+                  <a:lumOff val="25000"/>
+                </a:schemeClr>
+              </a:solidFill>
+              <a:latin typeface="210 맨발의청춘 R" pitchFamily="18" charset="-127"/>
+              <a:ea typeface="210 맨발의청춘 R" pitchFamily="18" charset="-127"/>
+            </a:endParaRPr>
+          </a:p>
+        </p:txBody>
+      </p:sp>
+      <p:sp>
+        <p:nvSpPr>
+          <p:cNvPr id="18" name="TextBox 17"/>
+          <p:cNvSpPr txBox="1"/>
+          <p:nvPr/>
+        </p:nvSpPr>
+        <p:spPr>
+          <a:xfrm>
+            <a:off x="3405636" y="3987920"/>
+            <a:ext cx="2064989" cy="523220"/>
+          </a:xfrm>
+          <a:prstGeom prst="rect">
+            <a:avLst/>
+          </a:prstGeom>
+          <a:noFill/>
+        </p:spPr>
+        <p:txBody>
+          <a:bodyPr wrap="none" rtlCol="0">
+            <a:spAutoFit/>
+          </a:bodyPr>
+          <a:lstStyle/>
+          <a:p>
+            <a:r>
+              <a:rPr lang="ko-KR" altLang="en-US" sz="2800" b="1" dirty="0" smtClean="0">
+                <a:solidFill>
+                  <a:schemeClr val="accent6">
+                    <a:lumMod val="75000"/>
+                  </a:schemeClr>
+                </a:solidFill>
+                <a:latin typeface="210 맨발의청춘 R" pitchFamily="18" charset="-127"/>
+                <a:ea typeface="210 맨발의청춘 R" pitchFamily="18" charset="-127"/>
+              </a:rPr>
+              <a:t>편</a:t>
+            </a:r>
+            <a:r>
+              <a:rPr lang="ko-KR" altLang="en-US" sz="2800" b="1" dirty="0" smtClean="0">
+                <a:solidFill>
+                  <a:schemeClr val="tx1">
+                    <a:lumMod val="75000"/>
+                    <a:lumOff val="25000"/>
+                  </a:schemeClr>
+                </a:solidFill>
+                <a:latin typeface="210 맨발의청춘 R" pitchFamily="18" charset="-127"/>
+                <a:ea typeface="210 맨발의청춘 R" pitchFamily="18" charset="-127"/>
+              </a:rPr>
+              <a:t>리한 계획</a:t>
+            </a:r>
+            <a:endParaRPr lang="ko-KR" altLang="en-US" sz="2800" b="1" dirty="0">
+              <a:solidFill>
+                <a:schemeClr val="tx1">
+                  <a:lumMod val="75000"/>
+                  <a:lumOff val="25000"/>
+                </a:schemeClr>
+              </a:solidFill>
+              <a:latin typeface="210 맨발의청춘 R" pitchFamily="18" charset="-127"/>
+              <a:ea typeface="210 맨발의청춘 R" pitchFamily="18" charset="-127"/>
+            </a:endParaRPr>
+          </a:p>
+        </p:txBody>
+      </p:sp>
+      <p:sp>
+        <p:nvSpPr>
+          <p:cNvPr id="19" name="TextBox 18"/>
+          <p:cNvSpPr txBox="1"/>
+          <p:nvPr/>
+        </p:nvSpPr>
+        <p:spPr>
+          <a:xfrm>
+            <a:off x="6676729" y="4035620"/>
+            <a:ext cx="2417650" cy="523220"/>
+          </a:xfrm>
+          <a:prstGeom prst="rect">
+            <a:avLst/>
+          </a:prstGeom>
+          <a:noFill/>
+        </p:spPr>
+        <p:txBody>
+          <a:bodyPr wrap="none" rtlCol="0">
+            <a:spAutoFit/>
+          </a:bodyPr>
+          <a:lstStyle/>
+          <a:p>
+            <a:r>
+              <a:rPr lang="ko-KR" altLang="en-US" sz="2800" b="1" dirty="0" smtClean="0">
+                <a:solidFill>
+                  <a:schemeClr val="accent3">
+                    <a:lumMod val="75000"/>
+                  </a:schemeClr>
+                </a:solidFill>
+                <a:latin typeface="210 맨발의청춘 R" pitchFamily="18" charset="-127"/>
+                <a:ea typeface="210 맨발의청춘 R" pitchFamily="18" charset="-127"/>
+              </a:rPr>
+              <a:t>자</a:t>
+            </a:r>
+            <a:r>
+              <a:rPr lang="ko-KR" altLang="en-US" sz="2800" b="1" dirty="0" smtClean="0">
+                <a:solidFill>
+                  <a:schemeClr val="tx1">
+                    <a:lumMod val="75000"/>
+                    <a:lumOff val="25000"/>
+                  </a:schemeClr>
+                </a:solidFill>
+                <a:latin typeface="210 맨발의청춘 R" pitchFamily="18" charset="-127"/>
+                <a:ea typeface="210 맨발의청춘 R" pitchFamily="18" charset="-127"/>
+              </a:rPr>
+              <a:t>유로운 공유</a:t>
+            </a:r>
+            <a:endParaRPr lang="ko-KR" altLang="en-US" sz="2800" b="1" dirty="0">
+              <a:solidFill>
+                <a:schemeClr val="tx1">
+                  <a:lumMod val="75000"/>
+                  <a:lumOff val="25000"/>
+                </a:schemeClr>
+              </a:solidFill>
+              <a:latin typeface="210 맨발의청춘 R" pitchFamily="18" charset="-127"/>
+              <a:ea typeface="210 맨발의청춘 R" pitchFamily="18" charset="-127"/>
+            </a:endParaRPr>
+          </a:p>
+        </p:txBody>
+      </p:sp>
+      <p:sp>
+        <p:nvSpPr>
+          <p:cNvPr id="11" name="TextBox 10"/>
+          <p:cNvSpPr txBox="1"/>
+          <p:nvPr/>
+        </p:nvSpPr>
+        <p:spPr>
+          <a:xfrm>
+            <a:off x="148383" y="4532927"/>
+            <a:ext cx="2544286" cy="461665"/>
+          </a:xfrm>
+          <a:prstGeom prst="rect">
+            <a:avLst/>
+          </a:prstGeom>
+          <a:noFill/>
+        </p:spPr>
+        <p:txBody>
+          <a:bodyPr wrap="none" rtlCol="0">
+            <a:spAutoFit/>
+          </a:bodyPr>
+          <a:lstStyle/>
+          <a:p>
+            <a:r>
+              <a:rPr lang="ko-KR" altLang="en-US" sz="2400" i="1" dirty="0" smtClean="0">
+                <a:solidFill>
+                  <a:schemeClr val="tx1">
+                    <a:lumMod val="50000"/>
+                    <a:lumOff val="50000"/>
+                  </a:schemeClr>
+                </a:solidFill>
+                <a:latin typeface="나눔바른펜" pitchFamily="50" charset="-127"/>
+                <a:ea typeface="나눔바른펜" pitchFamily="50" charset="-127"/>
+              </a:rPr>
+              <a:t>달력을 통한 관리</a:t>
+            </a:r>
+            <a:endParaRPr lang="en-US" altLang="ko-KR" sz="2400" i="1" dirty="0" smtClean="0">
+              <a:solidFill>
+                <a:schemeClr val="tx1">
+                  <a:lumMod val="50000"/>
+                  <a:lumOff val="50000"/>
+                </a:schemeClr>
+              </a:solidFill>
+              <a:latin typeface="나눔바른펜" pitchFamily="50" charset="-127"/>
+              <a:ea typeface="나눔바른펜" pitchFamily="50" charset="-127"/>
+            </a:endParaRPr>
+          </a:p>
+        </p:txBody>
+      </p:sp>
+      <p:sp>
+        <p:nvSpPr>
+          <p:cNvPr id="21" name="TextBox 20"/>
+          <p:cNvSpPr txBox="1"/>
+          <p:nvPr/>
+        </p:nvSpPr>
+        <p:spPr>
+          <a:xfrm>
+            <a:off x="3316735" y="4484726"/>
+            <a:ext cx="2133918" cy="461665"/>
+          </a:xfrm>
+          <a:prstGeom prst="rect">
+            <a:avLst/>
+          </a:prstGeom>
+          <a:noFill/>
+        </p:spPr>
+        <p:txBody>
+          <a:bodyPr wrap="none" rtlCol="0">
+            <a:spAutoFit/>
+          </a:bodyPr>
+          <a:lstStyle/>
+          <a:p>
+            <a:r>
+              <a:rPr lang="ko-KR" altLang="en-US" sz="2400" i="1" smtClean="0">
+                <a:solidFill>
+                  <a:schemeClr val="tx1">
+                    <a:lumMod val="50000"/>
+                    <a:lumOff val="50000"/>
+                  </a:schemeClr>
+                </a:solidFill>
+                <a:latin typeface="나눔바른펜" pitchFamily="50" charset="-127"/>
+                <a:ea typeface="나눔바른펜" pitchFamily="50" charset="-127"/>
+              </a:rPr>
+              <a:t>간편하게 </a:t>
+            </a:r>
+            <a:r>
+              <a:rPr lang="ko-KR" altLang="en-US" sz="2400" i="1" dirty="0" smtClean="0">
+                <a:solidFill>
+                  <a:schemeClr val="tx1">
+                    <a:lumMod val="50000"/>
+                    <a:lumOff val="50000"/>
+                  </a:schemeClr>
+                </a:solidFill>
+                <a:latin typeface="나눔바른펜" pitchFamily="50" charset="-127"/>
+                <a:ea typeface="나눔바른펜" pitchFamily="50" charset="-127"/>
+              </a:rPr>
+              <a:t>등록</a:t>
+            </a:r>
+            <a:endParaRPr lang="en-US" altLang="ko-KR" sz="2400" i="1" dirty="0" smtClean="0">
+              <a:solidFill>
+                <a:schemeClr val="tx1">
+                  <a:lumMod val="50000"/>
+                  <a:lumOff val="50000"/>
+                </a:schemeClr>
+              </a:solidFill>
+              <a:latin typeface="나눔바른펜" pitchFamily="50" charset="-127"/>
+              <a:ea typeface="나눔바른펜" pitchFamily="50" charset="-127"/>
+            </a:endParaRPr>
+          </a:p>
+        </p:txBody>
+      </p:sp>
+      <p:pic>
+        <p:nvPicPr>
+          <p:cNvPr id="20" name="Picture 3" descr="C:\Users\LG\Desktop\개인폴더\픽토그램\186173-olympic-games.png"/>
+          <p:cNvPicPr>
+            <a:picLocks noChangeAspect="1" noChangeArrowheads="1"/>
+          </p:cNvPicPr>
+          <p:nvPr/>
+        </p:nvPicPr>
+        <p:blipFill rotWithShape="1">
+          <a:blip r:embed="rId2">
+            <a:extLst>
+              <a:ext uri="{28A0092B-C50C-407E-A947-70E740481C1C}">
+                <a14:useLocalDpi xmlns:a14="http://schemas.microsoft.com/office/drawing/2010/main" val="0"/>
+              </a:ext>
+            </a:extLst>
+          </a:blip>
+          <a:srcRect r="68763" b="67714"/>
+          <a:stretch/>
+        </p:blipFill>
+        <p:spPr bwMode="auto">
+          <a:xfrm>
+            <a:off x="71499" y="1664138"/>
+            <a:ext cx="2335385" cy="2268918"/>
+          </a:xfrm>
+          <a:prstGeom prst="rect">
+            <a:avLst/>
+          </a:prstGeom>
+          <a:noFill/>
+          <a:extLst>
+            <a:ext uri="{909E8E84-426E-40DD-AFC4-6F175D3DCCD1}">
+              <a14:hiddenFill xmlns:a14="http://schemas.microsoft.com/office/drawing/2010/main">
+                <a:solidFill>
+                  <a:srgbClr val="FFFFFF"/>
+                </a:solidFill>
+              </a14:hiddenFill>
+            </a:ext>
+          </a:extLst>
+        </p:spPr>
+      </p:pic>
+      <p:pic>
+        <p:nvPicPr>
+          <p:cNvPr id="23" name="Picture 3" descr="C:\Users\LG\Desktop\개인폴더\픽토그램\186173-olympic-games.png"/>
+          <p:cNvPicPr>
+            <a:picLocks noChangeAspect="1" noChangeArrowheads="1"/>
+          </p:cNvPicPr>
+          <p:nvPr/>
+        </p:nvPicPr>
+        <p:blipFill rotWithShape="1">
+          <a:blip r:embed="rId2">
+            <a:extLst>
+              <a:ext uri="{28A0092B-C50C-407E-A947-70E740481C1C}">
+                <a14:useLocalDpi xmlns:a14="http://schemas.microsoft.com/office/drawing/2010/main" val="0"/>
+              </a:ext>
+            </a:extLst>
+          </a:blip>
+          <a:srcRect l="33208" r="34823" b="68230"/>
+          <a:stretch/>
+        </p:blipFill>
+        <p:spPr bwMode="auto">
+          <a:xfrm>
+            <a:off x="3133396" y="1637461"/>
+            <a:ext cx="2374708" cy="2218284"/>
+          </a:xfrm>
+          <a:prstGeom prst="rect">
+            <a:avLst/>
+          </a:prstGeom>
+          <a:noFill/>
+          <a:extLst>
+            <a:ext uri="{909E8E84-426E-40DD-AFC4-6F175D3DCCD1}">
+              <a14:hiddenFill xmlns:a14="http://schemas.microsoft.com/office/drawing/2010/main">
+                <a:solidFill>
+                  <a:srgbClr val="FFFFFF"/>
+                </a:solidFill>
+              </a14:hiddenFill>
+            </a:ext>
+          </a:extLst>
+        </p:spPr>
+      </p:pic>
+      <p:pic>
+        <p:nvPicPr>
+          <p:cNvPr id="24" name="Picture 3" descr="C:\Users\LG\Desktop\개인폴더\픽토그램\186173-olympic-games.png"/>
+          <p:cNvPicPr>
+            <a:picLocks noChangeAspect="1" noChangeArrowheads="1"/>
+          </p:cNvPicPr>
+          <p:nvPr/>
+        </p:nvPicPr>
+        <p:blipFill rotWithShape="1">
+          <a:blip r:embed="rId2">
+            <a:extLst>
+              <a:ext uri="{28A0092B-C50C-407E-A947-70E740481C1C}">
+                <a14:useLocalDpi xmlns:a14="http://schemas.microsoft.com/office/drawing/2010/main" val="0"/>
+              </a:ext>
+            </a:extLst>
+          </a:blip>
+          <a:srcRect l="33208" t="31769" r="31700" b="34116"/>
+          <a:stretch/>
+        </p:blipFill>
+        <p:spPr bwMode="auto">
+          <a:xfrm>
+            <a:off x="6101941" y="1540605"/>
+            <a:ext cx="2595806" cy="2372104"/>
+          </a:xfrm>
+          <a:prstGeom prst="rect">
+            <a:avLst/>
+          </a:prstGeom>
+          <a:noFill/>
+          <a:extLst>
+            <a:ext uri="{909E8E84-426E-40DD-AFC4-6F175D3DCCD1}">
+              <a14:hiddenFill xmlns:a14="http://schemas.microsoft.com/office/drawing/2010/main">
+                <a:solidFill>
+                  <a:srgbClr val="FFFFFF"/>
+                </a:solidFill>
+              </a14:hiddenFill>
+            </a:ext>
+          </a:extLst>
+        </p:spPr>
+      </p:pic>
+      <p:sp>
+        <p:nvSpPr>
+          <p:cNvPr id="2" name="직사각형 1"/>
+          <p:cNvSpPr/>
+          <p:nvPr/>
+        </p:nvSpPr>
+        <p:spPr>
+          <a:xfrm>
+            <a:off x="0" y="6547656"/>
+            <a:ext cx="9144000" cy="310344"/>
+          </a:xfrm>
+          <a:prstGeom prst="rect">
+            <a:avLst/>
+          </a:prstGeom>
+          <a:solidFill>
+            <a:schemeClr val="bg1">
+              <a:lumMod val="75000"/>
+            </a:schemeClr>
+          </a:solidFill>
+          <a:ln>
+            <a:noFill/>
+          </a:ln>
+        </p:spPr>
+        <p:style>
+          <a:lnRef idx="2">
+            <a:schemeClr val="accent1">
+              <a:shade val="50000"/>
+            </a:schemeClr>
+          </a:lnRef>
+          <a:fillRef idx="1">
+            <a:schemeClr val="accent1"/>
+          </a:fillRef>
+          <a:effectRef idx="0">
+            <a:schemeClr val="accent1"/>
+          </a:effectRef>
+          <a:fontRef idx="minor">
+            <a:schemeClr val="lt1"/>
+          </a:fontRef>
+        </p:style>
+        <p:txBody>
+          <a:bodyPr rtlCol="0" anchor="ctr"/>
+          <a:lstStyle/>
+          <a:p>
+            <a:pPr algn="ctr"/>
+            <a:endParaRPr lang="ko-KR" altLang="en-US"/>
+          </a:p>
+        </p:txBody>
+      </p:sp>
+      <p:sp>
+        <p:nvSpPr>
+          <p:cNvPr id="16" name="TextBox 15"/>
+          <p:cNvSpPr txBox="1"/>
+          <p:nvPr/>
+        </p:nvSpPr>
+        <p:spPr>
+          <a:xfrm>
+            <a:off x="6676729" y="4558840"/>
+            <a:ext cx="2441694" cy="461665"/>
+          </a:xfrm>
+          <a:prstGeom prst="rect">
+            <a:avLst/>
+          </a:prstGeom>
+          <a:noFill/>
+        </p:spPr>
+        <p:txBody>
+          <a:bodyPr wrap="none" rtlCol="0">
+            <a:spAutoFit/>
+          </a:bodyPr>
+          <a:lstStyle/>
+          <a:p>
+            <a:r>
+              <a:rPr lang="ko-KR" altLang="en-US" sz="2400" i="1" dirty="0" smtClean="0">
+                <a:solidFill>
+                  <a:schemeClr val="tx1">
+                    <a:lumMod val="50000"/>
+                    <a:lumOff val="50000"/>
+                  </a:schemeClr>
+                </a:solidFill>
+                <a:latin typeface="나눔바른펜" pitchFamily="50" charset="-127"/>
+                <a:ea typeface="나눔바른펜" pitchFamily="50" charset="-127"/>
+              </a:rPr>
+              <a:t>자유로운 게시판</a:t>
+            </a:r>
+            <a:endParaRPr lang="en-US" altLang="ko-KR" sz="2400" i="1" dirty="0" smtClean="0">
+              <a:solidFill>
+                <a:schemeClr val="tx1">
+                  <a:lumMod val="50000"/>
+                  <a:lumOff val="50000"/>
+                </a:schemeClr>
+              </a:solidFill>
+              <a:latin typeface="나눔바른펜" pitchFamily="50" charset="-127"/>
+              <a:ea typeface="나눔바른펜" pitchFamily="50" charset="-127"/>
+            </a:endParaRPr>
+          </a:p>
+        </p:txBody>
+      </p:sp>
+    </p:spTree>
+    <p:extLst>
+      <p:ext uri="{BB962C8B-B14F-4D97-AF65-F5344CB8AC3E}">
+        <p14:creationId xmlns:p14="http://schemas.microsoft.com/office/powerpoint/2010/main" val="3211709181"/>
+      </p:ext>
+    </p:extLst>
+  </p:cSld>
+  <p:clrMapOvr>
+    <a:masterClrMapping/>
+  </p:clrMapOvr>
+  <p:timing>
+    <p:tnLst>
+      <p:par>
+        <p:cTn id="1" dur="indefinite" restart="never" nodeType="tmRoot"/>
+      </p:par>
+    </p:tnLst>
+  </p:timing>
+</p:sld>
+</file>
+
+<file path=ppt/slides/slide4.xml><?xml version="1.0" encoding="utf-8"?>
+<p:sld xmlns:a="http://schemas.openxmlformats.org/drawingml/2006/main" xmlns:r="http://schemas.openxmlformats.org/officeDocument/2006/relationships" xmlns:p="http://schemas.openxmlformats.org/presentationml/2006/main">
+  <p:cSld>
+    <p:bg>
+      <p:bgPr>
+        <a:solidFill>
+          <a:schemeClr val="bg1">
+            <a:lumMod val="95000"/>
+          </a:schemeClr>
+        </a:solidFill>
+        <a:effectLst/>
+      </p:bgPr>
+    </p:bg>
+    <p:spTree>
+      <p:nvGrpSpPr>
+        <p:cNvPr id="1" name=""/>
+        <p:cNvGrpSpPr/>
+        <p:nvPr/>
+      </p:nvGrpSpPr>
+      <p:grpSpPr>
+        <a:xfrm>
+          <a:off x="0" y="0"/>
+          <a:ext cx="0" cy="0"/>
+          <a:chOff x="0" y="0"/>
+          <a:chExt cx="0" cy="0"/>
+        </a:xfrm>
+      </p:grpSpPr>
+      <p:sp>
+        <p:nvSpPr>
+          <p:cNvPr id="15" name="TextBox 14"/>
+          <p:cNvSpPr txBox="1"/>
+          <p:nvPr/>
+        </p:nvSpPr>
+        <p:spPr>
+          <a:xfrm>
+            <a:off x="1571570" y="910461"/>
+            <a:ext cx="2031325" cy="646331"/>
+          </a:xfrm>
+          <a:prstGeom prst="rect">
+            <a:avLst/>
+          </a:prstGeom>
+          <a:noFill/>
+        </p:spPr>
+        <p:txBody>
+          <a:bodyPr wrap="none" rtlCol="0">
+            <a:spAutoFit/>
+          </a:bodyPr>
+          <a:lstStyle/>
+          <a:p>
+            <a:r>
+              <a:rPr lang="ko-KR" altLang="en-US" sz="3600" i="1" dirty="0" smtClean="0">
+                <a:solidFill>
+                  <a:schemeClr val="tx1">
+                    <a:lumMod val="50000"/>
+                    <a:lumOff val="50000"/>
+                  </a:schemeClr>
+                </a:solidFill>
+                <a:latin typeface="210 맨발의청춘 R" pitchFamily="18" charset="-127"/>
+                <a:ea typeface="210 맨발의청춘 R" pitchFamily="18" charset="-127"/>
+              </a:rPr>
+              <a:t>개발도구</a:t>
             </a:r>
             <a:endParaRPr lang="ko-KR" altLang="en-US" sz="3600" i="1" dirty="0">
               <a:solidFill>
@@ -5112,7 +7152,7 @@
         <p:spPr>
           <a:xfrm>
             <a:off x="35496" y="129406"/>
-            <a:ext cx="5136342" cy="923330"/>
+            <a:ext cx="2954655" cy="923330"/>
           </a:xfrm>
           <a:prstGeom prst="rect">
             <a:avLst/>
@@ -5126,7 +7166,7 @@
           <a:lstStyle/>
           <a:p>
             <a:r>
-              <a:rPr lang="en-US" altLang="ko-KR" sz="5400" dirty="0" smtClean="0">
+              <a:rPr lang="ko-KR" altLang="en-US" sz="5400" dirty="0" smtClean="0">
                 <a:solidFill>
                   <a:schemeClr val="tx2">
                     <a:lumMod val="50000"/>
@@ -5135,7 +7175,7 @@
                 <a:latin typeface="210 맨발의청춘 R" pitchFamily="18" charset="-127"/>
                 <a:ea typeface="210 맨발의청춘 R" pitchFamily="18" charset="-127"/>
               </a:rPr>
-              <a:t>Healthy living</a:t>
+              <a:t>개발도구</a:t>
             </a:r>
             <a:endParaRPr lang="ko-KR" altLang="en-US" sz="5400" dirty="0">
               <a:solidFill>
@@ -5158,7 +7198,7 @@
         <p:spPr>
           <a:xfrm>
             <a:off x="107504" y="3789040"/>
-            <a:ext cx="2506327" cy="523220"/>
+            <a:ext cx="889987" cy="523220"/>
           </a:xfrm>
           <a:prstGeom prst="rect">
             <a:avLst/>
@@ -5172,7 +7212,7 @@
           <a:lstStyle/>
           <a:p>
             <a:r>
-              <a:rPr lang="en-US" altLang="ko-KR" sz="2800" b="1" dirty="0" smtClean="0">
+              <a:rPr lang="ko-KR" altLang="en-US" sz="2800" b="1" dirty="0" smtClean="0">
                 <a:solidFill>
                   <a:schemeClr val="tx1">
                     <a:lumMod val="75000"/>
@@ -5182,7 +7222,7 @@
                 <a:latin typeface="나눔바른펜" pitchFamily="50" charset="-127"/>
                 <a:ea typeface="나눔바른펜" pitchFamily="50" charset="-127"/>
               </a:rPr>
-              <a:t>EXERCISING PPT</a:t>
+              <a:t>설계</a:t>
             </a:r>
             <a:endParaRPr lang="ko-KR" altLang="en-US" sz="2800" b="1" dirty="0">
               <a:solidFill>
@@ -5206,7 +7246,7 @@
         <p:spPr>
           <a:xfrm>
             <a:off x="3217801" y="3789040"/>
-            <a:ext cx="2506327" cy="523220"/>
+            <a:ext cx="889987" cy="523220"/>
           </a:xfrm>
           <a:prstGeom prst="rect">
             <a:avLst/>
@@ -5220,7 +7260,7 @@
           <a:lstStyle/>
           <a:p>
             <a:r>
-              <a:rPr lang="en-US" altLang="ko-KR" sz="2800" b="1" dirty="0" smtClean="0">
+              <a:rPr lang="ko-KR" altLang="en-US" sz="2800" b="1" dirty="0" smtClean="0">
                 <a:solidFill>
                   <a:schemeClr val="tx1">
                     <a:lumMod val="75000"/>
@@ -5230,7 +7270,20 @@
                 <a:latin typeface="나눔바른펜" pitchFamily="50" charset="-127"/>
                 <a:ea typeface="나눔바른펜" pitchFamily="50" charset="-127"/>
               </a:rPr>
-              <a:t>EXERCISING PPT</a:t>
+              <a:t>구</a:t>
+            </a:r>
+            <a:r>
+              <a:rPr lang="ko-KR" altLang="en-US" sz="2800" b="1" dirty="0">
+                <a:solidFill>
+                  <a:schemeClr val="tx1">
+                    <a:lumMod val="75000"/>
+                    <a:lumOff val="25000"/>
+                  </a:schemeClr>
+                </a:solidFill>
+                <a:latin typeface="나눔바른펜" pitchFamily="50" charset="-127"/>
+                <a:ea typeface="나눔바른펜" pitchFamily="50" charset="-127"/>
+              </a:rPr>
+              <a:t>현</a:t>
             </a:r>
             <a:endParaRPr lang="ko-KR" altLang="en-US" sz="2800" b="1" dirty="0">
               <a:solidFill>
@@ -5254,7 +7307,7 @@
         <p:spPr>
           <a:xfrm>
             <a:off x="6156176" y="3789040"/>
-            <a:ext cx="2506327" cy="523220"/>
+            <a:ext cx="889987" cy="523220"/>
           </a:xfrm>
           <a:prstGeom prst="rect">
             <a:avLst/>
@@ -5268,7 +7321,7 @@
           <a:lstStyle/>
           <a:p>
             <a:r>
-              <a:rPr lang="en-US" altLang="ko-KR" sz="2800" b="1" dirty="0" smtClean="0">
+              <a:rPr lang="ko-KR" altLang="en-US" sz="2800" b="1" dirty="0" smtClean="0">
                 <a:solidFill>
                   <a:schemeClr val="tx1">
                     <a:lumMod val="75000"/>
@@ -5278,7 +7331,7 @@
                 <a:latin typeface="나눔바른펜" pitchFamily="50" charset="-127"/>
                 <a:ea typeface="나눔바른펜" pitchFamily="50" charset="-127"/>
               </a:rPr>
-              <a:t>EXERCISING PPT</a:t>
+              <a:t>서버</a:t>
             </a:r>
             <a:endParaRPr lang="ko-KR" altLang="en-US" sz="2800" b="1" dirty="0">
               <a:solidFill>
@@ -5293,827 +7346,271 @@
           </a:p>
         </p:txBody>
       </p:sp>
-      <p:sp>
-        <p:nvSpPr>
-          <p:cNvPr id="11" name="TextBox 10"/>
-          <p:cNvSpPr txBox="1"/>
-          <p:nvPr/>
-        </p:nvSpPr>
-        <p:spPr>
-          <a:xfrm>
-            <a:off x="107504" y="4293096"/>
-            <a:ext cx="2263377" cy="1200329"/>
-          </a:xfrm>
-          <a:prstGeom prst="rect">
-            <a:avLst/>
-          </a:prstGeom>
-          <a:noFill/>
-        </p:spPr>
-        <p:txBody>
-          <a:bodyPr wrap="none" rtlCol="0">
-            <a:spAutoFit/>
-          </a:bodyPr>
-          <a:lstStyle/>
-          <a:p>
-            <a:r>
-              <a:rPr lang="en-US" altLang="ko-KR" sz="2400" i="1" dirty="0" smtClean="0">
-                <a:solidFill>
-                  <a:schemeClr val="tx1">
-                    <a:lumMod val="50000"/>
-                    <a:lumOff val="50000"/>
-                  </a:schemeClr>
-                </a:solidFill>
-                <a:latin typeface="나눔바른펜" pitchFamily="50" charset="-127"/>
-                <a:ea typeface="나눔바른펜" pitchFamily="50" charset="-127"/>
-              </a:rPr>
-              <a:t>Contents sub title</a:t>
-            </a:r>
-          </a:p>
-          <a:p>
-            <a:r>
-              <a:rPr lang="en-US" altLang="ko-KR" sz="2400" i="1" dirty="0" smtClean="0">
-                <a:solidFill>
-                  <a:schemeClr val="tx1">
-                    <a:lumMod val="50000"/>
-                    <a:lumOff val="50000"/>
-                  </a:schemeClr>
-                </a:solidFill>
-                <a:latin typeface="나눔바른펜" pitchFamily="50" charset="-127"/>
-                <a:ea typeface="나눔바른펜" pitchFamily="50" charset="-127"/>
-              </a:rPr>
-              <a:t>Contents sub title</a:t>
-            </a:r>
-          </a:p>
-          <a:p>
-            <a:r>
-              <a:rPr lang="en-US" altLang="ko-KR" sz="2400" i="1" dirty="0" smtClean="0">
-                <a:solidFill>
-                  <a:schemeClr val="tx1">
-                    <a:lumMod val="50000"/>
-                    <a:lumOff val="50000"/>
-                  </a:schemeClr>
-                </a:solidFill>
-                <a:latin typeface="나눔바른펜" pitchFamily="50" charset="-127"/>
-                <a:ea typeface="나눔바른펜" pitchFamily="50" charset="-127"/>
-              </a:rPr>
-              <a:t>Contents sub title</a:t>
-            </a:r>
-          </a:p>
-        </p:txBody>
-      </p:sp>
-      <p:sp>
-        <p:nvSpPr>
-          <p:cNvPr id="21" name="TextBox 20"/>
-          <p:cNvSpPr txBox="1"/>
-          <p:nvPr/>
-        </p:nvSpPr>
-        <p:spPr>
-          <a:xfrm>
-            <a:off x="3244727" y="4293095"/>
-            <a:ext cx="2263377" cy="1200329"/>
-          </a:xfrm>
-          <a:prstGeom prst="rect">
-            <a:avLst/>
-          </a:prstGeom>
-          <a:noFill/>
-        </p:spPr>
-        <p:txBody>
-          <a:bodyPr wrap="none" rtlCol="0">
-            <a:spAutoFit/>
-          </a:bodyPr>
-          <a:lstStyle/>
-          <a:p>
-            <a:r>
-              <a:rPr lang="en-US" altLang="ko-KR" sz="2400" i="1" dirty="0" smtClean="0">
-                <a:solidFill>
-                  <a:schemeClr val="tx1">
-                    <a:lumMod val="50000"/>
-                    <a:lumOff val="50000"/>
-                  </a:schemeClr>
-                </a:solidFill>
-                <a:latin typeface="나눔바른펜" pitchFamily="50" charset="-127"/>
-                <a:ea typeface="나눔바른펜" pitchFamily="50" charset="-127"/>
-              </a:rPr>
-              <a:t>Contents sub title</a:t>
-            </a:r>
-          </a:p>
-          <a:p>
-            <a:r>
-              <a:rPr lang="en-US" altLang="ko-KR" sz="2400" i="1" dirty="0" smtClean="0">
-                <a:solidFill>
-                  <a:schemeClr val="tx1">
-                    <a:lumMod val="50000"/>
-                    <a:lumOff val="50000"/>
-                  </a:schemeClr>
-                </a:solidFill>
-                <a:latin typeface="나눔바른펜" pitchFamily="50" charset="-127"/>
-                <a:ea typeface="나눔바른펜" pitchFamily="50" charset="-127"/>
-              </a:rPr>
-              <a:t>Contents sub title</a:t>
-            </a:r>
-          </a:p>
-          <a:p>
-            <a:r>
-              <a:rPr lang="en-US" altLang="ko-KR" sz="2400" i="1" dirty="0" smtClean="0">
-                <a:solidFill>
-                  <a:schemeClr val="tx1">
-                    <a:lumMod val="50000"/>
-                    <a:lumOff val="50000"/>
-                  </a:schemeClr>
-                </a:solidFill>
-                <a:latin typeface="나눔바른펜" pitchFamily="50" charset="-127"/>
-                <a:ea typeface="나눔바른펜" pitchFamily="50" charset="-127"/>
-              </a:rPr>
-              <a:t>Contents sub title</a:t>
-            </a:r>
-          </a:p>
-        </p:txBody>
-      </p:sp>
-      <p:sp>
-        <p:nvSpPr>
-          <p:cNvPr id="22" name="TextBox 21"/>
-          <p:cNvSpPr txBox="1"/>
-          <p:nvPr/>
-        </p:nvSpPr>
-        <p:spPr>
-          <a:xfrm>
-            <a:off x="6228184" y="4293095"/>
-            <a:ext cx="2263377" cy="1200329"/>
-          </a:xfrm>
-          <a:prstGeom prst="rect">
-            <a:avLst/>
-          </a:prstGeom>
-          <a:noFill/>
-        </p:spPr>
-        <p:txBody>
-          <a:bodyPr wrap="none" rtlCol="0">
-            <a:spAutoFit/>
-          </a:bodyPr>
-          <a:lstStyle/>
-          <a:p>
-            <a:r>
-              <a:rPr lang="en-US" altLang="ko-KR" sz="2400" i="1" dirty="0" smtClean="0">
-                <a:solidFill>
-                  <a:schemeClr val="tx1">
-                    <a:lumMod val="50000"/>
-                    <a:lumOff val="50000"/>
-                  </a:schemeClr>
-                </a:solidFill>
-                <a:latin typeface="나눔바른펜" pitchFamily="50" charset="-127"/>
-                <a:ea typeface="나눔바른펜" pitchFamily="50" charset="-127"/>
-              </a:rPr>
-              <a:t>Contents sub title</a:t>
-            </a:r>
-          </a:p>
-          <a:p>
-            <a:r>
-              <a:rPr lang="en-US" altLang="ko-KR" sz="2400" i="1" dirty="0" smtClean="0">
-                <a:solidFill>
-                  <a:schemeClr val="tx1">
-                    <a:lumMod val="50000"/>
-                    <a:lumOff val="50000"/>
-                  </a:schemeClr>
-                </a:solidFill>
-                <a:latin typeface="나눔바른펜" pitchFamily="50" charset="-127"/>
-                <a:ea typeface="나눔바른펜" pitchFamily="50" charset="-127"/>
-              </a:rPr>
-              <a:t>Contents sub title</a:t>
-            </a:r>
-          </a:p>
-          <a:p>
-            <a:r>
-              <a:rPr lang="en-US" altLang="ko-KR" sz="2400" i="1" dirty="0" smtClean="0">
-                <a:solidFill>
-                  <a:schemeClr val="tx1">
-                    <a:lumMod val="50000"/>
-                    <a:lumOff val="50000"/>
-                  </a:schemeClr>
-                </a:solidFill>
-                <a:latin typeface="나눔바른펜" pitchFamily="50" charset="-127"/>
-                <a:ea typeface="나눔바른펜" pitchFamily="50" charset="-127"/>
-              </a:rPr>
-              <a:t>Contents sub title</a:t>
-            </a:r>
-          </a:p>
-        </p:txBody>
-      </p:sp>
-    </p:spTree>
-    <p:extLst>
-      <p:ext uri="{BB962C8B-B14F-4D97-AF65-F5344CB8AC3E}">
-        <p14:creationId xmlns:p14="http://schemas.microsoft.com/office/powerpoint/2010/main" val="1167413237"/>
-      </p:ext>
-    </p:extLst>
-  </p:cSld>
-  <p:clrMapOvr>
-    <a:masterClrMapping/>
-  </p:clrMapOvr>
-</p:sld>
-</file>
-
-<file path=ppt/slides/slide4.xml><?xml version="1.0" encoding="utf-8"?>
-<p:sld xmlns:a="http://schemas.openxmlformats.org/drawingml/2006/main" xmlns:r="http://schemas.openxmlformats.org/officeDocument/2006/relationships" xmlns:p="http://schemas.openxmlformats.org/presentationml/2006/main">
-  <p:cSld>
-    <p:bg>
-      <p:bgPr>
-        <a:solidFill>
-          <a:schemeClr val="bg1">
-            <a:lumMod val="95000"/>
-          </a:schemeClr>
-        </a:solidFill>
-        <a:effectLst/>
-      </p:bgPr>
-    </p:bg>
-    <p:spTree>
-      <p:nvGrpSpPr>
-        <p:cNvPr id="1" name=""/>
-        <p:cNvGrpSpPr/>
-        <p:nvPr/>
-      </p:nvGrpSpPr>
-      <p:grpSpPr>
-        <a:xfrm>
-          <a:off x="0" y="0"/>
-          <a:ext cx="0" cy="0"/>
-          <a:chOff x="0" y="0"/>
-          <a:chExt cx="0" cy="0"/>
-        </a:xfrm>
-      </p:grpSpPr>
-      <p:sp>
-        <p:nvSpPr>
-          <p:cNvPr id="15" name="TextBox 14"/>
-          <p:cNvSpPr txBox="1"/>
-          <p:nvPr/>
-        </p:nvSpPr>
-        <p:spPr>
-          <a:xfrm>
-            <a:off x="1571570" y="910461"/>
-            <a:ext cx="3504486" cy="646331"/>
-          </a:xfrm>
-          <a:prstGeom prst="rect">
-            <a:avLst/>
-          </a:prstGeom>
-          <a:noFill/>
-        </p:spPr>
-        <p:txBody>
-          <a:bodyPr wrap="none" rtlCol="0">
-            <a:spAutoFit/>
-          </a:bodyPr>
-          <a:lstStyle/>
-          <a:p>
-            <a:r>
-              <a:rPr lang="en-US" altLang="ko-KR" sz="3600" i="1" dirty="0" smtClean="0">
-                <a:solidFill>
-                  <a:schemeClr val="tx1">
-                    <a:lumMod val="50000"/>
-                    <a:lumOff val="50000"/>
-                  </a:schemeClr>
-                </a:solidFill>
-                <a:latin typeface="210 맨발의청춘 R" pitchFamily="18" charset="-127"/>
-                <a:ea typeface="210 맨발의청춘 R" pitchFamily="18" charset="-127"/>
-              </a:rPr>
-              <a:t>Slide Sub title</a:t>
-            </a:r>
-            <a:endParaRPr lang="ko-KR" altLang="en-US" sz="3600" i="1" dirty="0">
-              <a:solidFill>
-                <a:schemeClr val="tx1">
-                  <a:lumMod val="50000"/>
-                  <a:lumOff val="50000"/>
-                </a:schemeClr>
-              </a:solidFill>
-              <a:latin typeface="210 맨발의청춘 R" pitchFamily="18" charset="-127"/>
-              <a:ea typeface="210 맨발의청춘 R" pitchFamily="18" charset="-127"/>
-            </a:endParaRPr>
-          </a:p>
-        </p:txBody>
-      </p:sp>
-      <p:sp>
-        <p:nvSpPr>
-          <p:cNvPr id="14" name="TextBox 13"/>
-          <p:cNvSpPr txBox="1"/>
-          <p:nvPr/>
-        </p:nvSpPr>
-        <p:spPr>
-          <a:xfrm>
-            <a:off x="35496" y="129406"/>
-            <a:ext cx="5136342" cy="923330"/>
-          </a:xfrm>
-          <a:prstGeom prst="rect">
-            <a:avLst/>
-          </a:prstGeom>
-          <a:noFill/>
-        </p:spPr>
-        <p:txBody>
-          <a:bodyPr wrap="none" rtlCol="0">
-            <a:spAutoFit/>
-          </a:bodyPr>
-          <a:lstStyle/>
-          <a:p>
-            <a:r>
-              <a:rPr lang="en-US" altLang="ko-KR" sz="5400" dirty="0" smtClean="0">
-                <a:solidFill>
-                  <a:schemeClr val="tx2">
-                    <a:lumMod val="50000"/>
-                  </a:schemeClr>
-                </a:solidFill>
-                <a:latin typeface="210 맨발의청춘 R" pitchFamily="18" charset="-127"/>
-                <a:ea typeface="210 맨발의청춘 R" pitchFamily="18" charset="-127"/>
-              </a:rPr>
-              <a:t>Healthy living</a:t>
-            </a:r>
-            <a:endParaRPr lang="ko-KR" altLang="en-US" sz="5400" dirty="0">
-              <a:solidFill>
-                <a:schemeClr val="tx2">
-                  <a:lumMod val="50000"/>
-                </a:schemeClr>
-              </a:solidFill>
-              <a:latin typeface="210 맨발의청춘 R" pitchFamily="18" charset="-127"/>
-              <a:ea typeface="210 맨발의청춘 R" pitchFamily="18" charset="-127"/>
-            </a:endParaRPr>
-          </a:p>
-        </p:txBody>
-      </p:sp>
-      <p:sp>
-        <p:nvSpPr>
-          <p:cNvPr id="10" name="TextBox 9"/>
-          <p:cNvSpPr txBox="1"/>
-          <p:nvPr/>
-        </p:nvSpPr>
-        <p:spPr>
-          <a:xfrm>
-            <a:off x="244368" y="4028871"/>
-            <a:ext cx="1989647" cy="461665"/>
-          </a:xfrm>
-          <a:prstGeom prst="rect">
-            <a:avLst/>
-          </a:prstGeom>
-          <a:noFill/>
-        </p:spPr>
-        <p:txBody>
-          <a:bodyPr wrap="none" rtlCol="0">
-            <a:spAutoFit/>
-          </a:bodyPr>
-          <a:lstStyle/>
-          <a:p>
-            <a:r>
-              <a:rPr lang="en-US" altLang="ko-KR" sz="2400" b="1" dirty="0" smtClean="0">
-                <a:solidFill>
-                  <a:srgbClr val="0070C0"/>
-                </a:solidFill>
-                <a:latin typeface="210 맨발의청춘 R" pitchFamily="18" charset="-127"/>
-                <a:ea typeface="210 맨발의청춘 R" pitchFamily="18" charset="-127"/>
-              </a:rPr>
-              <a:t>S</a:t>
-            </a:r>
-            <a:r>
-              <a:rPr lang="en-US" altLang="ko-KR" sz="2400" b="1" dirty="0" smtClean="0">
-                <a:solidFill>
-                  <a:schemeClr val="tx1">
-                    <a:lumMod val="75000"/>
-                    <a:lumOff val="25000"/>
-                  </a:schemeClr>
-                </a:solidFill>
-                <a:latin typeface="210 맨발의청춘 R" pitchFamily="18" charset="-127"/>
-                <a:ea typeface="210 맨발의청춘 R" pitchFamily="18" charset="-127"/>
-              </a:rPr>
-              <a:t>WIMMING</a:t>
-            </a:r>
-            <a:endParaRPr lang="ko-KR" altLang="en-US" sz="2400" b="1" dirty="0">
-              <a:solidFill>
-                <a:schemeClr val="tx1">
-                  <a:lumMod val="75000"/>
-                  <a:lumOff val="25000"/>
-                </a:schemeClr>
-              </a:solidFill>
-              <a:latin typeface="210 맨발의청춘 R" pitchFamily="18" charset="-127"/>
-              <a:ea typeface="210 맨발의청춘 R" pitchFamily="18" charset="-127"/>
-            </a:endParaRPr>
-          </a:p>
-        </p:txBody>
-      </p:sp>
-      <p:sp>
-        <p:nvSpPr>
-          <p:cNvPr id="18" name="TextBox 17"/>
-          <p:cNvSpPr txBox="1"/>
-          <p:nvPr/>
-        </p:nvSpPr>
-        <p:spPr>
-          <a:xfrm>
-            <a:off x="3405636" y="3987920"/>
-            <a:ext cx="1941557" cy="523220"/>
-          </a:xfrm>
-          <a:prstGeom prst="rect">
-            <a:avLst/>
-          </a:prstGeom>
-          <a:noFill/>
-        </p:spPr>
-        <p:txBody>
-          <a:bodyPr wrap="none" rtlCol="0">
-            <a:spAutoFit/>
-          </a:bodyPr>
-          <a:lstStyle/>
-          <a:p>
-            <a:r>
-              <a:rPr lang="en-US" altLang="ko-KR" sz="2800" b="1" dirty="0" smtClean="0">
-                <a:solidFill>
-                  <a:schemeClr val="accent6">
-                    <a:lumMod val="75000"/>
-                  </a:schemeClr>
-                </a:solidFill>
-                <a:latin typeface="210 맨발의청춘 R" pitchFamily="18" charset="-127"/>
-                <a:ea typeface="210 맨발의청춘 R" pitchFamily="18" charset="-127"/>
-              </a:rPr>
-              <a:t>R</a:t>
-            </a:r>
-            <a:r>
-              <a:rPr lang="en-US" altLang="ko-KR" sz="2800" b="1" dirty="0" smtClean="0">
-                <a:solidFill>
-                  <a:schemeClr val="tx1">
-                    <a:lumMod val="75000"/>
-                    <a:lumOff val="25000"/>
-                  </a:schemeClr>
-                </a:solidFill>
-                <a:latin typeface="210 맨발의청춘 R" pitchFamily="18" charset="-127"/>
-                <a:ea typeface="210 맨발의청춘 R" pitchFamily="18" charset="-127"/>
-              </a:rPr>
-              <a:t>UNNING</a:t>
-            </a:r>
-            <a:endParaRPr lang="ko-KR" altLang="en-US" sz="2800" b="1" dirty="0">
-              <a:solidFill>
-                <a:schemeClr val="tx1">
-                  <a:lumMod val="75000"/>
-                  <a:lumOff val="25000"/>
-                </a:schemeClr>
-              </a:solidFill>
-              <a:latin typeface="210 맨발의청춘 R" pitchFamily="18" charset="-127"/>
-              <a:ea typeface="210 맨발의청춘 R" pitchFamily="18" charset="-127"/>
-            </a:endParaRPr>
-          </a:p>
-        </p:txBody>
-      </p:sp>
-      <p:sp>
-        <p:nvSpPr>
-          <p:cNvPr id="19" name="TextBox 18"/>
-          <p:cNvSpPr txBox="1"/>
-          <p:nvPr/>
-        </p:nvSpPr>
-        <p:spPr>
-          <a:xfrm>
-            <a:off x="6676729" y="4035620"/>
-            <a:ext cx="1446230" cy="523220"/>
-          </a:xfrm>
-          <a:prstGeom prst="rect">
-            <a:avLst/>
-          </a:prstGeom>
-          <a:noFill/>
-        </p:spPr>
-        <p:txBody>
-          <a:bodyPr wrap="none" rtlCol="0">
-            <a:spAutoFit/>
-          </a:bodyPr>
-          <a:lstStyle/>
-          <a:p>
-            <a:r>
-              <a:rPr lang="en-US" altLang="ko-KR" sz="2800" b="1" dirty="0" smtClean="0">
-                <a:solidFill>
-                  <a:schemeClr val="accent2">
-                    <a:lumMod val="75000"/>
-                  </a:schemeClr>
-                </a:solidFill>
-                <a:latin typeface="210 맨발의청춘 R" pitchFamily="18" charset="-127"/>
-                <a:ea typeface="210 맨발의청춘 R" pitchFamily="18" charset="-127"/>
-              </a:rPr>
-              <a:t>R</a:t>
-            </a:r>
-            <a:r>
-              <a:rPr lang="en-US" altLang="ko-KR" sz="2800" b="1" dirty="0" smtClean="0">
-                <a:solidFill>
-                  <a:schemeClr val="tx1">
-                    <a:lumMod val="75000"/>
-                    <a:lumOff val="25000"/>
-                  </a:schemeClr>
-                </a:solidFill>
-                <a:latin typeface="210 맨발의청춘 R" pitchFamily="18" charset="-127"/>
-                <a:ea typeface="210 맨발의청춘 R" pitchFamily="18" charset="-127"/>
-              </a:rPr>
-              <a:t>IDING</a:t>
-            </a:r>
-            <a:endParaRPr lang="ko-KR" altLang="en-US" sz="2800" b="1" dirty="0">
-              <a:solidFill>
-                <a:schemeClr val="tx1">
-                  <a:lumMod val="75000"/>
-                  <a:lumOff val="25000"/>
-                </a:schemeClr>
-              </a:solidFill>
-              <a:latin typeface="210 맨발의청춘 R" pitchFamily="18" charset="-127"/>
-              <a:ea typeface="210 맨발의청춘 R" pitchFamily="18" charset="-127"/>
-            </a:endParaRPr>
-          </a:p>
-        </p:txBody>
-      </p:sp>
-      <p:sp>
-        <p:nvSpPr>
-          <p:cNvPr id="11" name="TextBox 10"/>
-          <p:cNvSpPr txBox="1"/>
-          <p:nvPr/>
-        </p:nvSpPr>
-        <p:spPr>
-          <a:xfrm>
-            <a:off x="148383" y="4532927"/>
-            <a:ext cx="2263377" cy="1200329"/>
-          </a:xfrm>
-          <a:prstGeom prst="rect">
-            <a:avLst/>
-          </a:prstGeom>
-          <a:noFill/>
-        </p:spPr>
-        <p:txBody>
-          <a:bodyPr wrap="none" rtlCol="0">
-            <a:spAutoFit/>
-          </a:bodyPr>
-          <a:lstStyle/>
-          <a:p>
-            <a:r>
-              <a:rPr lang="en-US" altLang="ko-KR" sz="2400" i="1" dirty="0" smtClean="0">
-                <a:solidFill>
-                  <a:schemeClr val="tx1">
-                    <a:lumMod val="50000"/>
-                    <a:lumOff val="50000"/>
-                  </a:schemeClr>
-                </a:solidFill>
-                <a:latin typeface="나눔바른펜" pitchFamily="50" charset="-127"/>
-                <a:ea typeface="나눔바른펜" pitchFamily="50" charset="-127"/>
-              </a:rPr>
-              <a:t>Contents sub title</a:t>
-            </a:r>
-          </a:p>
-          <a:p>
-            <a:r>
-              <a:rPr lang="en-US" altLang="ko-KR" sz="2400" i="1" dirty="0" smtClean="0">
-                <a:solidFill>
-                  <a:schemeClr val="tx1">
-                    <a:lumMod val="50000"/>
-                    <a:lumOff val="50000"/>
-                  </a:schemeClr>
-                </a:solidFill>
-                <a:latin typeface="나눔바른펜" pitchFamily="50" charset="-127"/>
-                <a:ea typeface="나눔바른펜" pitchFamily="50" charset="-127"/>
-              </a:rPr>
-              <a:t>Contents sub title</a:t>
-            </a:r>
-          </a:p>
-          <a:p>
-            <a:r>
-              <a:rPr lang="en-US" altLang="ko-KR" sz="2400" i="1" dirty="0" smtClean="0">
-                <a:solidFill>
-                  <a:schemeClr val="tx1">
-                    <a:lumMod val="50000"/>
-                    <a:lumOff val="50000"/>
-                  </a:schemeClr>
-                </a:solidFill>
-                <a:latin typeface="나눔바른펜" pitchFamily="50" charset="-127"/>
-                <a:ea typeface="나눔바른펜" pitchFamily="50" charset="-127"/>
-              </a:rPr>
-              <a:t>Contents sub title</a:t>
-            </a:r>
-          </a:p>
-        </p:txBody>
-      </p:sp>
-      <p:sp>
-        <p:nvSpPr>
-          <p:cNvPr id="21" name="TextBox 20"/>
-          <p:cNvSpPr txBox="1"/>
-          <p:nvPr/>
-        </p:nvSpPr>
-        <p:spPr>
-          <a:xfrm>
-            <a:off x="3316735" y="4484726"/>
-            <a:ext cx="2263377" cy="1200329"/>
-          </a:xfrm>
-          <a:prstGeom prst="rect">
-            <a:avLst/>
-          </a:prstGeom>
-          <a:noFill/>
-        </p:spPr>
-        <p:txBody>
-          <a:bodyPr wrap="none" rtlCol="0">
-            <a:spAutoFit/>
-          </a:bodyPr>
-          <a:lstStyle/>
-          <a:p>
-            <a:r>
-              <a:rPr lang="en-US" altLang="ko-KR" sz="2400" i="1" dirty="0" smtClean="0">
-                <a:solidFill>
-                  <a:schemeClr val="tx1">
-                    <a:lumMod val="50000"/>
-                    <a:lumOff val="50000"/>
-                  </a:schemeClr>
-                </a:solidFill>
-                <a:latin typeface="나눔바른펜" pitchFamily="50" charset="-127"/>
-                <a:ea typeface="나눔바른펜" pitchFamily="50" charset="-127"/>
-              </a:rPr>
-              <a:t>Contents sub title</a:t>
-            </a:r>
-          </a:p>
-          <a:p>
-            <a:r>
-              <a:rPr lang="en-US" altLang="ko-KR" sz="2400" i="1" dirty="0" smtClean="0">
-                <a:solidFill>
-                  <a:schemeClr val="tx1">
-                    <a:lumMod val="50000"/>
-                    <a:lumOff val="50000"/>
-                  </a:schemeClr>
-                </a:solidFill>
-                <a:latin typeface="나눔바른펜" pitchFamily="50" charset="-127"/>
-                <a:ea typeface="나눔바른펜" pitchFamily="50" charset="-127"/>
-              </a:rPr>
-              <a:t>Contents sub title</a:t>
-            </a:r>
-          </a:p>
-          <a:p>
-            <a:r>
-              <a:rPr lang="en-US" altLang="ko-KR" sz="2400" i="1" dirty="0" smtClean="0">
-                <a:solidFill>
-                  <a:schemeClr val="tx1">
-                    <a:lumMod val="50000"/>
-                    <a:lumOff val="50000"/>
-                  </a:schemeClr>
-                </a:solidFill>
-                <a:latin typeface="나눔바른펜" pitchFamily="50" charset="-127"/>
-                <a:ea typeface="나눔바른펜" pitchFamily="50" charset="-127"/>
-              </a:rPr>
-              <a:t>Contents sub title</a:t>
-            </a:r>
-          </a:p>
-        </p:txBody>
-      </p:sp>
-      <p:sp>
-        <p:nvSpPr>
-          <p:cNvPr id="22" name="TextBox 21"/>
-          <p:cNvSpPr txBox="1"/>
-          <p:nvPr/>
-        </p:nvSpPr>
-        <p:spPr>
-          <a:xfrm>
-            <a:off x="6269063" y="4532926"/>
-            <a:ext cx="2263377" cy="1200329"/>
-          </a:xfrm>
-          <a:prstGeom prst="rect">
-            <a:avLst/>
-          </a:prstGeom>
-          <a:noFill/>
-        </p:spPr>
-        <p:txBody>
-          <a:bodyPr wrap="none" rtlCol="0">
-            <a:spAutoFit/>
-          </a:bodyPr>
-          <a:lstStyle/>
-          <a:p>
-            <a:r>
-              <a:rPr lang="en-US" altLang="ko-KR" sz="2400" i="1" dirty="0" smtClean="0">
-                <a:solidFill>
-                  <a:schemeClr val="tx1">
-                    <a:lumMod val="50000"/>
-                    <a:lumOff val="50000"/>
-                  </a:schemeClr>
-                </a:solidFill>
-                <a:latin typeface="나눔바른펜" pitchFamily="50" charset="-127"/>
-                <a:ea typeface="나눔바른펜" pitchFamily="50" charset="-127"/>
-              </a:rPr>
-              <a:t>Contents sub title</a:t>
-            </a:r>
-          </a:p>
-          <a:p>
-            <a:r>
-              <a:rPr lang="en-US" altLang="ko-KR" sz="2400" i="1" dirty="0" smtClean="0">
-                <a:solidFill>
-                  <a:schemeClr val="tx1">
-                    <a:lumMod val="50000"/>
-                    <a:lumOff val="50000"/>
-                  </a:schemeClr>
-                </a:solidFill>
-                <a:latin typeface="나눔바른펜" pitchFamily="50" charset="-127"/>
-                <a:ea typeface="나눔바른펜" pitchFamily="50" charset="-127"/>
-              </a:rPr>
-              <a:t>Contents sub title</a:t>
-            </a:r>
-          </a:p>
-          <a:p>
-            <a:r>
-              <a:rPr lang="en-US" altLang="ko-KR" sz="2400" i="1" dirty="0" smtClean="0">
-                <a:solidFill>
-                  <a:schemeClr val="tx1">
-                    <a:lumMod val="50000"/>
-                    <a:lumOff val="50000"/>
-                  </a:schemeClr>
-                </a:solidFill>
-                <a:latin typeface="나눔바른펜" pitchFamily="50" charset="-127"/>
-                <a:ea typeface="나눔바른펜" pitchFamily="50" charset="-127"/>
-              </a:rPr>
-              <a:t>Contents sub title</a:t>
-            </a:r>
-          </a:p>
-        </p:txBody>
-      </p:sp>
       <p:pic>
         <p:nvPicPr>
-          <p:cNvPr id="20" name="Picture 3" descr="C:\Users\LG\Desktop\개인폴더\픽토그램\186173-olympic-games.png"/>
+          <p:cNvPr id="20" name="그림 19"/>
           <p:cNvPicPr>
-            <a:picLocks noChangeAspect="1" noChangeArrowheads="1"/>
+            <a:picLocks noChangeAspect="1"/>
           </p:cNvPicPr>
           <p:nvPr/>
         </p:nvPicPr>
-        <p:blipFill rotWithShape="1">
-          <a:blip r:embed="rId2">
+        <p:blipFill>
+          <a:blip r:embed="rId5">
             <a:extLst>
               <a:ext uri="{28A0092B-C50C-407E-A947-70E740481C1C}">
                 <a14:useLocalDpi xmlns:a14="http://schemas.microsoft.com/office/drawing/2010/main" val="0"/>
               </a:ext>
             </a:extLst>
           </a:blip>
-          <a:srcRect r="68763" b="67714"/>
-          <a:stretch/>
+          <a:stretch>
+            <a:fillRect/>
+          </a:stretch>
         </p:blipFill>
-        <p:spPr bwMode="auto">
-          <a:xfrm>
-            <a:off x="71499" y="1664138"/>
-            <a:ext cx="2335385" cy="2268918"/>
-          </a:xfrm>
-          <a:prstGeom prst="rect">
-            <a:avLst/>
-          </a:prstGeom>
-          <a:noFill/>
-          <a:extLst>
-            <a:ext uri="{909E8E84-426E-40DD-AFC4-6F175D3DCCD1}">
-              <a14:hiddenFill xmlns:a14="http://schemas.microsoft.com/office/drawing/2010/main">
-                <a:solidFill>
-                  <a:srgbClr val="FFFFFF"/>
-                </a:solidFill>
-              </a14:hiddenFill>
-            </a:ext>
-          </a:extLst>
+        <p:spPr>
+          <a:xfrm>
+            <a:off x="204401" y="4790827"/>
+            <a:ext cx="1979918" cy="588714"/>
+          </a:xfrm>
+          <a:prstGeom prst="rect">
+            <a:avLst/>
+          </a:prstGeom>
         </p:spPr>
       </p:pic>
       <p:pic>
         <p:nvPicPr>
-          <p:cNvPr id="23" name="Picture 3" descr="C:\Users\LG\Desktop\개인폴더\픽토그램\186173-olympic-games.png"/>
+          <p:cNvPr id="23" name="그림 22"/>
           <p:cNvPicPr>
-            <a:picLocks noChangeAspect="1" noChangeArrowheads="1"/>
+            <a:picLocks noChangeAspect="1"/>
           </p:cNvPicPr>
           <p:nvPr/>
         </p:nvPicPr>
-        <p:blipFill rotWithShape="1">
-          <a:blip r:embed="rId2">
+        <p:blipFill>
+          <a:blip r:embed="rId6" cstate="print">
             <a:extLst>
               <a:ext uri="{28A0092B-C50C-407E-A947-70E740481C1C}">
                 <a14:useLocalDpi xmlns:a14="http://schemas.microsoft.com/office/drawing/2010/main" val="0"/>
               </a:ext>
             </a:extLst>
           </a:blip>
-          <a:srcRect l="33208" r="34823" b="68230"/>
-          <a:stretch/>
+          <a:stretch>
+            <a:fillRect/>
+          </a:stretch>
         </p:blipFill>
-        <p:spPr bwMode="auto">
-          <a:xfrm>
-            <a:off x="3133396" y="1637461"/>
-            <a:ext cx="2374708" cy="2218284"/>
-          </a:xfrm>
-          <a:prstGeom prst="rect">
-            <a:avLst/>
-          </a:prstGeom>
-          <a:noFill/>
-          <a:extLst>
-            <a:ext uri="{909E8E84-426E-40DD-AFC4-6F175D3DCCD1}">
-              <a14:hiddenFill xmlns:a14="http://schemas.microsoft.com/office/drawing/2010/main">
-                <a:solidFill>
-                  <a:srgbClr val="FFFFFF"/>
-                </a:solidFill>
-              </a14:hiddenFill>
-            </a:ext>
-          </a:extLst>
+        <p:spPr>
+          <a:xfrm>
+            <a:off x="6703797" y="4261521"/>
+            <a:ext cx="1785077" cy="745532"/>
+          </a:xfrm>
+          <a:prstGeom prst="rect">
+            <a:avLst/>
+          </a:prstGeom>
         </p:spPr>
       </p:pic>
       <p:pic>
         <p:nvPicPr>
-          <p:cNvPr id="24" name="Picture 3" descr="C:\Users\LG\Desktop\개인폴더\픽토그램\186173-olympic-games.png"/>
+          <p:cNvPr id="24" name="그림 23"/>
           <p:cNvPicPr>
-            <a:picLocks noChangeAspect="1" noChangeArrowheads="1"/>
+            <a:picLocks noChangeAspect="1"/>
           </p:cNvPicPr>
           <p:nvPr/>
         </p:nvPicPr>
-        <p:blipFill rotWithShape="1">
-          <a:blip r:embed="rId2">
+        <p:blipFill>
+          <a:blip r:embed="rId7">
             <a:extLst>
               <a:ext uri="{28A0092B-C50C-407E-A947-70E740481C1C}">
                 <a14:useLocalDpi xmlns:a14="http://schemas.microsoft.com/office/drawing/2010/main" val="0"/>
               </a:ext>
             </a:extLst>
           </a:blip>
-          <a:srcRect l="33208" t="31769" r="31700" b="34116"/>
-          <a:stretch/>
+          <a:stretch>
+            <a:fillRect/>
+          </a:stretch>
+        </p:blipFill>
+        <p:spPr>
+          <a:xfrm>
+            <a:off x="232353" y="4258067"/>
+            <a:ext cx="1951966" cy="537225"/>
+          </a:xfrm>
+          <a:prstGeom prst="rect">
+            <a:avLst/>
+          </a:prstGeom>
+        </p:spPr>
+      </p:pic>
+      <p:pic>
+        <p:nvPicPr>
+          <p:cNvPr id="25" name="그림 24"/>
+          <p:cNvPicPr>
+            <a:picLocks noChangeAspect="1"/>
+          </p:cNvPicPr>
+          <p:nvPr/>
+        </p:nvPicPr>
+        <p:blipFill>
+          <a:blip r:embed="rId8" cstate="print">
+            <a:extLst>
+              <a:ext uri="{28A0092B-C50C-407E-A947-70E740481C1C}">
+                <a14:useLocalDpi xmlns:a14="http://schemas.microsoft.com/office/drawing/2010/main" val="0"/>
+              </a:ext>
+            </a:extLst>
+          </a:blip>
+          <a:stretch>
+            <a:fillRect/>
+          </a:stretch>
+        </p:blipFill>
+        <p:spPr>
+          <a:xfrm>
+            <a:off x="3852485" y="4312260"/>
+            <a:ext cx="1939125" cy="643447"/>
+          </a:xfrm>
+          <a:prstGeom prst="rect">
+            <a:avLst/>
+          </a:prstGeom>
+        </p:spPr>
+      </p:pic>
+      <p:pic>
+        <p:nvPicPr>
+          <p:cNvPr id="26" name="그림 25"/>
+          <p:cNvPicPr>
+            <a:picLocks noChangeAspect="1"/>
+          </p:cNvPicPr>
+          <p:nvPr/>
+        </p:nvPicPr>
+        <p:blipFill>
+          <a:blip r:embed="rId9" cstate="print">
+            <a:extLst>
+              <a:ext uri="{28A0092B-C50C-407E-A947-70E740481C1C}">
+                <a14:useLocalDpi xmlns:a14="http://schemas.microsoft.com/office/drawing/2010/main" val="0"/>
+              </a:ext>
+            </a:extLst>
+          </a:blip>
+          <a:stretch>
+            <a:fillRect/>
+          </a:stretch>
+        </p:blipFill>
+        <p:spPr>
+          <a:xfrm>
+            <a:off x="3867821" y="4958867"/>
+            <a:ext cx="1923789" cy="480948"/>
+          </a:xfrm>
+          <a:prstGeom prst="rect">
+            <a:avLst/>
+          </a:prstGeom>
+        </p:spPr>
+      </p:pic>
+      <p:pic>
+        <p:nvPicPr>
+          <p:cNvPr id="27" name="그림 26"/>
+          <p:cNvPicPr>
+            <a:picLocks noChangeAspect="1"/>
+          </p:cNvPicPr>
+          <p:nvPr/>
+        </p:nvPicPr>
+        <p:blipFill>
+          <a:blip r:embed="rId10" cstate="print">
+            <a:extLst>
+              <a:ext uri="{28A0092B-C50C-407E-A947-70E740481C1C}">
+                <a14:useLocalDpi xmlns:a14="http://schemas.microsoft.com/office/drawing/2010/main" val="0"/>
+              </a:ext>
+            </a:extLst>
+          </a:blip>
+          <a:stretch>
+            <a:fillRect/>
+          </a:stretch>
+        </p:blipFill>
+        <p:spPr>
+          <a:xfrm>
+            <a:off x="3852485" y="5511342"/>
+            <a:ext cx="1908453" cy="530753"/>
+          </a:xfrm>
+          <a:prstGeom prst="rect">
+            <a:avLst/>
+          </a:prstGeom>
+        </p:spPr>
+      </p:pic>
+      <p:pic>
+        <p:nvPicPr>
+          <p:cNvPr id="28" name="그림 27"/>
+          <p:cNvPicPr>
+            <a:picLocks noChangeAspect="1"/>
+          </p:cNvPicPr>
+          <p:nvPr/>
+        </p:nvPicPr>
+        <p:blipFill>
+          <a:blip r:embed="rId11" cstate="print">
+            <a:extLst>
+              <a:ext uri="{28A0092B-C50C-407E-A947-70E740481C1C}">
+                <a14:useLocalDpi xmlns:a14="http://schemas.microsoft.com/office/drawing/2010/main" val="0"/>
+              </a:ext>
+            </a:extLst>
+          </a:blip>
+          <a:stretch>
+            <a:fillRect/>
+          </a:stretch>
+        </p:blipFill>
+        <p:spPr>
+          <a:xfrm>
+            <a:off x="6738316" y="5511865"/>
+            <a:ext cx="1799329" cy="617679"/>
+          </a:xfrm>
+          <a:prstGeom prst="rect">
+            <a:avLst/>
+          </a:prstGeom>
+        </p:spPr>
+      </p:pic>
+      <p:pic>
+        <p:nvPicPr>
+          <p:cNvPr id="29" name="그림 28"/>
+          <p:cNvPicPr>
+            <a:picLocks noChangeAspect="1"/>
+          </p:cNvPicPr>
+          <p:nvPr/>
+        </p:nvPicPr>
+        <p:blipFill>
+          <a:blip r:embed="rId12" cstate="print">
+            <a:extLst>
+              <a:ext uri="{28A0092B-C50C-407E-A947-70E740481C1C}">
+                <a14:useLocalDpi xmlns:a14="http://schemas.microsoft.com/office/drawing/2010/main" val="0"/>
+              </a:ext>
+            </a:extLst>
+          </a:blip>
+          <a:stretch>
+            <a:fillRect/>
+          </a:stretch>
+        </p:blipFill>
+        <p:spPr>
+          <a:xfrm>
+            <a:off x="6715245" y="4986458"/>
+            <a:ext cx="1789073" cy="525407"/>
+          </a:xfrm>
+          <a:prstGeom prst="rect">
+            <a:avLst/>
+          </a:prstGeom>
+        </p:spPr>
+      </p:pic>
+      <p:pic>
+        <p:nvPicPr>
+          <p:cNvPr id="1026" name="Picture 2" descr="C:\Users\Home\Documents\images.jpg"/>
+          <p:cNvPicPr>
+            <a:picLocks noChangeAspect="1" noChangeArrowheads="1"/>
+          </p:cNvPicPr>
+          <p:nvPr/>
+        </p:nvPicPr>
+        <p:blipFill>
+          <a:blip r:embed="rId13">
+            <a:extLst>
+              <a:ext uri="{28A0092B-C50C-407E-A947-70E740481C1C}">
+                <a14:useLocalDpi xmlns:a14="http://schemas.microsoft.com/office/drawing/2010/main" val="0"/>
+              </a:ext>
+            </a:extLst>
+          </a:blip>
+          <a:srcRect/>
+          <a:stretch>
+            <a:fillRect/>
+          </a:stretch>
         </p:blipFill>
         <p:spPr bwMode="auto">
           <a:xfrm>
-            <a:off x="6101941" y="1540605"/>
-            <a:ext cx="2595806" cy="2372104"/>
+            <a:off x="3867969" y="6043493"/>
+            <a:ext cx="1923789" cy="614884"/>
           </a:xfrm>
           <a:prstGeom prst="rect">
             <a:avLst/>
@@ -6130,58 +7627,10 @@
           </a:extLst>
         </p:spPr>
       </p:pic>
-      <p:sp>
-        <p:nvSpPr>
-          <p:cNvPr id="2" name="직사각형 1"/>
-          <p:cNvSpPr/>
-          <p:nvPr/>
-        </p:nvSpPr>
-        <p:spPr>
-          <a:xfrm>
-            <a:off x="0" y="6547656"/>
-            <a:ext cx="9144000" cy="310344"/>
-          </a:xfrm>
-          <a:prstGeom prst="rect">
-            <a:avLst/>
-          </a:prstGeom>
-          <a:solidFill>
-            <a:schemeClr val="bg1">
-              <a:lumMod val="75000"/>
-            </a:schemeClr>
-          </a:solidFill>
-          <a:ln>
-            <a:noFill/>
-          </a:ln>
-        </p:spPr>
-        <p:style>
-          <a:lnRef idx="2">
-            <a:schemeClr val="accent1">
-              <a:shade val="50000"/>
-            </a:schemeClr>
-          </a:lnRef>
-          <a:fillRef idx="1">
-            <a:schemeClr val="accent1"/>
-          </a:fillRef>
-          <a:effectRef idx="0">
-            <a:schemeClr val="accent1"/>
-          </a:effectRef>
-          <a:fontRef idx="minor">
-            <a:schemeClr val="lt1"/>
-          </a:fontRef>
-        </p:style>
-        <p:txBody>
-          <a:bodyPr rtlCol="0" anchor="ctr"/>
-          <a:lstStyle/>
-          <a:p>
-            <a:pPr algn="ctr"/>
-            <a:endParaRPr lang="ko-KR" altLang="en-US"/>
-          </a:p>
-        </p:txBody>
-      </p:sp>
     </p:spTree>
     <p:extLst>
       <p:ext uri="{BB962C8B-B14F-4D97-AF65-F5344CB8AC3E}">
-        <p14:creationId xmlns:p14="http://schemas.microsoft.com/office/powerpoint/2010/main" val="3211709181"/>
+        <p14:creationId xmlns:p14="http://schemas.microsoft.com/office/powerpoint/2010/main" val="1167413237"/>
       </p:ext>
     </p:extLst>
   </p:cSld>
@@ -6215,80 +7664,6 @@
           <a:chExt cx="0" cy="0"/>
         </a:xfrm>
       </p:grpSpPr>
-      <p:cxnSp>
-        <p:nvCxnSpPr>
-          <p:cNvPr id="12" name="직선 연결선 11"/>
-          <p:cNvCxnSpPr/>
-          <p:nvPr/>
-        </p:nvCxnSpPr>
-        <p:spPr>
-          <a:xfrm>
-            <a:off x="1115616" y="6165304"/>
-            <a:ext cx="7200800" cy="0"/>
-          </a:xfrm>
-          <a:prstGeom prst="line">
-            <a:avLst/>
-          </a:prstGeom>
-          <a:ln w="28575">
-            <a:solidFill>
-              <a:schemeClr val="tx2">
-                <a:lumMod val="50000"/>
-              </a:schemeClr>
-            </a:solidFill>
-          </a:ln>
-        </p:spPr>
-        <p:style>
-          <a:lnRef idx="1">
-            <a:schemeClr val="accent1"/>
-          </a:lnRef>
-          <a:fillRef idx="0">
-            <a:schemeClr val="accent1"/>
-          </a:fillRef>
-          <a:effectRef idx="0">
-            <a:schemeClr val="accent1"/>
-          </a:effectRef>
-          <a:fontRef idx="minor">
-            <a:schemeClr val="tx1"/>
-          </a:fontRef>
-        </p:style>
-      </p:cxnSp>
-      <p:cxnSp>
-        <p:nvCxnSpPr>
-          <p:cNvPr id="8" name="직선 연결선 7"/>
-          <p:cNvCxnSpPr/>
-          <p:nvPr/>
-        </p:nvCxnSpPr>
-        <p:spPr>
-          <a:xfrm>
-            <a:off x="1043608" y="3717032"/>
-            <a:ext cx="7200800" cy="0"/>
-          </a:xfrm>
-          <a:prstGeom prst="line">
-            <a:avLst/>
-          </a:prstGeom>
-          <a:ln w="28575">
-            <a:solidFill>
-              <a:schemeClr val="tx2">
-                <a:lumMod val="50000"/>
-              </a:schemeClr>
-            </a:solidFill>
-          </a:ln>
-        </p:spPr>
-        <p:style>
-          <a:lnRef idx="1">
-            <a:schemeClr val="accent1"/>
-          </a:lnRef>
-          <a:fillRef idx="0">
-            <a:schemeClr val="accent1"/>
-          </a:fillRef>
-          <a:effectRef idx="0">
-            <a:schemeClr val="accent1"/>
-          </a:effectRef>
-          <a:fontRef idx="minor">
-            <a:schemeClr val="tx1"/>
-          </a:fontRef>
-        </p:style>
-      </p:cxnSp>
       <p:sp>
         <p:nvSpPr>
           <p:cNvPr id="4" name="직사각형 3"/>
@@ -6346,7 +7721,7 @@
         <p:spPr>
           <a:xfrm>
             <a:off x="35496" y="129406"/>
-            <a:ext cx="5136342" cy="923330"/>
+            <a:ext cx="4339650" cy="923330"/>
           </a:xfrm>
           <a:prstGeom prst="rect">
             <a:avLst/>
@@ -6360,7 +7735,7 @@
           <a:lstStyle/>
           <a:p>
             <a:r>
-              <a:rPr lang="en-US" altLang="ko-KR" sz="5400" dirty="0" smtClean="0">
+              <a:rPr lang="ko-KR" altLang="en-US" sz="5400" dirty="0" smtClean="0">
                 <a:solidFill>
                   <a:schemeClr val="tx2">
                     <a:lumMod val="50000"/>
@@ -6369,7 +7744,19 @@
                 <a:latin typeface="210 맨발의청춘 R" pitchFamily="18" charset="-127"/>
                 <a:ea typeface="210 맨발의청춘 R" pitchFamily="18" charset="-127"/>
               </a:rPr>
-              <a:t>Healthy living</a:t>
+              <a:t>데이터베이</a:t>
+            </a:r>
+            <a:r>
+              <a:rPr lang="ko-KR" altLang="en-US" sz="5400" dirty="0">
+                <a:solidFill>
+                  <a:schemeClr val="tx2">
+                    <a:lumMod val="50000"/>
+                  </a:schemeClr>
+                </a:solidFill>
+                <a:latin typeface="210 맨발의청춘 R" pitchFamily="18" charset="-127"/>
+                <a:ea typeface="210 맨발의청춘 R" pitchFamily="18" charset="-127"/>
+              </a:rPr>
+              <a:t>스</a:t>
             </a:r>
             <a:endParaRPr lang="ko-KR" altLang="en-US" sz="5400" dirty="0">
               <a:solidFill>
@@ -6392,7 +7779,7 @@
         <p:spPr>
           <a:xfrm>
             <a:off x="1115616" y="1057819"/>
-            <a:ext cx="8087663" cy="584775"/>
+            <a:ext cx="2646878" cy="584775"/>
           </a:xfrm>
           <a:prstGeom prst="rect">
             <a:avLst/>
@@ -6406,7 +7793,7 @@
           <a:lstStyle/>
           <a:p>
             <a:r>
-              <a:rPr lang="en-US" altLang="ko-KR" sz="3200" i="1" dirty="0" smtClean="0">
+              <a:rPr lang="ko-KR" altLang="en-US" sz="3200" i="1" dirty="0" smtClean="0">
                 <a:solidFill>
                   <a:schemeClr val="tx1">
                     <a:lumMod val="50000"/>
@@ -6416,21 +7803,7 @@
                 <a:latin typeface="210 맨발의청춘 R" pitchFamily="18" charset="-127"/>
                 <a:ea typeface="210 맨발의청춘 R" pitchFamily="18" charset="-127"/>
               </a:rPr>
-              <a:t>SUB TITLE GOES HERE </a:t>
-            </a:r>
-            <a:r>
-              <a:rPr lang="en-US" altLang="ko-KR" sz="3200" i="1" dirty="0" smtClean="0">
-                <a:solidFill>
-                  <a:schemeClr val="tx1">
-                    <a:lumMod val="50000"/>
-                    <a:lumOff val="50000"/>
-                  </a:schemeClr>
-                </a:solidFill>
-                <a:latin typeface="210 맨발의청춘 R" pitchFamily="18" charset="-127"/>
-                <a:ea typeface="210 맨발의청춘 R" pitchFamily="18" charset="-127"/>
-                <a:sym typeface="Wingdings" pitchFamily="2" charset="2"/>
-              </a:rPr>
-              <a:t> HAERY_KIM</a:t>
+              <a:t>데이터베이스</a:t>
             </a:r>
             <a:endParaRPr lang="ko-KR" altLang="en-US" sz="3200" i="1" dirty="0">
               <a:solidFill>
@@ -6447,7 +7820,7 @@
       </p:sp>
       <p:pic>
         <p:nvPicPr>
-          <p:cNvPr id="5123" name="Picture 3" descr="C:\Users\LG\Downloads\1494588667_sport_badges-11.png"/>
+          <p:cNvPr id="2050" name="Picture 2"/>
           <p:cNvPicPr>
             <a:picLocks noChangeAspect="1" noChangeArrowheads="1"/>
           </p:cNvPicPr>
@@ -6468,61 +7841,33 @@
         </p:blipFill>
         <p:spPr bwMode="auto">
           <a:xfrm>
-            <a:off x="302816" y="4653136"/>
-            <a:ext cx="1625600" cy="1625600"/>
+            <a:off x="-17745" y="1623108"/>
+            <a:ext cx="9161745" cy="5234891"/>
           </a:xfrm>
           <a:prstGeom prst="rect">
             <a:avLst/>
           </a:prstGeom>
           <a:noFill/>
+          <a:ln>
+            <a:noFill/>
+          </a:ln>
           <a:extLst>
             <a:ext uri="{909E8E84-426E-40DD-AFC4-6F175D3DCCD1}">
               <a14:hiddenFill xmlns:a14="http://schemas.microsoft.com/office/drawing/2010/main">
                 <a:solidFill>
-                  <a:srgbClr val="FFFFFF"/>
+                  <a:schemeClr val="accent1"/>
                 </a:solidFill>
               </a14:hiddenFill>
             </a:ext>
-          </a:extLst>
-        </p:spPr>
-      </p:pic>
-      <p:pic>
-        <p:nvPicPr>
-          <p:cNvPr id="5124" name="Picture 4" descr="C:\Users\LG\Downloads\1494588666_sport_badges-07.png"/>
-          <p:cNvPicPr>
-            <a:picLocks noChangeAspect="1" noChangeArrowheads="1"/>
-          </p:cNvPicPr>
-          <p:nvPr/>
-        </p:nvPicPr>
-        <p:blipFill>
-          <a:blip r:embed="rId3">
-            <a:extLst>
-              <a:ext uri="{28A0092B-C50C-407E-A947-70E740481C1C}">
-                <a14:useLocalDpi xmlns:a14="http://schemas.microsoft.com/office/drawing/2010/main" val="0"/>
-              </a:ext>
-            </a:extLst>
-          </a:blip>
-          <a:srcRect/>
-          <a:stretch>
-            <a:fillRect/>
-          </a:stretch>
-        </p:blipFill>
-        <p:spPr bwMode="auto">
-          <a:xfrm>
-            <a:off x="302816" y="2154986"/>
-            <a:ext cx="1625600" cy="1625600"/>
-          </a:xfrm>
-          <a:prstGeom prst="rect">
-            <a:avLst/>
-          </a:prstGeom>
-          <a:noFill/>
-          <a:extLst>
-            <a:ext uri="{909E8E84-426E-40DD-AFC4-6F175D3DCCD1}">
-              <a14:hiddenFill xmlns:a14="http://schemas.microsoft.com/office/drawing/2010/main">
-                <a:solidFill>
-                  <a:srgbClr val="FFFFFF"/>
-                </a:solidFill>
-              </a14:hiddenFill>
+            <a:ext uri="{91240B29-F687-4F45-9708-019B960494DF}">
+              <a14:hiddenLine xmlns:a14="http://schemas.microsoft.com/office/drawing/2010/main" w="9525">
+                <a:solidFill>
+                  <a:schemeClr val="tx1"/>
+                </a:solidFill>
+                <a:miter lim="800000"/>
+                <a:headEnd/>
+                <a:tailEnd/>
+              </a14:hiddenLine>
             </a:ext>
           </a:extLst>
         </p:spPr>
@@ -6530,7 +7875,7 @@
     </p:spTree>
     <p:extLst>
       <p:ext uri="{BB962C8B-B14F-4D97-AF65-F5344CB8AC3E}">
-        <p14:creationId xmlns:p14="http://schemas.microsoft.com/office/powerpoint/2010/main" val="928293015"/>
+        <p14:creationId xmlns:p14="http://schemas.microsoft.com/office/powerpoint/2010/main" val="1798803113"/>
       </p:ext>
     </p:extLst>
   </p:cSld>
@@ -6566,14 +7911,14 @@
       </p:grpSpPr>
       <p:sp>
         <p:nvSpPr>
-          <p:cNvPr id="30" name="직사각형 29"/>
+          <p:cNvPr id="4" name="직사각형 3"/>
           <p:cNvSpPr/>
           <p:nvPr/>
         </p:nvSpPr>
         <p:spPr>
           <a:xfrm>
-            <a:off x="0" y="6702828"/>
-            <a:ext cx="9144000" cy="155172"/>
+            <a:off x="0" y="0"/>
+            <a:ext cx="9144000" cy="1052736"/>
           </a:xfrm>
           <a:prstGeom prst="rect">
             <a:avLst/>
@@ -6621,7 +7966,7 @@
         <p:spPr>
           <a:xfrm>
             <a:off x="35496" y="129406"/>
-            <a:ext cx="5136342" cy="923330"/>
+            <a:ext cx="3185487" cy="923330"/>
           </a:xfrm>
           <a:prstGeom prst="rect">
             <a:avLst/>
@@ -6635,7 +7980,7 @@
           <a:lstStyle/>
           <a:p>
             <a:r>
-              <a:rPr lang="en-US" altLang="ko-KR" sz="5400" dirty="0" smtClean="0">
+              <a:rPr lang="ko-KR" altLang="en-US" sz="5400" dirty="0" smtClean="0">
                 <a:solidFill>
                   <a:schemeClr val="tx2">
                     <a:lumMod val="50000"/>
@@ -6644,7 +7989,7 @@
                 <a:latin typeface="210 맨발의청춘 R" pitchFamily="18" charset="-127"/>
                 <a:ea typeface="210 맨발의청춘 R" pitchFamily="18" charset="-127"/>
               </a:rPr>
-              <a:t>Healthy living</a:t>
+              <a:t>구현 기능</a:t>
             </a:r>
             <a:endParaRPr lang="ko-KR" altLang="en-US" sz="5400" dirty="0">
               <a:solidFill>
@@ -6667,7 +8012,7 @@
         <p:spPr>
           <a:xfrm>
             <a:off x="1115616" y="1057819"/>
-            <a:ext cx="8087663" cy="584775"/>
+            <a:ext cx="595035" cy="584775"/>
           </a:xfrm>
           <a:prstGeom prst="rect">
             <a:avLst/>
@@ -6681,7 +8026,7 @@
           <a:lstStyle/>
           <a:p>
             <a:r>
-              <a:rPr lang="en-US" altLang="ko-KR" sz="3200" i="1" dirty="0" smtClean="0">
+              <a:rPr lang="ko-KR" altLang="en-US" sz="3200" i="1" dirty="0" smtClean="0">
                 <a:solidFill>
                   <a:schemeClr val="tx1">
                     <a:lumMod val="50000"/>
@@ -6691,21 +8036,7 @@
                 <a:latin typeface="210 맨발의청춘 R" pitchFamily="18" charset="-127"/>
                 <a:ea typeface="210 맨발의청춘 R" pitchFamily="18" charset="-127"/>
               </a:rPr>
-              <a:t>SUB TITLE GOES HERE </a:t>
-            </a:r>
-            <a:r>
-              <a:rPr lang="en-US" altLang="ko-KR" sz="3200" i="1" dirty="0" smtClean="0">
-                <a:solidFill>
-                  <a:schemeClr val="tx1">
-                    <a:lumMod val="50000"/>
-                    <a:lumOff val="50000"/>
-                  </a:schemeClr>
-                </a:solidFill>
-                <a:latin typeface="210 맨발의청춘 R" pitchFamily="18" charset="-127"/>
-                <a:ea typeface="210 맨발의청춘 R" pitchFamily="18" charset="-127"/>
-                <a:sym typeface="Wingdings" pitchFamily="2" charset="2"/>
-              </a:rPr>
-              <a:t> HAERY_KIM</a:t>
+              <a:t>홈</a:t>
             </a:r>
             <a:endParaRPr lang="ko-KR" altLang="en-US" sz="3200" i="1" dirty="0">
               <a:solidFill>
@@ -6720,106 +8051,9 @@
           </a:p>
         </p:txBody>
       </p:sp>
-      <p:sp>
-        <p:nvSpPr>
-          <p:cNvPr id="3" name="직사각형 2"/>
-          <p:cNvSpPr/>
-          <p:nvPr/>
-        </p:nvSpPr>
-        <p:spPr>
-          <a:xfrm>
-            <a:off x="179512" y="1844824"/>
-            <a:ext cx="4176464" cy="2304256"/>
-          </a:xfrm>
-          <a:prstGeom prst="rect">
-            <a:avLst/>
-          </a:prstGeom>
-          <a:solidFill>
-            <a:schemeClr val="tx2">
-              <a:lumMod val="50000"/>
-            </a:schemeClr>
-          </a:solidFill>
-          <a:ln>
-            <a:noFill/>
-          </a:ln>
-        </p:spPr>
-        <p:style>
-          <a:lnRef idx="2">
-            <a:schemeClr val="accent1">
-              <a:shade val="50000"/>
-            </a:schemeClr>
-          </a:lnRef>
-          <a:fillRef idx="1">
-            <a:schemeClr val="accent1"/>
-          </a:fillRef>
-          <a:effectRef idx="0">
-            <a:schemeClr val="accent1"/>
-          </a:effectRef>
-          <a:fontRef idx="minor">
-            <a:schemeClr val="lt1"/>
-          </a:fontRef>
-        </p:style>
-        <p:txBody>
-          <a:bodyPr rtlCol="0" anchor="ctr"/>
-          <a:lstStyle/>
-          <a:p>
-            <a:pPr algn="ctr"/>
-            <a:endParaRPr lang="ko-KR" altLang="en-US"/>
-          </a:p>
-        </p:txBody>
-      </p:sp>
-      <p:sp>
-        <p:nvSpPr>
-          <p:cNvPr id="5" name="직각 삼각형 4"/>
-          <p:cNvSpPr/>
-          <p:nvPr/>
-        </p:nvSpPr>
-        <p:spPr>
-          <a:xfrm>
-            <a:off x="179512" y="1844824"/>
-            <a:ext cx="3600400" cy="2304256"/>
-          </a:xfrm>
-          <a:prstGeom prst="rtTriangle">
-            <a:avLst/>
-          </a:prstGeom>
-          <a:solidFill>
-            <a:schemeClr val="bg1">
-              <a:lumMod val="85000"/>
-              <a:alpha val="48000"/>
-            </a:schemeClr>
-          </a:solidFill>
-          <a:ln>
-            <a:noFill/>
-          </a:ln>
-        </p:spPr>
-        <p:style>
-          <a:lnRef idx="2">
-            <a:schemeClr val="accent1">
-              <a:shade val="50000"/>
-            </a:schemeClr>
-          </a:lnRef>
-          <a:fillRef idx="1">
-            <a:schemeClr val="accent1"/>
-          </a:fillRef>
-          <a:effectRef idx="0">
-            <a:schemeClr val="accent1"/>
-          </a:effectRef>
-          <a:fontRef idx="minor">
-            <a:schemeClr val="lt1"/>
-          </a:fontRef>
-        </p:style>
-        <p:txBody>
-          <a:bodyPr rtlCol="0" anchor="ctr"/>
-          <a:lstStyle/>
-          <a:p>
-            <a:pPr algn="ctr"/>
-            <a:endParaRPr lang="ko-KR" altLang="en-US"/>
-          </a:p>
-        </p:txBody>
-      </p:sp>
       <p:pic>
         <p:nvPicPr>
-          <p:cNvPr id="8200" name="Picture 8" descr="C:\Users\LG\Downloads\1494588751_Yoga_05.png"/>
+          <p:cNvPr id="3074" name="Picture 2" descr="C:\Users\Home\Pictures\캡처.PNG"/>
           <p:cNvPicPr>
             <a:picLocks noChangeAspect="1" noChangeArrowheads="1"/>
           </p:cNvPicPr>
@@ -6840,8 +8074,8 @@
         </p:blipFill>
         <p:spPr bwMode="auto">
           <a:xfrm>
-            <a:off x="4245070" y="2636912"/>
-            <a:ext cx="1479058" cy="1479058"/>
+            <a:off x="-46737" y="2060848"/>
+            <a:ext cx="4896544" cy="3960440"/>
           </a:xfrm>
           <a:prstGeom prst="rect">
             <a:avLst/>
@@ -6860,7 +8094,7 @@
       </p:pic>
       <p:pic>
         <p:nvPicPr>
-          <p:cNvPr id="8201" name="Picture 9" descr="C:\Users\LG\Downloads\1494588754_Yoga_09.png"/>
+          <p:cNvPr id="3075" name="Picture 3" descr="C:\Users\Home\Pictures\캡처2.PNG"/>
           <p:cNvPicPr>
             <a:picLocks noChangeAspect="1" noChangeArrowheads="1"/>
           </p:cNvPicPr>
@@ -6881,8 +8115,8 @@
         </p:blipFill>
         <p:spPr bwMode="auto">
           <a:xfrm>
-            <a:off x="7452320" y="2852936"/>
-            <a:ext cx="1481584" cy="1481584"/>
+            <a:off x="4851261" y="1988840"/>
+            <a:ext cx="4294193" cy="3960440"/>
           </a:xfrm>
           <a:prstGeom prst="rect">
             <a:avLst/>
@@ -6899,425 +8133,10 @@
           </a:extLst>
         </p:spPr>
       </p:pic>
-      <p:pic>
-        <p:nvPicPr>
-          <p:cNvPr id="8202" name="Picture 10" descr="C:\Users\LG\Downloads\1494588755_Yoga_02.png"/>
-          <p:cNvPicPr>
-            <a:picLocks noChangeAspect="1" noChangeArrowheads="1"/>
-          </p:cNvPicPr>
-          <p:nvPr/>
-        </p:nvPicPr>
-        <p:blipFill>
-          <a:blip r:embed="rId4">
-            <a:extLst>
-              <a:ext uri="{28A0092B-C50C-407E-A947-70E740481C1C}">
-                <a14:useLocalDpi xmlns:a14="http://schemas.microsoft.com/office/drawing/2010/main" val="0"/>
-              </a:ext>
-            </a:extLst>
-          </a:blip>
-          <a:srcRect/>
-          <a:stretch>
-            <a:fillRect/>
-          </a:stretch>
-        </p:blipFill>
-        <p:spPr bwMode="auto">
-          <a:xfrm>
-            <a:off x="5829246" y="2708920"/>
-            <a:ext cx="1479058" cy="1479058"/>
-          </a:xfrm>
-          <a:prstGeom prst="rect">
-            <a:avLst/>
-          </a:prstGeom>
-          <a:noFill/>
-          <a:extLst>
-            <a:ext uri="{909E8E84-426E-40DD-AFC4-6F175D3DCCD1}">
-              <a14:hiddenFill xmlns:a14="http://schemas.microsoft.com/office/drawing/2010/main">
-                <a:solidFill>
-                  <a:srgbClr val="FFFFFF"/>
-                </a:solidFill>
-              </a14:hiddenFill>
-            </a:ext>
-          </a:extLst>
-        </p:spPr>
-      </p:pic>
-      <p:sp>
-        <p:nvSpPr>
-          <p:cNvPr id="21" name="직사각형 20"/>
-          <p:cNvSpPr/>
-          <p:nvPr/>
-        </p:nvSpPr>
-        <p:spPr>
-          <a:xfrm>
-            <a:off x="4499992" y="4293096"/>
-            <a:ext cx="4176464" cy="2304256"/>
-          </a:xfrm>
-          <a:prstGeom prst="rect">
-            <a:avLst/>
-          </a:prstGeom>
-          <a:solidFill>
-            <a:schemeClr val="bg1">
-              <a:lumMod val="65000"/>
-            </a:schemeClr>
-          </a:solidFill>
-          <a:ln>
-            <a:noFill/>
-          </a:ln>
-        </p:spPr>
-        <p:style>
-          <a:lnRef idx="2">
-            <a:schemeClr val="accent1">
-              <a:shade val="50000"/>
-            </a:schemeClr>
-          </a:lnRef>
-          <a:fillRef idx="1">
-            <a:schemeClr val="accent1"/>
-          </a:fillRef>
-          <a:effectRef idx="0">
-            <a:schemeClr val="accent1"/>
-          </a:effectRef>
-          <a:fontRef idx="minor">
-            <a:schemeClr val="lt1"/>
-          </a:fontRef>
-        </p:style>
-        <p:txBody>
-          <a:bodyPr rtlCol="0" anchor="ctr"/>
-          <a:lstStyle/>
-          <a:p>
-            <a:pPr algn="ctr"/>
-            <a:endParaRPr lang="ko-KR" altLang="en-US"/>
-          </a:p>
-        </p:txBody>
-      </p:sp>
-      <p:sp>
-        <p:nvSpPr>
-          <p:cNvPr id="22" name="직각 삼각형 21"/>
-          <p:cNvSpPr/>
-          <p:nvPr/>
-        </p:nvSpPr>
-        <p:spPr>
-          <a:xfrm>
-            <a:off x="4499992" y="4302797"/>
-            <a:ext cx="3600400" cy="2304256"/>
-          </a:xfrm>
-          <a:prstGeom prst="rtTriangle">
-            <a:avLst/>
-          </a:prstGeom>
-          <a:solidFill>
-            <a:schemeClr val="tx2">
-              <a:lumMod val="50000"/>
-              <a:alpha val="38000"/>
-            </a:schemeClr>
-          </a:solidFill>
-          <a:ln>
-            <a:noFill/>
-          </a:ln>
-        </p:spPr>
-        <p:style>
-          <a:lnRef idx="2">
-            <a:schemeClr val="accent1">
-              <a:shade val="50000"/>
-            </a:schemeClr>
-          </a:lnRef>
-          <a:fillRef idx="1">
-            <a:schemeClr val="accent1"/>
-          </a:fillRef>
-          <a:effectRef idx="0">
-            <a:schemeClr val="accent1"/>
-          </a:effectRef>
-          <a:fontRef idx="minor">
-            <a:schemeClr val="lt1"/>
-          </a:fontRef>
-        </p:style>
-        <p:txBody>
-          <a:bodyPr rtlCol="0" anchor="ctr"/>
-          <a:lstStyle/>
-          <a:p>
-            <a:pPr algn="ctr"/>
-            <a:endParaRPr lang="ko-KR" altLang="en-US"/>
-          </a:p>
-        </p:txBody>
-      </p:sp>
-      <p:pic>
-        <p:nvPicPr>
-          <p:cNvPr id="8203" name="Picture 11" descr="C:\Users\LG\Downloads\1494588756_Yoga_08.png"/>
-          <p:cNvPicPr>
-            <a:picLocks noChangeAspect="1" noChangeArrowheads="1"/>
-          </p:cNvPicPr>
-          <p:nvPr/>
-        </p:nvPicPr>
-        <p:blipFill>
-          <a:blip r:embed="rId5">
-            <a:extLst>
-              <a:ext uri="{28A0092B-C50C-407E-A947-70E740481C1C}">
-                <a14:useLocalDpi xmlns:a14="http://schemas.microsoft.com/office/drawing/2010/main" val="0"/>
-              </a:ext>
-            </a:extLst>
-          </a:blip>
-          <a:srcRect/>
-          <a:stretch>
-            <a:fillRect/>
-          </a:stretch>
-        </p:blipFill>
-        <p:spPr bwMode="auto">
-          <a:xfrm>
-            <a:off x="2802383" y="4005063"/>
-            <a:ext cx="1625601" cy="1625601"/>
-          </a:xfrm>
-          <a:prstGeom prst="rect">
-            <a:avLst/>
-          </a:prstGeom>
-          <a:noFill/>
-          <a:extLst>
-            <a:ext uri="{909E8E84-426E-40DD-AFC4-6F175D3DCCD1}">
-              <a14:hiddenFill xmlns:a14="http://schemas.microsoft.com/office/drawing/2010/main">
-                <a:solidFill>
-                  <a:srgbClr val="FFFFFF"/>
-                </a:solidFill>
-              </a14:hiddenFill>
-            </a:ext>
-          </a:extLst>
-        </p:spPr>
-      </p:pic>
-      <p:pic>
-        <p:nvPicPr>
-          <p:cNvPr id="8204" name="Picture 12" descr="C:\Users\LG\Downloads\1494588764_Yoga_04.png"/>
-          <p:cNvPicPr>
-            <a:picLocks noChangeAspect="1" noChangeArrowheads="1"/>
-          </p:cNvPicPr>
-          <p:nvPr/>
-        </p:nvPicPr>
-        <p:blipFill>
-          <a:blip r:embed="rId6">
-            <a:extLst>
-              <a:ext uri="{28A0092B-C50C-407E-A947-70E740481C1C}">
-                <a14:useLocalDpi xmlns:a14="http://schemas.microsoft.com/office/drawing/2010/main" val="0"/>
-              </a:ext>
-            </a:extLst>
-          </a:blip>
-          <a:srcRect/>
-          <a:stretch>
-            <a:fillRect/>
-          </a:stretch>
-        </p:blipFill>
-        <p:spPr bwMode="auto">
-          <a:xfrm>
-            <a:off x="1424514" y="4139362"/>
-            <a:ext cx="1491302" cy="1491302"/>
-          </a:xfrm>
-          <a:prstGeom prst="rect">
-            <a:avLst/>
-          </a:prstGeom>
-          <a:noFill/>
-          <a:extLst>
-            <a:ext uri="{909E8E84-426E-40DD-AFC4-6F175D3DCCD1}">
-              <a14:hiddenFill xmlns:a14="http://schemas.microsoft.com/office/drawing/2010/main">
-                <a:solidFill>
-                  <a:srgbClr val="FFFFFF"/>
-                </a:solidFill>
-              </a14:hiddenFill>
-            </a:ext>
-          </a:extLst>
-        </p:spPr>
-      </p:pic>
-      <p:pic>
-        <p:nvPicPr>
-          <p:cNvPr id="8205" name="Picture 13" descr="C:\Users\LG\Downloads\1494588753_Yoga_07.png"/>
-          <p:cNvPicPr>
-            <a:picLocks noChangeAspect="1" noChangeArrowheads="1"/>
-          </p:cNvPicPr>
-          <p:nvPr/>
-        </p:nvPicPr>
-        <p:blipFill>
-          <a:blip r:embed="rId7">
-            <a:extLst>
-              <a:ext uri="{28A0092B-C50C-407E-A947-70E740481C1C}">
-                <a14:useLocalDpi xmlns:a14="http://schemas.microsoft.com/office/drawing/2010/main" val="0"/>
-              </a:ext>
-            </a:extLst>
-          </a:blip>
-          <a:srcRect/>
-          <a:stretch>
-            <a:fillRect/>
-          </a:stretch>
-        </p:blipFill>
-        <p:spPr bwMode="auto">
-          <a:xfrm>
-            <a:off x="35496" y="4149080"/>
-            <a:ext cx="1296144" cy="1296144"/>
-          </a:xfrm>
-          <a:prstGeom prst="rect">
-            <a:avLst/>
-          </a:prstGeom>
-          <a:noFill/>
-          <a:extLst>
-            <a:ext uri="{909E8E84-426E-40DD-AFC4-6F175D3DCCD1}">
-              <a14:hiddenFill xmlns:a14="http://schemas.microsoft.com/office/drawing/2010/main">
-                <a:solidFill>
-                  <a:srgbClr val="FFFFFF"/>
-                </a:solidFill>
-              </a14:hiddenFill>
-            </a:ext>
-          </a:extLst>
-        </p:spPr>
-      </p:pic>
-      <p:sp>
-        <p:nvSpPr>
-          <p:cNvPr id="26" name="TextBox 25"/>
-          <p:cNvSpPr txBox="1"/>
-          <p:nvPr/>
-        </p:nvSpPr>
-        <p:spPr>
-          <a:xfrm>
-            <a:off x="323528" y="2299519"/>
-            <a:ext cx="3833678" cy="769441"/>
-          </a:xfrm>
-          <a:prstGeom prst="rect">
-            <a:avLst/>
-          </a:prstGeom>
-          <a:noFill/>
-        </p:spPr>
-        <p:txBody>
-          <a:bodyPr wrap="none" rtlCol="0">
-            <a:spAutoFit/>
-          </a:bodyPr>
-          <a:lstStyle/>
-          <a:p>
-            <a:r>
-              <a:rPr lang="en-US" altLang="ko-KR" sz="4400" b="1" dirty="0" smtClean="0">
-                <a:solidFill>
-                  <a:schemeClr val="bg1"/>
-                </a:solidFill>
-                <a:latin typeface="나눔바른펜" pitchFamily="50" charset="-127"/>
-                <a:ea typeface="나눔바른펜" pitchFamily="50" charset="-127"/>
-              </a:rPr>
-              <a:t>EXERCISING PPT</a:t>
-            </a:r>
-            <a:endParaRPr lang="ko-KR" altLang="en-US" sz="4400" b="1" dirty="0">
-              <a:solidFill>
-                <a:schemeClr val="bg1"/>
-              </a:solidFill>
-              <a:latin typeface="나눔바른펜" pitchFamily="50" charset="-127"/>
-              <a:ea typeface="나눔바른펜" pitchFamily="50" charset="-127"/>
-            </a:endParaRPr>
-          </a:p>
-        </p:txBody>
-      </p:sp>
-      <p:sp>
-        <p:nvSpPr>
-          <p:cNvPr id="27" name="TextBox 26"/>
-          <p:cNvSpPr txBox="1"/>
-          <p:nvPr/>
-        </p:nvSpPr>
-        <p:spPr>
-          <a:xfrm>
-            <a:off x="4671385" y="4747791"/>
-            <a:ext cx="3833678" cy="769441"/>
-          </a:xfrm>
-          <a:prstGeom prst="rect">
-            <a:avLst/>
-          </a:prstGeom>
-          <a:noFill/>
-        </p:spPr>
-        <p:txBody>
-          <a:bodyPr wrap="none" rtlCol="0">
-            <a:spAutoFit/>
-          </a:bodyPr>
-          <a:lstStyle/>
-          <a:p>
-            <a:r>
-              <a:rPr lang="en-US" altLang="ko-KR" sz="4400" b="1" dirty="0" smtClean="0">
-                <a:solidFill>
-                  <a:schemeClr val="bg1"/>
-                </a:solidFill>
-                <a:latin typeface="나눔바른펜" pitchFamily="50" charset="-127"/>
-                <a:ea typeface="나눔바른펜" pitchFamily="50" charset="-127"/>
-              </a:rPr>
-              <a:t>EXERCISING PPT</a:t>
-            </a:r>
-            <a:endParaRPr lang="ko-KR" altLang="en-US" sz="4400" b="1" dirty="0">
-              <a:solidFill>
-                <a:schemeClr val="bg1"/>
-              </a:solidFill>
-              <a:latin typeface="나눔바른펜" pitchFamily="50" charset="-127"/>
-              <a:ea typeface="나눔바른펜" pitchFamily="50" charset="-127"/>
-            </a:endParaRPr>
-          </a:p>
-        </p:txBody>
-      </p:sp>
-      <p:sp>
-        <p:nvSpPr>
-          <p:cNvPr id="28" name="TextBox 27"/>
-          <p:cNvSpPr txBox="1"/>
-          <p:nvPr/>
-        </p:nvSpPr>
-        <p:spPr>
-          <a:xfrm>
-            <a:off x="877510" y="2977788"/>
-            <a:ext cx="2614370" cy="523220"/>
-          </a:xfrm>
-          <a:prstGeom prst="rect">
-            <a:avLst/>
-          </a:prstGeom>
-          <a:noFill/>
-        </p:spPr>
-        <p:txBody>
-          <a:bodyPr wrap="none" rtlCol="0">
-            <a:spAutoFit/>
-          </a:bodyPr>
-          <a:lstStyle/>
-          <a:p>
-            <a:r>
-              <a:rPr lang="en-US" altLang="ko-KR" sz="2800" i="1" dirty="0" smtClean="0">
-                <a:solidFill>
-                  <a:schemeClr val="bg1"/>
-                </a:solidFill>
-                <a:latin typeface="나눔바른펜" pitchFamily="50" charset="-127"/>
-                <a:ea typeface="나눔바른펜" pitchFamily="50" charset="-127"/>
-              </a:rPr>
-              <a:t>Contents sub title</a:t>
-            </a:r>
-          </a:p>
-        </p:txBody>
-      </p:sp>
-      <p:sp>
-        <p:nvSpPr>
-          <p:cNvPr id="29" name="TextBox 28"/>
-          <p:cNvSpPr txBox="1"/>
-          <p:nvPr/>
-        </p:nvSpPr>
-        <p:spPr>
-          <a:xfrm>
-            <a:off x="5281039" y="5589240"/>
-            <a:ext cx="2614370" cy="523220"/>
-          </a:xfrm>
-          <a:prstGeom prst="rect">
-            <a:avLst/>
-          </a:prstGeom>
-          <a:noFill/>
-        </p:spPr>
-        <p:txBody>
-          <a:bodyPr wrap="none" rtlCol="0">
-            <a:spAutoFit/>
-          </a:bodyPr>
-          <a:lstStyle/>
-          <a:p>
-            <a:r>
-              <a:rPr lang="en-US" altLang="ko-KR" sz="2800" i="1" dirty="0" smtClean="0">
-                <a:solidFill>
-                  <a:schemeClr val="bg1"/>
-                </a:solidFill>
-                <a:latin typeface="나눔바른펜" pitchFamily="50" charset="-127"/>
-                <a:ea typeface="나눔바른펜" pitchFamily="50" charset="-127"/>
-              </a:rPr>
-              <a:t>Contents sub title</a:t>
-            </a:r>
-          </a:p>
-        </p:txBody>
-      </p:sp>
     </p:spTree>
     <p:extLst>
       <p:ext uri="{BB962C8B-B14F-4D97-AF65-F5344CB8AC3E}">
-        <p14:creationId xmlns:p14="http://schemas.microsoft.com/office/powerpoint/2010/main" val="1435154152"/>
+        <p14:creationId xmlns:p14="http://schemas.microsoft.com/office/powerpoint/2010/main" val="928293015"/>
       </p:ext>
     </p:extLst>
   </p:cSld>
@@ -7337,16 +8156,6 @@
 <file path=ppt/slides/slide7.xml><?xml version="1.0" encoding="utf-8"?>
 <p:sld xmlns:a="http://schemas.openxmlformats.org/drawingml/2006/main" xmlns:r="http://schemas.openxmlformats.org/officeDocument/2006/relationships" xmlns:p="http://schemas.openxmlformats.org/presentationml/2006/main">
   <p:cSld>
-    <p:bg>
-      <p:bgPr>
-        <a:solidFill>
-          <a:schemeClr val="bg1">
-            <a:lumMod val="95000"/>
-          </a:schemeClr>
-        </a:solidFill>
-        <a:effectLst/>
-      </p:bgPr>
-    </p:bg>
     <p:spTree>
       <p:nvGrpSpPr>
         <p:cNvPr id="1" name=""/>
@@ -7363,104 +8172,149 @@
       </p:grpSpPr>
       <p:sp>
         <p:nvSpPr>
-          <p:cNvPr id="2" name="제목 1"/>
-          <p:cNvSpPr>
-            <a:spLocks noGrp="1"/>
-          </p:cNvSpPr>
-          <p:nvPr>
-            <p:ph type="title"/>
-          </p:nvPr>
+          <p:cNvPr id="4" name="직사각형 3"/>
+          <p:cNvSpPr/>
+          <p:nvPr/>
         </p:nvSpPr>
         <p:spPr>
           <a:xfrm>
-            <a:off x="2591272" y="2430016"/>
-            <a:ext cx="6552728" cy="1143000"/>
-          </a:xfrm>
-        </p:spPr>
-        <p:txBody>
-          <a:bodyPr/>
-          <a:lstStyle/>
-          <a:p>
-            <a:pPr algn="r"/>
-            <a:r>
-              <a:rPr lang="en-US" altLang="ko-KR" dirty="0" smtClean="0">
-                <a:solidFill>
-                  <a:schemeClr val="accent6">
-                    <a:lumMod val="50000"/>
-                  </a:schemeClr>
-                </a:solidFill>
-                <a:latin typeface="210 맨발의청춘 R" pitchFamily="18" charset="-127"/>
-                <a:ea typeface="210 맨발의청춘 R" pitchFamily="18" charset="-127"/>
-              </a:rPr>
-              <a:t>A</a:t>
-            </a:r>
-            <a:r>
-              <a:rPr lang="en-US" altLang="ko-KR" dirty="0" smtClean="0">
-                <a:solidFill>
-                  <a:schemeClr val="tx1">
-                    <a:lumMod val="65000"/>
-                    <a:lumOff val="35000"/>
-                  </a:schemeClr>
-                </a:solidFill>
-                <a:latin typeface="210 맨발의청춘 R" pitchFamily="18" charset="-127"/>
-                <a:ea typeface="210 맨발의청춘 R" pitchFamily="18" charset="-127"/>
-              </a:rPr>
-              <a:t>NY QUESTIONS?</a:t>
-            </a:r>
-            <a:endParaRPr lang="ko-KR" altLang="en-US" dirty="0">
-              <a:solidFill>
-                <a:schemeClr val="tx1">
-                  <a:lumMod val="65000"/>
-                  <a:lumOff val="35000"/>
-                </a:schemeClr>
-              </a:solidFill>
-              <a:latin typeface="210 맨발의청춘 R" pitchFamily="18" charset="-127"/>
-              <a:ea typeface="210 맨발의청춘 R" pitchFamily="18" charset="-127"/>
-            </a:endParaRPr>
-          </a:p>
-        </p:txBody>
-      </p:sp>
-      <p:cxnSp>
-        <p:nvCxnSpPr>
-          <p:cNvPr id="5" name="직선 연결선 4"/>
-          <p:cNvCxnSpPr/>
-          <p:nvPr/>
-        </p:nvCxnSpPr>
-        <p:spPr>
-          <a:xfrm>
-            <a:off x="1042988" y="3573016"/>
-            <a:ext cx="8101012" cy="0"/>
-          </a:xfrm>
-          <a:prstGeom prst="line">
-            <a:avLst/>
-          </a:prstGeom>
-          <a:ln w="44450">
-            <a:solidFill>
-              <a:schemeClr val="tx1">
-                <a:lumMod val="50000"/>
-                <a:lumOff val="50000"/>
-              </a:schemeClr>
-            </a:solidFill>
+            <a:off x="0" y="0"/>
+            <a:ext cx="9144000" cy="1052736"/>
+          </a:xfrm>
+          <a:prstGeom prst="rect">
+            <a:avLst/>
+          </a:prstGeom>
+          <a:solidFill>
+            <a:schemeClr val="bg1">
+              <a:lumMod val="75000"/>
+            </a:schemeClr>
+          </a:solidFill>
+          <a:ln>
+            <a:noFill/>
           </a:ln>
         </p:spPr>
         <p:style>
-          <a:lnRef idx="1">
-            <a:schemeClr val="accent1"/>
+          <a:lnRef idx="2">
+            <a:schemeClr val="accent1">
+              <a:shade val="50000"/>
+            </a:schemeClr>
           </a:lnRef>
-          <a:fillRef idx="0">
+          <a:fillRef idx="1">
             <a:schemeClr val="accent1"/>
           </a:fillRef>
           <a:effectRef idx="0">
             <a:schemeClr val="accent1"/>
           </a:effectRef>
           <a:fontRef idx="minor">
-            <a:schemeClr val="tx1"/>
+            <a:schemeClr val="lt1"/>
           </a:fontRef>
         </p:style>
-      </p:cxnSp>
+        <p:txBody>
+          <a:bodyPr rtlCol="0" anchor="ctr"/>
+          <a:lstStyle/>
+          <a:p>
+            <a:pPr algn="ctr"/>
+            <a:endParaRPr lang="ko-KR" altLang="en-US"/>
+          </a:p>
+        </p:txBody>
+      </p:sp>
+      <p:sp>
+        <p:nvSpPr>
+          <p:cNvPr id="6" name="TextBox 5"/>
+          <p:cNvSpPr txBox="1"/>
+          <p:nvPr/>
+        </p:nvSpPr>
+        <p:spPr>
+          <a:xfrm>
+            <a:off x="35496" y="129406"/>
+            <a:ext cx="3185487" cy="923330"/>
+          </a:xfrm>
+          <a:prstGeom prst="rect">
+            <a:avLst/>
+          </a:prstGeom>
+          <a:noFill/>
+        </p:spPr>
+        <p:txBody>
+          <a:bodyPr wrap="none" rtlCol="0">
+            <a:spAutoFit/>
+          </a:bodyPr>
+          <a:lstStyle/>
+          <a:p>
+            <a:r>
+              <a:rPr lang="ko-KR" altLang="en-US" sz="5400" dirty="0" smtClean="0">
+                <a:solidFill>
+                  <a:schemeClr val="tx2">
+                    <a:lumMod val="50000"/>
+                  </a:schemeClr>
+                </a:solidFill>
+                <a:latin typeface="210 맨발의청춘 R" pitchFamily="18" charset="-127"/>
+                <a:ea typeface="210 맨발의청춘 R" pitchFamily="18" charset="-127"/>
+              </a:rPr>
+              <a:t>구현 기능</a:t>
+            </a:r>
+            <a:endParaRPr lang="ko-KR" altLang="en-US" sz="5400" dirty="0">
+              <a:solidFill>
+                <a:schemeClr val="tx2">
+                  <a:lumMod val="50000"/>
+                </a:schemeClr>
+              </a:solidFill>
+              <a:latin typeface="210 맨발의청춘 R" pitchFamily="18" charset="-127"/>
+              <a:ea typeface="210 맨발의청춘 R" pitchFamily="18" charset="-127"/>
+            </a:endParaRPr>
+          </a:p>
+        </p:txBody>
+      </p:sp>
+      <p:sp>
+        <p:nvSpPr>
+          <p:cNvPr id="7" name="TextBox 6"/>
+          <p:cNvSpPr txBox="1"/>
+          <p:nvPr/>
+        </p:nvSpPr>
+        <p:spPr>
+          <a:xfrm>
+            <a:off x="1115616" y="1057819"/>
+            <a:ext cx="1962397" cy="584775"/>
+          </a:xfrm>
+          <a:prstGeom prst="rect">
+            <a:avLst/>
+          </a:prstGeom>
+          <a:noFill/>
+        </p:spPr>
+        <p:txBody>
+          <a:bodyPr wrap="none" rtlCol="0">
+            <a:spAutoFit/>
+          </a:bodyPr>
+          <a:lstStyle/>
+          <a:p>
+            <a:r>
+              <a:rPr lang="ko-KR" altLang="en-US" sz="3200" i="1" dirty="0" smtClean="0">
+                <a:solidFill>
+                  <a:schemeClr val="tx1">
+                    <a:lumMod val="50000"/>
+                    <a:lumOff val="50000"/>
+                  </a:schemeClr>
+                </a:solidFill>
+                <a:latin typeface="210 맨발의청춘 R" pitchFamily="18" charset="-127"/>
+                <a:ea typeface="210 맨발의청춘 R" pitchFamily="18" charset="-127"/>
+              </a:rPr>
+              <a:t>일정 관리</a:t>
+            </a:r>
+            <a:endParaRPr lang="ko-KR" altLang="en-US" sz="3200" i="1" dirty="0">
+              <a:solidFill>
+                <a:schemeClr val="tx1">
+                  <a:lumMod val="50000"/>
+                  <a:lumOff val="50000"/>
+                </a:schemeClr>
+              </a:solidFill>
+              <a:latin typeface="210 맨발의청춘 R" pitchFamily="18" charset="-127"/>
+              <a:ea typeface="210 맨발의청춘 R" pitchFamily="18" charset="-127"/>
+            </a:endParaRPr>
+          </a:p>
+        </p:txBody>
+      </p:sp>
       <p:pic>
         <p:nvPicPr>
-          <p:cNvPr id="7170" name="Picture 2" descr="C:\Users\LG\Downloads\1494588708_basicman07.png"/>
+          <p:cNvPr id="6146" name="Picture 2" descr="C:\Users\Home\Pictures\캡처5.PNG"/>
           <p:cNvPicPr>
             <a:picLocks noChangeAspect="1" noChangeArrowheads="1"/>
           </p:cNvPicPr>
@@ -7468,13 +8322,6 @@
         </p:nvPicPr>
         <p:blipFill>
           <a:blip r:embed="rId2">
-            <a:duotone>
-              <a:prstClr val="black"/>
-              <a:srgbClr val="D9C3A5">
-                <a:tint val="50000"/>
-                <a:satMod val="180000"/>
-              </a:srgbClr>
-            </a:duotone>
             <a:extLst>
               <a:ext uri="{28A0092B-C50C-407E-A947-70E740481C1C}">
                 <a14:useLocalDpi xmlns:a14="http://schemas.microsoft.com/office/drawing/2010/main" val="0"/>
@@ -7487,9 +8334,9 @@
           </a:stretch>
         </p:blipFill>
         <p:spPr bwMode="auto">
-          <a:xfrm flipH="1">
-            <a:off x="107504" y="1999037"/>
-            <a:ext cx="1511970" cy="2276849"/>
+          <a:xfrm>
+            <a:off x="4211960" y="1628112"/>
+            <a:ext cx="4932040" cy="4713260"/>
           </a:xfrm>
           <a:prstGeom prst="rect">
             <a:avLst/>
@@ -7506,10 +8353,92 @@
           </a:extLst>
         </p:spPr>
       </p:pic>
+      <p:pic>
+        <p:nvPicPr>
+          <p:cNvPr id="6147" name="Picture 3" descr="C:\Users\Home\Pictures\캡처6.PNG"/>
+          <p:cNvPicPr>
+            <a:picLocks noChangeAspect="1" noChangeArrowheads="1"/>
+          </p:cNvPicPr>
+          <p:nvPr/>
+        </p:nvPicPr>
+        <p:blipFill>
+          <a:blip r:embed="rId3">
+            <a:extLst>
+              <a:ext uri="{28A0092B-C50C-407E-A947-70E740481C1C}">
+                <a14:useLocalDpi xmlns:a14="http://schemas.microsoft.com/office/drawing/2010/main" val="0"/>
+              </a:ext>
+            </a:extLst>
+          </a:blip>
+          <a:srcRect/>
+          <a:stretch>
+            <a:fillRect/>
+          </a:stretch>
+        </p:blipFill>
+        <p:spPr bwMode="auto">
+          <a:xfrm>
+            <a:off x="0" y="3861048"/>
+            <a:ext cx="4211960" cy="2769044"/>
+          </a:xfrm>
+          <a:prstGeom prst="rect">
+            <a:avLst/>
+          </a:prstGeom>
+          <a:noFill/>
+          <a:extLst>
+            <a:ext uri="{909E8E84-426E-40DD-AFC4-6F175D3DCCD1}">
+              <a14:hiddenFill xmlns:a14="http://schemas.microsoft.com/office/drawing/2010/main">
+                <a:solidFill>
+                  <a:srgbClr val="FFFFFF"/>
+                </a:solidFill>
+              </a14:hiddenFill>
+            </a:ext>
+          </a:extLst>
+        </p:spPr>
+      </p:pic>
+      <p:pic>
+        <p:nvPicPr>
+          <p:cNvPr id="6148" name="Picture 4" descr="C:\Users\Home\Pictures\캡처4.PNG"/>
+          <p:cNvPicPr>
+            <a:picLocks noChangeAspect="1" noChangeArrowheads="1"/>
+          </p:cNvPicPr>
+          <p:nvPr/>
+        </p:nvPicPr>
+        <p:blipFill>
+          <a:blip r:embed="rId4" cstate="print">
+            <a:extLst>
+              <a:ext uri="{28A0092B-C50C-407E-A947-70E740481C1C}">
+                <a14:useLocalDpi xmlns:a14="http://schemas.microsoft.com/office/drawing/2010/main" val="0"/>
+              </a:ext>
+            </a:extLst>
+          </a:blip>
+          <a:srcRect/>
+          <a:stretch>
+            <a:fillRect/>
+          </a:stretch>
+        </p:blipFill>
+        <p:spPr bwMode="auto">
+          <a:xfrm>
+            <a:off x="107504" y="1643183"/>
+            <a:ext cx="4104456" cy="2577905"/>
+          </a:xfrm>
+          <a:prstGeom prst="rect">
+            <a:avLst/>
+          </a:prstGeom>
+          <a:noFill/>
+          <a:extLst>
+            <a:ext uri="{909E8E84-426E-40DD-AFC4-6F175D3DCCD1}">
+              <a14:hiddenFill xmlns:a14="http://schemas.microsoft.com/office/drawing/2010/main">
+                <a:solidFill>
+                  <a:srgbClr val="FFFFFF"/>
+                </a:solidFill>
+              </a14:hiddenFill>
+            </a:ext>
+          </a:extLst>
+        </p:spPr>
+      </p:pic>
     </p:spTree>
     <p:extLst>
       <p:ext uri="{BB962C8B-B14F-4D97-AF65-F5344CB8AC3E}">
-        <p14:creationId xmlns:p14="http://schemas.microsoft.com/office/powerpoint/2010/main" val="22648944"/>
+        <p14:creationId xmlns:p14="http://schemas.microsoft.com/office/powerpoint/2010/main" val="2538434972"/>
       </p:ext>
     </p:extLst>
   </p:cSld>
@@ -7529,16 +8458,6 @@
 <file path=ppt/slides/slide8.xml><?xml version="1.0" encoding="utf-8"?>
 <p:sld xmlns:a="http://schemas.openxmlformats.org/drawingml/2006/main" xmlns:r="http://schemas.openxmlformats.org/officeDocument/2006/relationships" xmlns:p="http://schemas.openxmlformats.org/presentationml/2006/main">
   <p:cSld>
-    <p:bg>
-      <p:bgPr>
-        <a:solidFill>
-          <a:schemeClr val="bg1">
-            <a:lumMod val="95000"/>
-          </a:schemeClr>
-        </a:solidFill>
-        <a:effectLst/>
-      </p:bgPr>
-    </p:bg>
     <p:spTree>
       <p:nvGrpSpPr>
         <p:cNvPr id="1" name=""/>
@@ -7555,92 +8474,149 @@
       </p:grpSpPr>
       <p:sp>
         <p:nvSpPr>
-          <p:cNvPr id="2" name="제목 1"/>
-          <p:cNvSpPr>
-            <a:spLocks noGrp="1"/>
-          </p:cNvSpPr>
-          <p:nvPr>
-            <p:ph type="title"/>
-          </p:nvPr>
+          <p:cNvPr id="4" name="직사각형 3"/>
+          <p:cNvSpPr/>
+          <p:nvPr/>
         </p:nvSpPr>
         <p:spPr>
           <a:xfrm>
-            <a:off x="251520" y="2564904"/>
-            <a:ext cx="6552728" cy="1143000"/>
-          </a:xfrm>
-        </p:spPr>
-        <p:txBody>
-          <a:bodyPr/>
-          <a:lstStyle/>
-          <a:p>
-            <a:pPr algn="l"/>
-            <a:r>
-              <a:rPr lang="en-US" altLang="ko-KR" dirty="0" smtClean="0">
-                <a:solidFill>
-                  <a:schemeClr val="accent2">
-                    <a:lumMod val="75000"/>
-                  </a:schemeClr>
-                </a:solidFill>
-                <a:latin typeface="210 맨발의청춘 R" pitchFamily="18" charset="-127"/>
-                <a:ea typeface="210 맨발의청춘 R" pitchFamily="18" charset="-127"/>
-              </a:rPr>
-              <a:t>T</a:t>
-            </a:r>
-            <a:r>
-              <a:rPr lang="en-US" altLang="ko-KR" dirty="0" smtClean="0">
-                <a:latin typeface="210 맨발의청춘 R" pitchFamily="18" charset="-127"/>
-                <a:ea typeface="210 맨발의청춘 R" pitchFamily="18" charset="-127"/>
-              </a:rPr>
-              <a:t>HANK YOU</a:t>
-            </a:r>
-            <a:endParaRPr lang="ko-KR" altLang="en-US" dirty="0">
-              <a:latin typeface="210 맨발의청춘 R" pitchFamily="18" charset="-127"/>
-              <a:ea typeface="210 맨발의청춘 R" pitchFamily="18" charset="-127"/>
-            </a:endParaRPr>
-          </a:p>
-        </p:txBody>
-      </p:sp>
-      <p:cxnSp>
-        <p:nvCxnSpPr>
-          <p:cNvPr id="5" name="직선 연결선 4"/>
-          <p:cNvCxnSpPr/>
-          <p:nvPr/>
-        </p:nvCxnSpPr>
-        <p:spPr>
-          <a:xfrm>
-            <a:off x="-36512" y="3573016"/>
-            <a:ext cx="8101012" cy="0"/>
-          </a:xfrm>
-          <a:prstGeom prst="line">
-            <a:avLst/>
-          </a:prstGeom>
-          <a:ln w="44450">
-            <a:solidFill>
-              <a:schemeClr val="tx1">
-                <a:lumMod val="50000"/>
-                <a:lumOff val="50000"/>
-              </a:schemeClr>
-            </a:solidFill>
+            <a:off x="0" y="0"/>
+            <a:ext cx="9144000" cy="1052736"/>
+          </a:xfrm>
+          <a:prstGeom prst="rect">
+            <a:avLst/>
+          </a:prstGeom>
+          <a:solidFill>
+            <a:schemeClr val="bg1">
+              <a:lumMod val="75000"/>
+            </a:schemeClr>
+          </a:solidFill>
+          <a:ln>
+            <a:noFill/>
           </a:ln>
         </p:spPr>
         <p:style>
-          <a:lnRef idx="1">
-            <a:schemeClr val="accent1"/>
+          <a:lnRef idx="2">
+            <a:schemeClr val="accent1">
+              <a:shade val="50000"/>
+            </a:schemeClr>
           </a:lnRef>
-          <a:fillRef idx="0">
+          <a:fillRef idx="1">
             <a:schemeClr val="accent1"/>
           </a:fillRef>
           <a:effectRef idx="0">
             <a:schemeClr val="accent1"/>
           </a:effectRef>
           <a:fontRef idx="minor">
-            <a:schemeClr val="tx1"/>
+            <a:schemeClr val="lt1"/>
           </a:fontRef>
         </p:style>
-      </p:cxnSp>
+        <p:txBody>
+          <a:bodyPr rtlCol="0" anchor="ctr"/>
+          <a:lstStyle/>
+          <a:p>
+            <a:pPr algn="ctr"/>
+            <a:endParaRPr lang="ko-KR" altLang="en-US"/>
+          </a:p>
+        </p:txBody>
+      </p:sp>
+      <p:sp>
+        <p:nvSpPr>
+          <p:cNvPr id="6" name="TextBox 5"/>
+          <p:cNvSpPr txBox="1"/>
+          <p:nvPr/>
+        </p:nvSpPr>
+        <p:spPr>
+          <a:xfrm>
+            <a:off x="35496" y="129406"/>
+            <a:ext cx="3185487" cy="923330"/>
+          </a:xfrm>
+          <a:prstGeom prst="rect">
+            <a:avLst/>
+          </a:prstGeom>
+          <a:noFill/>
+        </p:spPr>
+        <p:txBody>
+          <a:bodyPr wrap="none" rtlCol="0">
+            <a:spAutoFit/>
+          </a:bodyPr>
+          <a:lstStyle/>
+          <a:p>
+            <a:r>
+              <a:rPr lang="ko-KR" altLang="en-US" sz="5400" dirty="0" smtClean="0">
+                <a:solidFill>
+                  <a:schemeClr val="tx2">
+                    <a:lumMod val="50000"/>
+                  </a:schemeClr>
+                </a:solidFill>
+                <a:latin typeface="210 맨발의청춘 R" pitchFamily="18" charset="-127"/>
+                <a:ea typeface="210 맨발의청춘 R" pitchFamily="18" charset="-127"/>
+              </a:rPr>
+              <a:t>구현 기능</a:t>
+            </a:r>
+            <a:endParaRPr lang="ko-KR" altLang="en-US" sz="5400" dirty="0">
+              <a:solidFill>
+                <a:schemeClr val="tx2">
+                  <a:lumMod val="50000"/>
+                </a:schemeClr>
+              </a:solidFill>
+              <a:latin typeface="210 맨발의청춘 R" pitchFamily="18" charset="-127"/>
+              <a:ea typeface="210 맨발의청춘 R" pitchFamily="18" charset="-127"/>
+            </a:endParaRPr>
+          </a:p>
+        </p:txBody>
+      </p:sp>
+      <p:sp>
+        <p:nvSpPr>
+          <p:cNvPr id="7" name="TextBox 6"/>
+          <p:cNvSpPr txBox="1"/>
+          <p:nvPr/>
+        </p:nvSpPr>
+        <p:spPr>
+          <a:xfrm>
+            <a:off x="1115616" y="1057819"/>
+            <a:ext cx="1962397" cy="584775"/>
+          </a:xfrm>
+          <a:prstGeom prst="rect">
+            <a:avLst/>
+          </a:prstGeom>
+          <a:noFill/>
+        </p:spPr>
+        <p:txBody>
+          <a:bodyPr wrap="none" rtlCol="0">
+            <a:spAutoFit/>
+          </a:bodyPr>
+          <a:lstStyle/>
+          <a:p>
+            <a:r>
+              <a:rPr lang="ko-KR" altLang="en-US" sz="3200" i="1" dirty="0" smtClean="0">
+                <a:solidFill>
+                  <a:schemeClr val="tx1">
+                    <a:lumMod val="50000"/>
+                    <a:lumOff val="50000"/>
+                  </a:schemeClr>
+                </a:solidFill>
+                <a:latin typeface="210 맨발의청춘 R" pitchFamily="18" charset="-127"/>
+                <a:ea typeface="210 맨발의청춘 R" pitchFamily="18" charset="-127"/>
+              </a:rPr>
+              <a:t>일정 관리</a:t>
+            </a:r>
+            <a:endParaRPr lang="ko-KR" altLang="en-US" sz="3200" i="1" dirty="0">
+              <a:solidFill>
+                <a:schemeClr val="tx1">
+                  <a:lumMod val="50000"/>
+                  <a:lumOff val="50000"/>
+                </a:schemeClr>
+              </a:solidFill>
+              <a:latin typeface="210 맨발의청춘 R" pitchFamily="18" charset="-127"/>
+              <a:ea typeface="210 맨발의청춘 R" pitchFamily="18" charset="-127"/>
+            </a:endParaRPr>
+          </a:p>
+        </p:txBody>
+      </p:sp>
       <p:pic>
         <p:nvPicPr>
-          <p:cNvPr id="6147" name="Picture 3" descr="C:\Users\LG\Downloads\1494588665_basicwoman09.png"/>
+          <p:cNvPr id="5124" name="Picture 4" descr="C:\Users\Home\Pictures\캡처3.PNG"/>
           <p:cNvPicPr>
             <a:picLocks noChangeAspect="1" noChangeArrowheads="1"/>
           </p:cNvPicPr>
@@ -7648,13 +8624,6 @@
         </p:nvPicPr>
         <p:blipFill>
           <a:blip r:embed="rId2">
-            <a:duotone>
-              <a:prstClr val="black"/>
-              <a:srgbClr val="D9C3A5">
-                <a:tint val="50000"/>
-                <a:satMod val="180000"/>
-              </a:srgbClr>
-            </a:duotone>
             <a:extLst>
               <a:ext uri="{28A0092B-C50C-407E-A947-70E740481C1C}">
                 <a14:useLocalDpi xmlns:a14="http://schemas.microsoft.com/office/drawing/2010/main" val="0"/>
@@ -7668,8 +8637,8 @@
         </p:blipFill>
         <p:spPr bwMode="auto">
           <a:xfrm>
-            <a:off x="7524750" y="1822655"/>
-            <a:ext cx="1619250" cy="2438400"/>
+            <a:off x="58334" y="1988840"/>
+            <a:ext cx="6325298" cy="3027362"/>
           </a:xfrm>
           <a:prstGeom prst="rect">
             <a:avLst/>
@@ -7686,10 +8655,325 @@
           </a:extLst>
         </p:spPr>
       </p:pic>
+      <p:pic>
+        <p:nvPicPr>
+          <p:cNvPr id="5122" name="Picture 2" descr="C:\Users\Home\Pictures\캡처8.PNG"/>
+          <p:cNvPicPr>
+            <a:picLocks noChangeAspect="1" noChangeArrowheads="1"/>
+          </p:cNvPicPr>
+          <p:nvPr/>
+        </p:nvPicPr>
+        <p:blipFill>
+          <a:blip r:embed="rId3">
+            <a:extLst>
+              <a:ext uri="{28A0092B-C50C-407E-A947-70E740481C1C}">
+                <a14:useLocalDpi xmlns:a14="http://schemas.microsoft.com/office/drawing/2010/main" val="0"/>
+              </a:ext>
+            </a:extLst>
+          </a:blip>
+          <a:srcRect/>
+          <a:stretch>
+            <a:fillRect/>
+          </a:stretch>
+        </p:blipFill>
+        <p:spPr bwMode="auto">
+          <a:xfrm>
+            <a:off x="3858753" y="2996952"/>
+            <a:ext cx="5049758" cy="3717032"/>
+          </a:xfrm>
+          <a:prstGeom prst="rect">
+            <a:avLst/>
+          </a:prstGeom>
+          <a:noFill/>
+          <a:extLst>
+            <a:ext uri="{909E8E84-426E-40DD-AFC4-6F175D3DCCD1}">
+              <a14:hiddenFill xmlns:a14="http://schemas.microsoft.com/office/drawing/2010/main">
+                <a:solidFill>
+                  <a:srgbClr val="FFFFFF"/>
+                </a:solidFill>
+              </a14:hiddenFill>
+            </a:ext>
+          </a:extLst>
+        </p:spPr>
+      </p:pic>
     </p:spTree>
     <p:extLst>
       <p:ext uri="{BB962C8B-B14F-4D97-AF65-F5344CB8AC3E}">
-        <p14:creationId xmlns:p14="http://schemas.microsoft.com/office/powerpoint/2010/main" val="3923970264"/>
+        <p14:creationId xmlns:p14="http://schemas.microsoft.com/office/powerpoint/2010/main" val="2538434972"/>
+      </p:ext>
+    </p:extLst>
+  </p:cSld>
+  <p:clrMapOvr>
+    <a:masterClrMapping/>
+  </p:clrMapOvr>
+  <p:timing>
+    <p:tnLst>
+      <p:par>
+        <p:cTn id="1" dur="indefinite" restart="never" nodeType="tmRoot"/>
+      </p:par>
+    </p:tnLst>
+  </p:timing>
+</p:sld>
+</file>
+
+<file path=ppt/slides/slide9.xml><?xml version="1.0" encoding="utf-8"?>
+<p:sld xmlns:a="http://schemas.openxmlformats.org/drawingml/2006/main" xmlns:r="http://schemas.openxmlformats.org/officeDocument/2006/relationships" xmlns:p="http://schemas.openxmlformats.org/presentationml/2006/main">
+  <p:cSld>
+    <p:spTree>
+      <p:nvGrpSpPr>
+        <p:cNvPr id="1" name=""/>
+        <p:cNvGrpSpPr/>
+        <p:nvPr/>
+      </p:nvGrpSpPr>
+      <p:grpSpPr>
+        <a:xfrm>
+          <a:off x="0" y="0"/>
+          <a:ext cx="0" cy="0"/>
+          <a:chOff x="0" y="0"/>
+          <a:chExt cx="0" cy="0"/>
+        </a:xfrm>
+      </p:grpSpPr>
+      <p:sp>
+        <p:nvSpPr>
+          <p:cNvPr id="4" name="직사각형 3"/>
+          <p:cNvSpPr/>
+          <p:nvPr/>
+        </p:nvSpPr>
+        <p:spPr>
+          <a:xfrm>
+            <a:off x="0" y="0"/>
+            <a:ext cx="9144000" cy="1052736"/>
+          </a:xfrm>
+          <a:prstGeom prst="rect">
+            <a:avLst/>
+          </a:prstGeom>
+          <a:solidFill>
+            <a:schemeClr val="bg1">
+              <a:lumMod val="75000"/>
+            </a:schemeClr>
+          </a:solidFill>
+          <a:ln>
+            <a:noFill/>
+          </a:ln>
+        </p:spPr>
+        <p:style>
+          <a:lnRef idx="2">
+            <a:schemeClr val="accent1">
+              <a:shade val="50000"/>
+            </a:schemeClr>
+          </a:lnRef>
+          <a:fillRef idx="1">
+            <a:schemeClr val="accent1"/>
+          </a:fillRef>
+          <a:effectRef idx="0">
+            <a:schemeClr val="accent1"/>
+          </a:effectRef>
+          <a:fontRef idx="minor">
+            <a:schemeClr val="lt1"/>
+          </a:fontRef>
+        </p:style>
+        <p:txBody>
+          <a:bodyPr rtlCol="0" anchor="ctr"/>
+          <a:lstStyle/>
+          <a:p>
+            <a:pPr algn="ctr"/>
+            <a:endParaRPr lang="ko-KR" altLang="en-US"/>
+          </a:p>
+        </p:txBody>
+      </p:sp>
+      <p:sp>
+        <p:nvSpPr>
+          <p:cNvPr id="6" name="TextBox 5"/>
+          <p:cNvSpPr txBox="1"/>
+          <p:nvPr/>
+        </p:nvSpPr>
+        <p:spPr>
+          <a:xfrm>
+            <a:off x="35496" y="129406"/>
+            <a:ext cx="3185487" cy="923330"/>
+          </a:xfrm>
+          <a:prstGeom prst="rect">
+            <a:avLst/>
+          </a:prstGeom>
+          <a:noFill/>
+        </p:spPr>
+        <p:txBody>
+          <a:bodyPr wrap="none" rtlCol="0">
+            <a:spAutoFit/>
+          </a:bodyPr>
+          <a:lstStyle/>
+          <a:p>
+            <a:r>
+              <a:rPr lang="ko-KR" altLang="en-US" sz="5400" dirty="0" smtClean="0">
+                <a:solidFill>
+                  <a:schemeClr val="tx2">
+                    <a:lumMod val="50000"/>
+                  </a:schemeClr>
+                </a:solidFill>
+                <a:latin typeface="210 맨발의청춘 R" pitchFamily="18" charset="-127"/>
+                <a:ea typeface="210 맨발의청춘 R" pitchFamily="18" charset="-127"/>
+              </a:rPr>
+              <a:t>구현 기능</a:t>
+            </a:r>
+            <a:endParaRPr lang="ko-KR" altLang="en-US" sz="5400" dirty="0">
+              <a:solidFill>
+                <a:schemeClr val="tx2">
+                  <a:lumMod val="50000"/>
+                </a:schemeClr>
+              </a:solidFill>
+              <a:latin typeface="210 맨발의청춘 R" pitchFamily="18" charset="-127"/>
+              <a:ea typeface="210 맨발의청춘 R" pitchFamily="18" charset="-127"/>
+            </a:endParaRPr>
+          </a:p>
+        </p:txBody>
+      </p:sp>
+      <p:sp>
+        <p:nvSpPr>
+          <p:cNvPr id="7" name="TextBox 6"/>
+          <p:cNvSpPr txBox="1"/>
+          <p:nvPr/>
+        </p:nvSpPr>
+        <p:spPr>
+          <a:xfrm>
+            <a:off x="1115616" y="1057819"/>
+            <a:ext cx="1962397" cy="584775"/>
+          </a:xfrm>
+          <a:prstGeom prst="rect">
+            <a:avLst/>
+          </a:prstGeom>
+          <a:noFill/>
+        </p:spPr>
+        <p:txBody>
+          <a:bodyPr wrap="none" rtlCol="0">
+            <a:spAutoFit/>
+          </a:bodyPr>
+          <a:lstStyle/>
+          <a:p>
+            <a:r>
+              <a:rPr lang="ko-KR" altLang="en-US" sz="3200" i="1" dirty="0" smtClean="0">
+                <a:solidFill>
+                  <a:schemeClr val="tx1">
+                    <a:lumMod val="50000"/>
+                    <a:lumOff val="50000"/>
+                  </a:schemeClr>
+                </a:solidFill>
+                <a:latin typeface="210 맨발의청춘 R" pitchFamily="18" charset="-127"/>
+                <a:ea typeface="210 맨발의청춘 R" pitchFamily="18" charset="-127"/>
+              </a:rPr>
+              <a:t>일정 관리</a:t>
+            </a:r>
+            <a:endParaRPr lang="ko-KR" altLang="en-US" sz="3200" i="1" dirty="0">
+              <a:solidFill>
+                <a:schemeClr val="tx1">
+                  <a:lumMod val="50000"/>
+                  <a:lumOff val="50000"/>
+                </a:schemeClr>
+              </a:solidFill>
+              <a:latin typeface="210 맨발의청춘 R" pitchFamily="18" charset="-127"/>
+              <a:ea typeface="210 맨발의청춘 R" pitchFamily="18" charset="-127"/>
+            </a:endParaRPr>
+          </a:p>
+        </p:txBody>
+      </p:sp>
+      <p:pic>
+        <p:nvPicPr>
+          <p:cNvPr id="5" name="Picture 3" descr="C:\Users\Home\Pictures\캡처7.PNG"/>
+          <p:cNvPicPr>
+            <a:picLocks noChangeAspect="1" noChangeArrowheads="1"/>
+          </p:cNvPicPr>
+          <p:nvPr/>
+        </p:nvPicPr>
+        <p:blipFill>
+          <a:blip r:embed="rId2">
+            <a:extLst>
+              <a:ext uri="{28A0092B-C50C-407E-A947-70E740481C1C}">
+                <a14:useLocalDpi xmlns:a14="http://schemas.microsoft.com/office/drawing/2010/main" val="0"/>
+              </a:ext>
+            </a:extLst>
+          </a:blip>
+          <a:srcRect/>
+          <a:stretch>
+            <a:fillRect/>
+          </a:stretch>
+        </p:blipFill>
+        <p:spPr bwMode="auto">
+          <a:xfrm>
+            <a:off x="43132" y="1844824"/>
+            <a:ext cx="5536980" cy="2123330"/>
+          </a:xfrm>
+          <a:prstGeom prst="rect">
+            <a:avLst/>
+          </a:prstGeom>
+          <a:noFill/>
+          <a:extLst>
+            <a:ext uri="{909E8E84-426E-40DD-AFC4-6F175D3DCCD1}">
+              <a14:hiddenFill xmlns:a14="http://schemas.microsoft.com/office/drawing/2010/main">
+                <a:solidFill>
+                  <a:srgbClr val="FFFFFF"/>
+                </a:solidFill>
+              </a14:hiddenFill>
+            </a:ext>
+          </a:extLst>
+        </p:spPr>
+      </p:pic>
+      <p:pic>
+        <p:nvPicPr>
+          <p:cNvPr id="7170" name="Picture 2"/>
+          <p:cNvPicPr>
+            <a:picLocks noChangeAspect="1" noChangeArrowheads="1"/>
+          </p:cNvPicPr>
+          <p:nvPr/>
+        </p:nvPicPr>
+        <p:blipFill>
+          <a:blip r:embed="rId3">
+            <a:extLst>
+              <a:ext uri="{28A0092B-C50C-407E-A947-70E740481C1C}">
+                <a14:useLocalDpi xmlns:a14="http://schemas.microsoft.com/office/drawing/2010/main" val="0"/>
+              </a:ext>
+            </a:extLst>
+          </a:blip>
+          <a:srcRect/>
+          <a:stretch>
+            <a:fillRect/>
+          </a:stretch>
+        </p:blipFill>
+        <p:spPr bwMode="auto">
+          <a:xfrm>
+            <a:off x="2451582" y="3968154"/>
+            <a:ext cx="6512906" cy="2371181"/>
+          </a:xfrm>
+          <a:prstGeom prst="rect">
+            <a:avLst/>
+          </a:prstGeom>
+          <a:noFill/>
+          <a:ln>
+            <a:noFill/>
+          </a:ln>
+          <a:extLst>
+            <a:ext uri="{909E8E84-426E-40DD-AFC4-6F175D3DCCD1}">
+              <a14:hiddenFill xmlns:a14="http://schemas.microsoft.com/office/drawing/2010/main">
+                <a:solidFill>
+                  <a:schemeClr val="accent1"/>
+                </a:solidFill>
+              </a14:hiddenFill>
+            </a:ext>
+            <a:ext uri="{91240B29-F687-4F45-9708-019B960494DF}">
+              <a14:hiddenLine xmlns:a14="http://schemas.microsoft.com/office/drawing/2010/main" w="9525">
+                <a:solidFill>
+                  <a:schemeClr val="tx1"/>
+                </a:solidFill>
+                <a:miter lim="800000"/>
+                <a:headEnd/>
+                <a:tailEnd/>
+              </a14:hiddenLine>
+            </a:ext>
+          </a:extLst>
+        </p:spPr>
+      </p:pic>
+    </p:spTree>
+    <p:extLst>
+      <p:ext uri="{BB962C8B-B14F-4D97-AF65-F5344CB8AC3E}">
+        <p14:creationId xmlns:p14="http://schemas.microsoft.com/office/powerpoint/2010/main" val="1149133331"/>
       </p:ext>
     </p:extLst>
   </p:cSld>
